--- a/whiteboard-design-session/Preferred solution diagrams.pptx
+++ b/whiteboard-design-session/Preferred solution diagrams.pptx
@@ -146,9 +146,7 @@
 
 <file path=ppt/commentAuthors.xml><?xml version="1.0" encoding="utf-8"?>
 <p:cmAuthorLst xmlns:a="http://schemas.openxmlformats.org/drawingml/2006/main" xmlns:r="http://schemas.openxmlformats.org/officeDocument/2006/relationships" xmlns:p="http://schemas.openxmlformats.org/presentationml/2006/main">
-  <p:cmAuthor id="1" name="Matthew Weatherly" initials="MW" lastIdx="3" clrIdx="0">
-    <p:extLst/>
-  </p:cmAuthor>
+  <p:cmAuthor id="1" name="Matthew Weatherly" initials="MW" lastIdx="3" clrIdx="0"/>
 </p:cmAuthorLst>
 </file>
 
@@ -238,7 +236,7 @@
               <a:rPr lang="en-US" smtClean="0">
                 <a:latin typeface="Segoe UI"/>
               </a:rPr>
-              <a:t>11/24/2018</a:t>
+              <a:t>10/16/2019</a:t>
             </a:fld>
             <a:endParaRPr lang="en-US">
               <a:latin typeface="Segoe UI"/>
@@ -520,182 +518,6 @@
 </p:notesMaster>
 </file>
 
-<file path=ppt/notesSlides/notesSlide1.xml><?xml version="1.0" encoding="utf-8"?>
-<p:notes xmlns:a="http://schemas.openxmlformats.org/drawingml/2006/main" xmlns:r="http://schemas.openxmlformats.org/officeDocument/2006/relationships" xmlns:p="http://schemas.openxmlformats.org/presentationml/2006/main">
-  <p:cSld>
-    <p:spTree>
-      <p:nvGrpSpPr>
-        <p:cNvPr id="1" name=""/>
-        <p:cNvGrpSpPr/>
-        <p:nvPr/>
-      </p:nvGrpSpPr>
-      <p:grpSpPr>
-        <a:xfrm>
-          <a:off x="0" y="0"/>
-          <a:ext cx="0" cy="0"/>
-          <a:chOff x="0" y="0"/>
-          <a:chExt cx="0" cy="0"/>
-        </a:xfrm>
-      </p:grpSpPr>
-      <p:sp>
-        <p:nvSpPr>
-          <p:cNvPr id="2" name="Slide Image Placeholder 1"/>
-          <p:cNvSpPr>
-            <a:spLocks noGrp="1" noRot="1" noChangeAspect="1"/>
-          </p:cNvSpPr>
-          <p:nvPr>
-            <p:ph type="sldImg"/>
-          </p:nvPr>
-        </p:nvSpPr>
-        <p:spPr/>
-      </p:sp>
-      <p:sp>
-        <p:nvSpPr>
-          <p:cNvPr id="3" name="Notes Placeholder 2"/>
-          <p:cNvSpPr>
-            <a:spLocks noGrp="1"/>
-          </p:cNvSpPr>
-          <p:nvPr>
-            <p:ph type="body" idx="1"/>
-          </p:nvPr>
-        </p:nvSpPr>
-        <p:spPr/>
-        <p:txBody>
-          <a:bodyPr/>
-          <a:lstStyle/>
-          <a:p>
-            <a:endParaRPr lang="en-US" dirty="0"/>
-          </a:p>
-        </p:txBody>
-      </p:sp>
-      <p:sp>
-        <p:nvSpPr>
-          <p:cNvPr id="4" name="Slide Number Placeholder 3"/>
-          <p:cNvSpPr>
-            <a:spLocks noGrp="1"/>
-          </p:cNvSpPr>
-          <p:nvPr>
-            <p:ph type="sldNum" sz="quarter" idx="10"/>
-          </p:nvPr>
-        </p:nvSpPr>
-        <p:spPr/>
-        <p:txBody>
-          <a:bodyPr/>
-          <a:lstStyle/>
-          <a:p>
-            <a:fld id="{31EC98A2-63D6-435F-B64E-DDADF3E6E2B7}" type="slidenum">
-              <a:rPr lang="en-US" smtClean="0">
-                <a:latin typeface="Segoe UI"/>
-              </a:rPr>
-              <a:t>1</a:t>
-            </a:fld>
-            <a:endParaRPr lang="en-US">
-              <a:latin typeface="Segoe UI"/>
-            </a:endParaRPr>
-          </a:p>
-        </p:txBody>
-      </p:sp>
-    </p:spTree>
-    <p:extLst>
-      <p:ext uri="{BB962C8B-B14F-4D97-AF65-F5344CB8AC3E}">
-        <p14:creationId xmlns:p14="http://schemas.microsoft.com/office/powerpoint/2010/main" val="1789479163"/>
-      </p:ext>
-    </p:extLst>
-  </p:cSld>
-  <p:clrMapOvr>
-    <a:masterClrMapping/>
-  </p:clrMapOvr>
-</p:notes>
-</file>
-
-<file path=ppt/notesSlides/notesSlide2.xml><?xml version="1.0" encoding="utf-8"?>
-<p:notes xmlns:a="http://schemas.openxmlformats.org/drawingml/2006/main" xmlns:r="http://schemas.openxmlformats.org/officeDocument/2006/relationships" xmlns:p="http://schemas.openxmlformats.org/presentationml/2006/main">
-  <p:cSld>
-    <p:spTree>
-      <p:nvGrpSpPr>
-        <p:cNvPr id="1" name=""/>
-        <p:cNvGrpSpPr/>
-        <p:nvPr/>
-      </p:nvGrpSpPr>
-      <p:grpSpPr>
-        <a:xfrm>
-          <a:off x="0" y="0"/>
-          <a:ext cx="0" cy="0"/>
-          <a:chOff x="0" y="0"/>
-          <a:chExt cx="0" cy="0"/>
-        </a:xfrm>
-      </p:grpSpPr>
-      <p:sp>
-        <p:nvSpPr>
-          <p:cNvPr id="2" name="Slide Image Placeholder 1"/>
-          <p:cNvSpPr>
-            <a:spLocks noGrp="1" noRot="1" noChangeAspect="1"/>
-          </p:cNvSpPr>
-          <p:nvPr>
-            <p:ph type="sldImg"/>
-          </p:nvPr>
-        </p:nvSpPr>
-        <p:spPr/>
-      </p:sp>
-      <p:sp>
-        <p:nvSpPr>
-          <p:cNvPr id="3" name="Notes Placeholder 2"/>
-          <p:cNvSpPr>
-            <a:spLocks noGrp="1"/>
-          </p:cNvSpPr>
-          <p:nvPr>
-            <p:ph type="body" idx="1"/>
-          </p:nvPr>
-        </p:nvSpPr>
-        <p:spPr/>
-        <p:txBody>
-          <a:bodyPr/>
-          <a:lstStyle/>
-          <a:p>
-            <a:endParaRPr lang="en-US" dirty="0"/>
-          </a:p>
-        </p:txBody>
-      </p:sp>
-      <p:sp>
-        <p:nvSpPr>
-          <p:cNvPr id="4" name="Slide Number Placeholder 3"/>
-          <p:cNvSpPr>
-            <a:spLocks noGrp="1"/>
-          </p:cNvSpPr>
-          <p:nvPr>
-            <p:ph type="sldNum" sz="quarter" idx="10"/>
-          </p:nvPr>
-        </p:nvSpPr>
-        <p:spPr/>
-        <p:txBody>
-          <a:bodyPr/>
-          <a:lstStyle/>
-          <a:p>
-            <a:fld id="{31EC98A2-63D6-435F-B64E-DDADF3E6E2B7}" type="slidenum">
-              <a:rPr lang="en-US" smtClean="0">
-                <a:latin typeface="Segoe UI"/>
-              </a:rPr>
-              <a:t>2</a:t>
-            </a:fld>
-            <a:endParaRPr lang="en-US">
-              <a:latin typeface="Segoe UI"/>
-            </a:endParaRPr>
-          </a:p>
-        </p:txBody>
-      </p:sp>
-    </p:spTree>
-    <p:extLst>
-      <p:ext uri="{BB962C8B-B14F-4D97-AF65-F5344CB8AC3E}">
-        <p14:creationId xmlns:p14="http://schemas.microsoft.com/office/powerpoint/2010/main" val="1468101362"/>
-      </p:ext>
-    </p:extLst>
-  </p:cSld>
-  <p:clrMapOvr>
-    <a:masterClrMapping/>
-  </p:clrMapOvr>
-</p:notes>
-</file>
-
 <file path=ppt/slideLayouts/slideLayout1.xml><?xml version="1.0" encoding="utf-8"?>
 <p:sldLayout xmlns:a="http://schemas.openxmlformats.org/drawingml/2006/main" xmlns:r="http://schemas.openxmlformats.org/officeDocument/2006/relationships" xmlns:p="http://schemas.openxmlformats.org/presentationml/2006/main" preserve="1">
   <p:cSld name="Title | EPG">
@@ -738,7 +560,7 @@
           <a:graphicData uri="http://schemas.openxmlformats.org/presentationml/2006/ole">
             <mc:AlternateContent xmlns:mc="http://schemas.openxmlformats.org/markup-compatibility/2006">
               <mc:Choice xmlns:v="urn:schemas-microsoft-com:vml" Requires="v">
-                <p:oleObj spid="_x0000_s11090" name="think-cell Slide" r:id="rId8" imgW="270" imgH="270" progId="TCLayout.ActiveDocument.1">
+                <p:oleObj spid="_x0000_s11083" name="think-cell Slide" r:id="rId8" imgW="270" imgH="270" progId="TCLayout.ActiveDocument.1">
                   <p:embed/>
                 </p:oleObj>
               </mc:Choice>
@@ -1094,7 +916,7 @@
           <a:graphicData uri="http://schemas.openxmlformats.org/presentationml/2006/ole">
             <mc:AlternateContent xmlns:mc="http://schemas.openxmlformats.org/markup-compatibility/2006">
               <mc:Choice xmlns:v="urn:schemas-microsoft-com:vml" Requires="v">
-                <p:oleObj spid="_x0000_s20306" name="think-cell Slide" r:id="rId11" imgW="270" imgH="270" progId="TCLayout.ActiveDocument.1">
+                <p:oleObj spid="_x0000_s20299" name="think-cell Slide" r:id="rId11" imgW="270" imgH="270" progId="TCLayout.ActiveDocument.1">
                   <p:embed/>
                 </p:oleObj>
               </mc:Choice>
@@ -1594,7 +1416,7 @@
           <a:graphicData uri="http://schemas.openxmlformats.org/presentationml/2006/ole">
             <mc:AlternateContent xmlns:mc="http://schemas.openxmlformats.org/markup-compatibility/2006">
               <mc:Choice xmlns:v="urn:schemas-microsoft-com:vml" Requires="v">
-                <p:oleObj spid="_x0000_s21330" name="think-cell Slide" r:id="rId11" imgW="270" imgH="270" progId="TCLayout.ActiveDocument.1">
+                <p:oleObj spid="_x0000_s21323" name="think-cell Slide" r:id="rId11" imgW="270" imgH="270" progId="TCLayout.ActiveDocument.1">
                   <p:embed/>
                 </p:oleObj>
               </mc:Choice>
@@ -2138,7 +1960,7 @@
           <a:graphicData uri="http://schemas.openxmlformats.org/presentationml/2006/ole">
             <mc:AlternateContent xmlns:mc="http://schemas.openxmlformats.org/markup-compatibility/2006">
               <mc:Choice xmlns:v="urn:schemas-microsoft-com:vml" Requires="v">
-                <p:oleObj spid="_x0000_s22354" name="think-cell Slide" r:id="rId9" imgW="270" imgH="270" progId="TCLayout.ActiveDocument.1">
+                <p:oleObj spid="_x0000_s22347" name="think-cell Slide" r:id="rId9" imgW="270" imgH="270" progId="TCLayout.ActiveDocument.1">
                   <p:embed/>
                 </p:oleObj>
               </mc:Choice>
@@ -2520,7 +2342,7 @@
           <a:graphicData uri="http://schemas.openxmlformats.org/presentationml/2006/ole">
             <mc:AlternateContent xmlns:mc="http://schemas.openxmlformats.org/markup-compatibility/2006">
               <mc:Choice xmlns:v="urn:schemas-microsoft-com:vml" Requires="v">
-                <p:oleObj spid="_x0000_s23378" name="think-cell Slide" r:id="rId12" imgW="270" imgH="270" progId="TCLayout.ActiveDocument.1">
+                <p:oleObj spid="_x0000_s23371" name="think-cell Slide" r:id="rId12" imgW="270" imgH="270" progId="TCLayout.ActiveDocument.1">
                   <p:embed/>
                 </p:oleObj>
               </mc:Choice>
@@ -3016,7 +2838,7 @@
           <a:graphicData uri="http://schemas.openxmlformats.org/presentationml/2006/ole">
             <mc:AlternateContent xmlns:mc="http://schemas.openxmlformats.org/markup-compatibility/2006">
               <mc:Choice xmlns:v="urn:schemas-microsoft-com:vml" Requires="v">
-                <p:oleObj spid="_x0000_s24402" name="think-cell Slide" r:id="rId12" imgW="270" imgH="270" progId="TCLayout.ActiveDocument.1">
+                <p:oleObj spid="_x0000_s24395" name="think-cell Slide" r:id="rId12" imgW="270" imgH="270" progId="TCLayout.ActiveDocument.1">
                   <p:embed/>
                 </p:oleObj>
               </mc:Choice>
@@ -3520,7 +3342,7 @@
           <a:graphicData uri="http://schemas.openxmlformats.org/presentationml/2006/ole">
             <mc:AlternateContent xmlns:mc="http://schemas.openxmlformats.org/markup-compatibility/2006">
               <mc:Choice xmlns:v="urn:schemas-microsoft-com:vml" Requires="v">
-                <p:oleObj spid="_x0000_s25426" name="think-cell Slide" r:id="rId7" imgW="270" imgH="270" progId="TCLayout.ActiveDocument.1">
+                <p:oleObj spid="_x0000_s25419" name="think-cell Slide" r:id="rId7" imgW="270" imgH="270" progId="TCLayout.ActiveDocument.1">
                   <p:embed/>
                 </p:oleObj>
               </mc:Choice>
@@ -3814,7 +3636,7 @@
           <a:graphicData uri="http://schemas.openxmlformats.org/presentationml/2006/ole">
             <mc:AlternateContent xmlns:mc="http://schemas.openxmlformats.org/markup-compatibility/2006">
               <mc:Choice xmlns:v="urn:schemas-microsoft-com:vml" Requires="v">
-                <p:oleObj spid="_x0000_s26450" name="think-cell Slide" r:id="rId9" imgW="270" imgH="270" progId="TCLayout.ActiveDocument.1">
+                <p:oleObj spid="_x0000_s26443" name="think-cell Slide" r:id="rId9" imgW="270" imgH="270" progId="TCLayout.ActiveDocument.1">
                   <p:embed/>
                 </p:oleObj>
               </mc:Choice>
@@ -4179,7 +4001,7 @@
           <a:graphicData uri="http://schemas.openxmlformats.org/presentationml/2006/ole">
             <mc:AlternateContent xmlns:mc="http://schemas.openxmlformats.org/markup-compatibility/2006">
               <mc:Choice xmlns:v="urn:schemas-microsoft-com:vml" Requires="v">
-                <p:oleObj spid="_x0000_s27474" name="think-cell Slide" r:id="rId9" imgW="270" imgH="270" progId="TCLayout.ActiveDocument.1">
+                <p:oleObj spid="_x0000_s27467" name="think-cell Slide" r:id="rId9" imgW="270" imgH="270" progId="TCLayout.ActiveDocument.1">
                   <p:embed/>
                 </p:oleObj>
               </mc:Choice>
@@ -4544,7 +4366,7 @@
           <a:graphicData uri="http://schemas.openxmlformats.org/presentationml/2006/ole">
             <mc:AlternateContent xmlns:mc="http://schemas.openxmlformats.org/markup-compatibility/2006">
               <mc:Choice xmlns:v="urn:schemas-microsoft-com:vml" Requires="v">
-                <p:oleObj spid="_x0000_s28498" name="think-cell Slide" r:id="rId9" imgW="270" imgH="270" progId="TCLayout.ActiveDocument.1">
+                <p:oleObj spid="_x0000_s28491" name="think-cell Slide" r:id="rId9" imgW="270" imgH="270" progId="TCLayout.ActiveDocument.1">
                   <p:embed/>
                 </p:oleObj>
               </mc:Choice>
@@ -4909,7 +4731,7 @@
           <a:graphicData uri="http://schemas.openxmlformats.org/presentationml/2006/ole">
             <mc:AlternateContent xmlns:mc="http://schemas.openxmlformats.org/markup-compatibility/2006">
               <mc:Choice xmlns:v="urn:schemas-microsoft-com:vml" Requires="v">
-                <p:oleObj spid="_x0000_s29522" name="think-cell Slide" r:id="rId8" imgW="270" imgH="270" progId="TCLayout.ActiveDocument.1">
+                <p:oleObj spid="_x0000_s29515" name="think-cell Slide" r:id="rId8" imgW="270" imgH="270" progId="TCLayout.ActiveDocument.1">
                   <p:embed/>
                 </p:oleObj>
               </mc:Choice>
@@ -5175,7 +4997,7 @@
           <a:graphicData uri="http://schemas.openxmlformats.org/presentationml/2006/ole">
             <mc:AlternateContent xmlns:mc="http://schemas.openxmlformats.org/markup-compatibility/2006">
               <mc:Choice xmlns:v="urn:schemas-microsoft-com:vml" Requires="v">
-                <p:oleObj spid="_x0000_s12114" name="think-cell Slide" r:id="rId9" imgW="270" imgH="270" progId="TCLayout.ActiveDocument.1">
+                <p:oleObj spid="_x0000_s12107" name="think-cell Slide" r:id="rId9" imgW="270" imgH="270" progId="TCLayout.ActiveDocument.1">
                   <p:embed/>
                 </p:oleObj>
               </mc:Choice>
@@ -5565,7 +5387,7 @@
           <a:graphicData uri="http://schemas.openxmlformats.org/presentationml/2006/ole">
             <mc:AlternateContent xmlns:mc="http://schemas.openxmlformats.org/markup-compatibility/2006">
               <mc:Choice xmlns:v="urn:schemas-microsoft-com:vml" Requires="v">
-                <p:oleObj spid="_x0000_s30546" name="think-cell Slide" r:id="rId10" imgW="270" imgH="270" progId="TCLayout.ActiveDocument.1">
+                <p:oleObj spid="_x0000_s30539" name="think-cell Slide" r:id="rId10" imgW="270" imgH="270" progId="TCLayout.ActiveDocument.1">
                   <p:embed/>
                 </p:oleObj>
               </mc:Choice>
@@ -5919,7 +5741,7 @@
           <a:graphicData uri="http://schemas.openxmlformats.org/presentationml/2006/ole">
             <mc:AlternateContent xmlns:mc="http://schemas.openxmlformats.org/markup-compatibility/2006">
               <mc:Choice xmlns:v="urn:schemas-microsoft-com:vml" Requires="v">
-                <p:oleObj spid="_x0000_s31570" name="think-cell Slide" r:id="rId10" imgW="270" imgH="270" progId="TCLayout.ActiveDocument.1">
+                <p:oleObj spid="_x0000_s31563" name="think-cell Slide" r:id="rId10" imgW="270" imgH="270" progId="TCLayout.ActiveDocument.1">
                   <p:embed/>
                 </p:oleObj>
               </mc:Choice>
@@ -6343,7 +6165,6 @@
             <p:custDataLst>
               <p:tags r:id="rId2"/>
             </p:custDataLst>
-            <p:extLst/>
           </p:nvPr>
         </p:nvGraphicFramePr>
         <p:xfrm>
@@ -6354,7 +6175,7 @@
           <a:graphicData uri="http://schemas.openxmlformats.org/presentationml/2006/ole">
             <mc:AlternateContent xmlns:mc="http://schemas.openxmlformats.org/markup-compatibility/2006">
               <mc:Choice xmlns:v="urn:schemas-microsoft-com:vml" Requires="v">
-                <p:oleObj spid="_x0000_s48950" name="think-cell Slide" r:id="rId9" imgW="270" imgH="270" progId="TCLayout.ActiveDocument.1">
+                <p:oleObj spid="_x0000_s48943" name="think-cell Slide" r:id="rId9" imgW="270" imgH="270" progId="TCLayout.ActiveDocument.1">
                   <p:embed/>
                 </p:oleObj>
               </mc:Choice>
@@ -6729,7 +6550,6 @@
             <p:custDataLst>
               <p:tags r:id="rId2"/>
             </p:custDataLst>
-            <p:extLst/>
           </p:nvPr>
         </p:nvGraphicFramePr>
         <p:xfrm>
@@ -6740,7 +6560,7 @@
           <a:graphicData uri="http://schemas.openxmlformats.org/presentationml/2006/ole">
             <mc:AlternateContent xmlns:mc="http://schemas.openxmlformats.org/markup-compatibility/2006">
               <mc:Choice xmlns:v="urn:schemas-microsoft-com:vml" Requires="v">
-                <p:oleObj spid="_x0000_s55094" name="think-cell Slide" r:id="rId11" imgW="270" imgH="270" progId="TCLayout.ActiveDocument.1">
+                <p:oleObj spid="_x0000_s55087" name="think-cell Slide" r:id="rId11" imgW="270" imgH="270" progId="TCLayout.ActiveDocument.1">
                   <p:embed/>
                 </p:oleObj>
               </mc:Choice>
@@ -7218,7 +7038,6 @@
             <p:custDataLst>
               <p:tags r:id="rId2"/>
             </p:custDataLst>
-            <p:extLst/>
           </p:nvPr>
         </p:nvGraphicFramePr>
         <p:xfrm>
@@ -7229,7 +7048,7 @@
           <a:graphicData uri="http://schemas.openxmlformats.org/presentationml/2006/ole">
             <mc:AlternateContent xmlns:mc="http://schemas.openxmlformats.org/markup-compatibility/2006">
               <mc:Choice xmlns:v="urn:schemas-microsoft-com:vml" Requires="v">
-                <p:oleObj spid="_x0000_s56118" name="think-cell Slide" r:id="rId10" imgW="270" imgH="270" progId="TCLayout.ActiveDocument.1">
+                <p:oleObj spid="_x0000_s56111" name="think-cell Slide" r:id="rId10" imgW="270" imgH="270" progId="TCLayout.ActiveDocument.1">
                   <p:embed/>
                 </p:oleObj>
               </mc:Choice>
@@ -7656,7 +7475,6 @@
             <p:custDataLst>
               <p:tags r:id="rId2"/>
             </p:custDataLst>
-            <p:extLst/>
           </p:nvPr>
         </p:nvGraphicFramePr>
         <p:xfrm>
@@ -7667,7 +7485,7 @@
           <a:graphicData uri="http://schemas.openxmlformats.org/presentationml/2006/ole">
             <mc:AlternateContent xmlns:mc="http://schemas.openxmlformats.org/markup-compatibility/2006">
               <mc:Choice xmlns:v="urn:schemas-microsoft-com:vml" Requires="v">
-                <p:oleObj spid="_x0000_s59190" name="think-cell Slide" r:id="rId11" imgW="270" imgH="270" progId="TCLayout.ActiveDocument.1">
+                <p:oleObj spid="_x0000_s59183" name="think-cell Slide" r:id="rId11" imgW="270" imgH="270" progId="TCLayout.ActiveDocument.1">
                   <p:embed/>
                 </p:oleObj>
               </mc:Choice>
@@ -8196,7 +8014,6 @@
             <p:custDataLst>
               <p:tags r:id="rId2"/>
             </p:custDataLst>
-            <p:extLst/>
           </p:nvPr>
         </p:nvGraphicFramePr>
         <p:xfrm>
@@ -8207,7 +8024,7 @@
           <a:graphicData uri="http://schemas.openxmlformats.org/presentationml/2006/ole">
             <mc:AlternateContent xmlns:mc="http://schemas.openxmlformats.org/markup-compatibility/2006">
               <mc:Choice xmlns:v="urn:schemas-microsoft-com:vml" Requires="v">
-                <p:oleObj spid="_x0000_s60214" name="think-cell Slide" r:id="rId9" imgW="270" imgH="270" progId="TCLayout.ActiveDocument.1">
+                <p:oleObj spid="_x0000_s60207" name="think-cell Slide" r:id="rId9" imgW="270" imgH="270" progId="TCLayout.ActiveDocument.1">
                   <p:embed/>
                 </p:oleObj>
               </mc:Choice>
@@ -8582,7 +8399,6 @@
             <p:custDataLst>
               <p:tags r:id="rId2"/>
             </p:custDataLst>
-            <p:extLst/>
           </p:nvPr>
         </p:nvGraphicFramePr>
         <p:xfrm>
@@ -8593,7 +8409,7 @@
           <a:graphicData uri="http://schemas.openxmlformats.org/presentationml/2006/ole">
             <mc:AlternateContent xmlns:mc="http://schemas.openxmlformats.org/markup-compatibility/2006">
               <mc:Choice xmlns:v="urn:schemas-microsoft-com:vml" Requires="v">
-                <p:oleObj spid="_x0000_s63286" name="think-cell Slide" r:id="rId7" imgW="270" imgH="270" progId="TCLayout.ActiveDocument.1">
+                <p:oleObj spid="_x0000_s63279" name="think-cell Slide" r:id="rId7" imgW="270" imgH="270" progId="TCLayout.ActiveDocument.1">
                   <p:embed/>
                 </p:oleObj>
               </mc:Choice>
@@ -8872,7 +8688,6 @@
             <p:custDataLst>
               <p:tags r:id="rId2"/>
             </p:custDataLst>
-            <p:extLst/>
           </p:nvPr>
         </p:nvGraphicFramePr>
         <p:xfrm>
@@ -8883,7 +8698,7 @@
           <a:graphicData uri="http://schemas.openxmlformats.org/presentationml/2006/ole">
             <mc:AlternateContent xmlns:mc="http://schemas.openxmlformats.org/markup-compatibility/2006">
               <mc:Choice xmlns:v="urn:schemas-microsoft-com:vml" Requires="v">
-                <p:oleObj spid="_x0000_s67382" name="think-cell Slide" r:id="rId8" imgW="270" imgH="270" progId="TCLayout.ActiveDocument.1">
+                <p:oleObj spid="_x0000_s67375" name="think-cell Slide" r:id="rId8" imgW="270" imgH="270" progId="TCLayout.ActiveDocument.1">
                   <p:embed/>
                 </p:oleObj>
               </mc:Choice>
@@ -9149,7 +8964,7 @@
           <a:graphicData uri="http://schemas.openxmlformats.org/presentationml/2006/ole">
             <mc:AlternateContent xmlns:mc="http://schemas.openxmlformats.org/markup-compatibility/2006">
               <mc:Choice xmlns:v="urn:schemas-microsoft-com:vml" Requires="v">
-                <p:oleObj spid="_x0000_s13138" name="think-cell Slide" r:id="rId9" imgW="270" imgH="270" progId="TCLayout.ActiveDocument.1">
+                <p:oleObj spid="_x0000_s13131" name="think-cell Slide" r:id="rId9" imgW="270" imgH="270" progId="TCLayout.ActiveDocument.1">
                   <p:embed/>
                 </p:oleObj>
               </mc:Choice>
@@ -9539,7 +9354,7 @@
           <a:graphicData uri="http://schemas.openxmlformats.org/presentationml/2006/ole">
             <mc:AlternateContent xmlns:mc="http://schemas.openxmlformats.org/markup-compatibility/2006">
               <mc:Choice xmlns:v="urn:schemas-microsoft-com:vml" Requires="v">
-                <p:oleObj spid="_x0000_s14162" name="think-cell Slide" r:id="rId9" imgW="270" imgH="270" progId="TCLayout.ActiveDocument.1">
+                <p:oleObj spid="_x0000_s14155" name="think-cell Slide" r:id="rId9" imgW="270" imgH="270" progId="TCLayout.ActiveDocument.1">
                   <p:embed/>
                 </p:oleObj>
               </mc:Choice>
@@ -9929,7 +9744,7 @@
           <a:graphicData uri="http://schemas.openxmlformats.org/presentationml/2006/ole">
             <mc:AlternateContent xmlns:mc="http://schemas.openxmlformats.org/markup-compatibility/2006">
               <mc:Choice xmlns:v="urn:schemas-microsoft-com:vml" Requires="v">
-                <p:oleObj spid="_x0000_s15186" name="think-cell Slide" r:id="rId9" imgW="270" imgH="270" progId="TCLayout.ActiveDocument.1">
+                <p:oleObj spid="_x0000_s15179" name="think-cell Slide" r:id="rId9" imgW="270" imgH="270" progId="TCLayout.ActiveDocument.1">
                   <p:embed/>
                 </p:oleObj>
               </mc:Choice>
@@ -10319,7 +10134,7 @@
           <a:graphicData uri="http://schemas.openxmlformats.org/presentationml/2006/ole">
             <mc:AlternateContent xmlns:mc="http://schemas.openxmlformats.org/markup-compatibility/2006">
               <mc:Choice xmlns:v="urn:schemas-microsoft-com:vml" Requires="v">
-                <p:oleObj spid="_x0000_s16210" name="think-cell Slide" r:id="rId9" imgW="270" imgH="270" progId="TCLayout.ActiveDocument.1">
+                <p:oleObj spid="_x0000_s16203" name="think-cell Slide" r:id="rId9" imgW="270" imgH="270" progId="TCLayout.ActiveDocument.1">
                   <p:embed/>
                 </p:oleObj>
               </mc:Choice>
@@ -10709,7 +10524,7 @@
           <a:graphicData uri="http://schemas.openxmlformats.org/presentationml/2006/ole">
             <mc:AlternateContent xmlns:mc="http://schemas.openxmlformats.org/markup-compatibility/2006">
               <mc:Choice xmlns:v="urn:schemas-microsoft-com:vml" Requires="v">
-                <p:oleObj spid="_x0000_s17234" name="think-cell Slide" r:id="rId11" imgW="270" imgH="270" progId="TCLayout.ActiveDocument.1">
+                <p:oleObj spid="_x0000_s17227" name="think-cell Slide" r:id="rId11" imgW="270" imgH="270" progId="TCLayout.ActiveDocument.1">
                   <p:embed/>
                 </p:oleObj>
               </mc:Choice>
@@ -11202,7 +11017,7 @@
           <a:graphicData uri="http://schemas.openxmlformats.org/presentationml/2006/ole">
             <mc:AlternateContent xmlns:mc="http://schemas.openxmlformats.org/markup-compatibility/2006">
               <mc:Choice xmlns:v="urn:schemas-microsoft-com:vml" Requires="v">
-                <p:oleObj spid="_x0000_s18258" name="think-cell Slide" r:id="rId10" imgW="270" imgH="270" progId="TCLayout.ActiveDocument.1">
+                <p:oleObj spid="_x0000_s18251" name="think-cell Slide" r:id="rId10" imgW="270" imgH="270" progId="TCLayout.ActiveDocument.1">
                   <p:embed/>
                 </p:oleObj>
               </mc:Choice>
@@ -11644,7 +11459,7 @@
           <a:graphicData uri="http://schemas.openxmlformats.org/presentationml/2006/ole">
             <mc:AlternateContent xmlns:mc="http://schemas.openxmlformats.org/markup-compatibility/2006">
               <mc:Choice xmlns:v="urn:schemas-microsoft-com:vml" Requires="v">
-                <p:oleObj spid="_x0000_s19282" name="think-cell Slide" r:id="rId12" imgW="270" imgH="270" progId="TCLayout.ActiveDocument.1">
+                <p:oleObj spid="_x0000_s19275" name="think-cell Slide" r:id="rId12" imgW="270" imgH="270" progId="TCLayout.ActiveDocument.1">
                   <p:embed/>
                 </p:oleObj>
               </mc:Choice>
@@ -12215,7 +12030,7 @@
           <a:graphicData uri="http://schemas.openxmlformats.org/presentationml/2006/ole">
             <mc:AlternateContent xmlns:mc="http://schemas.openxmlformats.org/markup-compatibility/2006">
               <mc:Choice xmlns:v="urn:schemas-microsoft-com:vml" Requires="v">
-                <p:oleObj spid="_x0000_s10071" name="think-cell Slide" r:id="rId30" imgW="270" imgH="270" progId="TCLayout.ActiveDocument.1">
+                <p:oleObj spid="_x0000_s10064" name="think-cell Slide" r:id="rId30" imgW="270" imgH="270" progId="TCLayout.ActiveDocument.1">
                   <p:embed/>
                 </p:oleObj>
               </mc:Choice>
@@ -12775,7 +12590,6 @@
             <p:custDataLst>
               <p:tags r:id="rId10"/>
             </p:custDataLst>
-            <p:extLst/>
           </p:nvPr>
         </p:nvGraphicFramePr>
         <p:xfrm>
@@ -12786,7 +12600,7 @@
           <a:graphicData uri="http://schemas.openxmlformats.org/presentationml/2006/ole">
             <mc:AlternateContent xmlns:mc="http://schemas.openxmlformats.org/markup-compatibility/2006">
               <mc:Choice xmlns:v="urn:schemas-microsoft-com:vml" Requires="v">
-                <p:oleObj spid="_x0000_s47926" name="think-cell Slide" r:id="rId15" imgW="270" imgH="270" progId="TCLayout.ActiveDocument.1">
+                <p:oleObj spid="_x0000_s47919" name="think-cell Slide" r:id="rId15" imgW="270" imgH="270" progId="TCLayout.ActiveDocument.1">
                   <p:embed/>
                 </p:oleObj>
               </mc:Choice>
@@ -13340,7 +13154,7 @@
           <a:p>
             <a:r>
               <a:rPr lang="en-US"/>
-              <a:t>Modern Cloud Apps - Preferred Solution</a:t>
+              <a:t>Modern Cloud Apps Preferred Solution</a:t>
             </a:r>
           </a:p>
         </p:txBody>
@@ -13354,7 +13168,7 @@
           <p:nvPr/>
         </p:nvPicPr>
         <p:blipFill>
-          <a:blip r:embed="rId3" cstate="print">
+          <a:blip r:embed="rId2" cstate="print">
             <a:duotone>
               <a:schemeClr val="accent5">
                 <a:shade val="45000"/>
@@ -13374,7 +13188,7 @@
         </p:blipFill>
         <p:spPr>
           <a:xfrm>
-            <a:off x="2968353" y="558581"/>
+            <a:off x="2174921" y="558581"/>
             <a:ext cx="457200" cy="457200"/>
           </a:xfrm>
           <a:prstGeom prst="rect">
@@ -13385,6 +13199,36 @@
       <p:pic>
         <p:nvPicPr>
           <p:cNvPr id="8" name="Picture 7"/>
+          <p:cNvPicPr>
+            <a:picLocks noChangeAspect="1"/>
+          </p:cNvPicPr>
+          <p:nvPr/>
+        </p:nvPicPr>
+        <p:blipFill>
+          <a:blip r:embed="rId3" cstate="print">
+            <a:extLst>
+              <a:ext uri="{28A0092B-C50C-407E-A947-70E740481C1C}">
+                <a14:useLocalDpi xmlns:a14="http://schemas.microsoft.com/office/drawing/2010/main" val="0"/>
+              </a:ext>
+            </a:extLst>
+          </a:blip>
+          <a:stretch>
+            <a:fillRect/>
+          </a:stretch>
+        </p:blipFill>
+        <p:spPr>
+          <a:xfrm>
+            <a:off x="6648442" y="3201029"/>
+            <a:ext cx="457200" cy="457200"/>
+          </a:xfrm>
+          <a:prstGeom prst="rect">
+            <a:avLst/>
+          </a:prstGeom>
+        </p:spPr>
+      </p:pic>
+      <p:pic>
+        <p:nvPicPr>
+          <p:cNvPr id="9" name="Picture 8"/>
           <p:cNvPicPr>
             <a:picLocks noChangeAspect="1"/>
           </p:cNvPicPr>
@@ -13404,7 +13248,7 @@
         </p:blipFill>
         <p:spPr>
           <a:xfrm>
-            <a:off x="7441874" y="3201029"/>
+            <a:off x="2889204" y="2249343"/>
             <a:ext cx="457200" cy="457200"/>
           </a:xfrm>
           <a:prstGeom prst="rect">
@@ -13414,7 +13258,7 @@
       </p:pic>
       <p:pic>
         <p:nvPicPr>
-          <p:cNvPr id="9" name="Picture 8"/>
+          <p:cNvPr id="10" name="Picture 9"/>
           <p:cNvPicPr>
             <a:picLocks noChangeAspect="1"/>
           </p:cNvPicPr>
@@ -13434,37 +13278,7 @@
         </p:blipFill>
         <p:spPr>
           <a:xfrm>
-            <a:off x="3682636" y="2249343"/>
-            <a:ext cx="457200" cy="457200"/>
-          </a:xfrm>
-          <a:prstGeom prst="rect">
-            <a:avLst/>
-          </a:prstGeom>
-        </p:spPr>
-      </p:pic>
-      <p:pic>
-        <p:nvPicPr>
-          <p:cNvPr id="10" name="Picture 9"/>
-          <p:cNvPicPr>
-            <a:picLocks noChangeAspect="1"/>
-          </p:cNvPicPr>
-          <p:nvPr/>
-        </p:nvPicPr>
-        <p:blipFill>
-          <a:blip r:embed="rId6" cstate="print">
-            <a:extLst>
-              <a:ext uri="{28A0092B-C50C-407E-A947-70E740481C1C}">
-                <a14:useLocalDpi xmlns:a14="http://schemas.microsoft.com/office/drawing/2010/main" val="0"/>
-              </a:ext>
-            </a:extLst>
-          </a:blip>
-          <a:stretch>
-            <a:fillRect/>
-          </a:stretch>
-        </p:blipFill>
-        <p:spPr>
-          <a:xfrm>
-            <a:off x="7340160" y="4587398"/>
+            <a:off x="6546728" y="4587398"/>
             <a:ext cx="457200" cy="457200"/>
           </a:xfrm>
           <a:prstGeom prst="rect">
@@ -13480,8 +13294,8 @@
         </p:nvSpPr>
         <p:spPr>
           <a:xfrm>
-            <a:off x="1227880" y="1020540"/>
-            <a:ext cx="8678556" cy="5756777"/>
+            <a:off x="2130975" y="1020540"/>
+            <a:ext cx="6982029" cy="5756777"/>
           </a:xfrm>
           <a:prstGeom prst="roundRect">
             <a:avLst>
@@ -13543,7 +13357,7 @@
         </p:nvSpPr>
         <p:spPr>
           <a:xfrm>
-            <a:off x="3425553" y="563340"/>
+            <a:off x="2632121" y="563340"/>
             <a:ext cx="635573" cy="447682"/>
           </a:xfrm>
           <a:prstGeom prst="rect">
@@ -13585,7 +13399,7 @@
         </p:nvSpPr>
         <p:spPr>
           <a:xfrm>
-            <a:off x="7331004" y="2432922"/>
+            <a:off x="6537572" y="2432922"/>
             <a:ext cx="1192993" cy="429410"/>
           </a:xfrm>
           <a:prstGeom prst="rect">
@@ -13602,7 +13416,7 @@
           <a:lstStyle/>
           <a:p>
             <a:r>
-              <a:rPr lang="en-US" sz="1200">
+              <a:rPr lang="en-US" sz="1200" dirty="0">
                 <a:latin typeface="Calibri"/>
                 <a:ea typeface="Segoe UI" pitchFamily="34" charset="0"/>
                 <a:cs typeface="Calibri"/>
@@ -13612,18 +13426,13 @@
           </a:p>
           <a:p>
             <a:r>
-              <a:rPr lang="en-US" sz="1200">
+              <a:rPr lang="en-US" sz="1200" dirty="0">
                 <a:latin typeface="Calibri"/>
                 <a:ea typeface="Segoe UI" pitchFamily="34" charset="0"/>
                 <a:cs typeface="Calibri"/>
               </a:rPr>
               <a:t>Storage Queues</a:t>
             </a:r>
-            <a:endParaRPr lang="en-US" sz="1200" err="1">
-              <a:latin typeface="Calibri"/>
-              <a:ea typeface="Segoe UI" pitchFamily="34" charset="0"/>
-              <a:cs typeface="Calibri"/>
-            </a:endParaRPr>
           </a:p>
         </p:txBody>
       </p:sp>
@@ -13636,7 +13445,7 @@
           <p:nvPr/>
         </p:nvPicPr>
         <p:blipFill>
-          <a:blip r:embed="rId7">
+          <a:blip r:embed="rId6">
             <a:extLst>
               <a:ext uri="{28A0092B-C50C-407E-A947-70E740481C1C}">
                 <a14:useLocalDpi xmlns:a14="http://schemas.microsoft.com/office/drawing/2010/main" val="0"/>
@@ -13650,7 +13459,7 @@
         </p:blipFill>
         <p:spPr bwMode="auto">
           <a:xfrm>
-            <a:off x="10171468" y="3893032"/>
+            <a:off x="9315131" y="3893032"/>
             <a:ext cx="352849" cy="548600"/>
           </a:xfrm>
           <a:prstGeom prst="rect">
@@ -13684,6 +13493,36 @@
       <p:pic>
         <p:nvPicPr>
           <p:cNvPr id="14" name="Picture 13"/>
+          <p:cNvPicPr>
+            <a:picLocks noChangeAspect="1"/>
+          </p:cNvPicPr>
+          <p:nvPr/>
+        </p:nvPicPr>
+        <p:blipFill>
+          <a:blip r:embed="rId7" cstate="print">
+            <a:extLst>
+              <a:ext uri="{28A0092B-C50C-407E-A947-70E740481C1C}">
+                <a14:useLocalDpi xmlns:a14="http://schemas.microsoft.com/office/drawing/2010/main" val="0"/>
+              </a:ext>
+            </a:extLst>
+          </a:blip>
+          <a:stretch>
+            <a:fillRect/>
+          </a:stretch>
+        </p:blipFill>
+        <p:spPr>
+          <a:xfrm>
+            <a:off x="6462131" y="6097548"/>
+            <a:ext cx="457200" cy="457200"/>
+          </a:xfrm>
+          <a:prstGeom prst="rect">
+            <a:avLst/>
+          </a:prstGeom>
+        </p:spPr>
+      </p:pic>
+      <p:pic>
+        <p:nvPicPr>
+          <p:cNvPr id="93" name="Picture 92"/>
           <p:cNvPicPr>
             <a:picLocks noChangeAspect="1"/>
           </p:cNvPicPr>
@@ -13703,7 +13542,7 @@
         </p:blipFill>
         <p:spPr>
           <a:xfrm>
-            <a:off x="7255563" y="6097548"/>
+            <a:off x="6631162" y="2072232"/>
             <a:ext cx="457200" cy="457200"/>
           </a:xfrm>
           <a:prstGeom prst="rect">
@@ -13713,7 +13552,7 @@
       </p:pic>
       <p:pic>
         <p:nvPicPr>
-          <p:cNvPr id="93" name="Picture 92"/>
+          <p:cNvPr id="99" name="Picture 98"/>
           <p:cNvPicPr>
             <a:picLocks noChangeAspect="1"/>
           </p:cNvPicPr>
@@ -13733,7 +13572,7 @@
         </p:blipFill>
         <p:spPr>
           <a:xfrm>
-            <a:off x="7424594" y="2072232"/>
+            <a:off x="2328872" y="996605"/>
             <a:ext cx="457200" cy="457200"/>
           </a:xfrm>
           <a:prstGeom prst="rect">
@@ -13743,7 +13582,7 @@
       </p:pic>
       <p:pic>
         <p:nvPicPr>
-          <p:cNvPr id="99" name="Picture 98"/>
+          <p:cNvPr id="103" name="Picture 102"/>
           <p:cNvPicPr>
             <a:picLocks noChangeAspect="1"/>
           </p:cNvPicPr>
@@ -13763,37 +13602,7 @@
         </p:blipFill>
         <p:spPr>
           <a:xfrm>
-            <a:off x="1662446" y="1417441"/>
-            <a:ext cx="457200" cy="457200"/>
-          </a:xfrm>
-          <a:prstGeom prst="rect">
-            <a:avLst/>
-          </a:prstGeom>
-        </p:spPr>
-      </p:pic>
-      <p:pic>
-        <p:nvPicPr>
-          <p:cNvPr id="103" name="Picture 102"/>
-          <p:cNvPicPr>
-            <a:picLocks noChangeAspect="1"/>
-          </p:cNvPicPr>
-          <p:nvPr/>
-        </p:nvPicPr>
-        <p:blipFill>
-          <a:blip r:embed="rId11" cstate="print">
-            <a:extLst>
-              <a:ext uri="{28A0092B-C50C-407E-A947-70E740481C1C}">
-                <a14:useLocalDpi xmlns:a14="http://schemas.microsoft.com/office/drawing/2010/main" val="0"/>
-              </a:ext>
-            </a:extLst>
-          </a:blip>
-          <a:stretch>
-            <a:fillRect/>
-          </a:stretch>
-        </p:blipFill>
-        <p:spPr>
-          <a:xfrm>
-            <a:off x="3192220" y="6135711"/>
+            <a:off x="2398788" y="6135711"/>
             <a:ext cx="457200" cy="457200"/>
           </a:xfrm>
           <a:prstGeom prst="rect">
@@ -13809,8 +13618,8 @@
         </p:nvSpPr>
         <p:spPr>
           <a:xfrm>
-            <a:off x="10171468" y="4541645"/>
-            <a:ext cx="1831613" cy="1991956"/>
+            <a:off x="9315131" y="4541645"/>
+            <a:ext cx="2540901" cy="1991956"/>
           </a:xfrm>
           <a:prstGeom prst="roundRect">
             <a:avLst>
@@ -13872,7 +13681,7 @@
         </p:nvSpPr>
         <p:spPr>
           <a:xfrm>
-            <a:off x="10074555" y="998744"/>
+            <a:off x="9218218" y="998744"/>
             <a:ext cx="1336102" cy="447682"/>
           </a:xfrm>
           <a:prstGeom prst="rect">
@@ -13941,7 +13750,7 @@
         </p:nvSpPr>
         <p:spPr>
           <a:xfrm>
-            <a:off x="4168149" y="2177292"/>
+            <a:off x="3374717" y="2177292"/>
             <a:ext cx="1448803" cy="566679"/>
           </a:xfrm>
           <a:prstGeom prst="rect">
@@ -13993,8 +13802,8 @@
         </p:nvSpPr>
         <p:spPr>
           <a:xfrm>
-            <a:off x="1329893" y="1385519"/>
-            <a:ext cx="5086395" cy="3000597"/>
+            <a:off x="2330525" y="1385519"/>
+            <a:ext cx="3292331" cy="3000597"/>
           </a:xfrm>
           <a:prstGeom prst="roundRect">
             <a:avLst>
@@ -14056,7 +13865,7 @@
         </p:nvSpPr>
         <p:spPr>
           <a:xfrm>
-            <a:off x="3556187" y="1768450"/>
+            <a:off x="2912733" y="1768450"/>
             <a:ext cx="2284804" cy="447682"/>
           </a:xfrm>
           <a:prstGeom prst="rect">
@@ -14073,7 +13882,7 @@
           <a:lstStyle/>
           <a:p>
             <a:r>
-              <a:rPr lang="en-US" sz="1600" dirty="0">
+              <a:rPr lang="en-US" sz="1600">
                 <a:solidFill>
                   <a:schemeClr val="tx1">
                     <a:lumMod val="60000"/>
@@ -14084,7 +13893,7 @@
                 <a:ea typeface="Segoe UI" pitchFamily="34" charset="0"/>
                 <a:cs typeface="Calibri"/>
               </a:rPr>
-              <a:t>ILB App Service Environment</a:t>
+              <a:t>App Service Environment</a:t>
             </a:r>
           </a:p>
         </p:txBody>
@@ -14097,8 +13906,8 @@
         </p:nvSpPr>
         <p:spPr>
           <a:xfrm>
-            <a:off x="3337009" y="1760389"/>
-            <a:ext cx="2721533" cy="2316996"/>
+            <a:off x="2676319" y="1760389"/>
+            <a:ext cx="2483945" cy="2316996"/>
           </a:xfrm>
           <a:prstGeom prst="roundRect">
             <a:avLst>
@@ -14161,7 +13970,7 @@
           <p:nvPr/>
         </p:nvPicPr>
         <p:blipFill>
-          <a:blip r:embed="rId12" cstate="print">
+          <a:blip r:embed="rId11" cstate="print">
             <a:extLst>
               <a:ext uri="{28A0092B-C50C-407E-A947-70E740481C1C}">
                 <a14:useLocalDpi xmlns:a14="http://schemas.microsoft.com/office/drawing/2010/main" val="0"/>
@@ -14174,7 +13983,7 @@
         </p:blipFill>
         <p:spPr>
           <a:xfrm>
-            <a:off x="3357579" y="1867233"/>
+            <a:off x="2714125" y="1867233"/>
             <a:ext cx="228600" cy="228600"/>
           </a:xfrm>
           <a:prstGeom prst="rect">
@@ -14190,7 +13999,7 @@
         </p:nvSpPr>
         <p:spPr>
           <a:xfrm>
-            <a:off x="2137240" y="1404183"/>
+            <a:off x="2804481" y="1002480"/>
             <a:ext cx="635573" cy="447682"/>
           </a:xfrm>
           <a:prstGeom prst="rect">
@@ -14232,8 +14041,8 @@
         </p:nvSpPr>
         <p:spPr>
           <a:xfrm>
-            <a:off x="3158964" y="1626448"/>
-            <a:ext cx="3058028" cy="2593693"/>
+            <a:off x="2482925" y="1626448"/>
+            <a:ext cx="2875346" cy="2593693"/>
           </a:xfrm>
           <a:prstGeom prst="roundRect">
             <a:avLst>
@@ -14295,7 +14104,7 @@
         </p:nvSpPr>
         <p:spPr>
           <a:xfrm>
-            <a:off x="3345335" y="1312706"/>
+            <a:off x="2551903" y="1312706"/>
             <a:ext cx="635573" cy="447682"/>
           </a:xfrm>
           <a:prstGeom prst="rect">
@@ -14313,7 +14122,7 @@
           <a:p>
             <a:pPr algn="r"/>
             <a:r>
-              <a:rPr lang="en-US" sz="1600" dirty="0">
+              <a:rPr lang="en-US" sz="1600">
                 <a:solidFill>
                   <a:schemeClr val="tx1">
                     <a:lumMod val="60000"/>
@@ -14324,7 +14133,7 @@
                 <a:ea typeface="Segoe UI" pitchFamily="34" charset="0"/>
                 <a:cs typeface="Calibri"/>
               </a:rPr>
-              <a:t>Subnet B</a:t>
+              <a:t>Subnet</a:t>
             </a:r>
           </a:p>
         </p:txBody>
@@ -14337,7 +14146,7 @@
         </p:nvSpPr>
         <p:spPr>
           <a:xfrm>
-            <a:off x="3677402" y="5233571"/>
+            <a:off x="2883970" y="5233571"/>
             <a:ext cx="1939550" cy="808947"/>
           </a:xfrm>
           <a:prstGeom prst="roundRect">
@@ -14400,7 +14209,7 @@
         </p:nvSpPr>
         <p:spPr>
           <a:xfrm>
-            <a:off x="3522614" y="4814223"/>
+            <a:off x="2729182" y="4814223"/>
             <a:ext cx="1939550" cy="447682"/>
           </a:xfrm>
           <a:prstGeom prst="rect">
@@ -14441,7 +14250,7 @@
         </p:nvSpPr>
         <p:spPr>
           <a:xfrm>
-            <a:off x="7159828" y="5018557"/>
+            <a:off x="6366396" y="5018557"/>
             <a:ext cx="1192993" cy="429410"/>
           </a:xfrm>
           <a:prstGeom prst="rect">
@@ -14486,7 +14295,7 @@
         </p:nvSpPr>
         <p:spPr>
           <a:xfrm>
-            <a:off x="7259019" y="3670290"/>
+            <a:off x="6465587" y="3670290"/>
             <a:ext cx="820784" cy="831333"/>
           </a:xfrm>
           <a:prstGeom prst="rect">
@@ -14562,6 +14371,116 @@
           <p:nvPr/>
         </p:nvPicPr>
         <p:blipFill>
+          <a:blip r:embed="rId12" cstate="print">
+            <a:extLst>
+              <a:ext uri="{28A0092B-C50C-407E-A947-70E740481C1C}">
+                <a14:useLocalDpi xmlns:a14="http://schemas.microsoft.com/office/drawing/2010/main" val="0"/>
+              </a:ext>
+            </a:extLst>
+          </a:blip>
+          <a:stretch>
+            <a:fillRect/>
+          </a:stretch>
+        </p:blipFill>
+        <p:spPr>
+          <a:xfrm>
+            <a:off x="9491555" y="4743090"/>
+            <a:ext cx="457200" cy="457200"/>
+          </a:xfrm>
+          <a:prstGeom prst="rect">
+            <a:avLst/>
+          </a:prstGeom>
+        </p:spPr>
+      </p:pic>
+      <p:sp>
+        <p:nvSpPr>
+          <p:cNvPr id="138" name="TextBox 137"/>
+          <p:cNvSpPr txBox="1"/>
+          <p:nvPr/>
+        </p:nvSpPr>
+        <p:spPr>
+          <a:xfrm>
+            <a:off x="9953751" y="4688788"/>
+            <a:ext cx="1192993" cy="429410"/>
+          </a:xfrm>
+          <a:prstGeom prst="rect">
+            <a:avLst/>
+          </a:prstGeom>
+          <a:ln>
+            <a:noFill/>
+          </a:ln>
+        </p:spPr>
+        <p:txBody>
+          <a:bodyPr vert="horz" wrap="none" lIns="91440" tIns="91440" rIns="91440" bIns="91440" rtlCol="0" anchor="t">
+            <a:noAutofit/>
+          </a:bodyPr>
+          <a:lstStyle/>
+          <a:p>
+            <a:r>
+              <a:rPr lang="en-US" sz="1200">
+                <a:latin typeface="Calibri"/>
+                <a:ea typeface="Segoe UI" pitchFamily="34" charset="0"/>
+                <a:cs typeface="Calibri"/>
+              </a:rPr>
+              <a:t>Inventory </a:t>
+            </a:r>
+          </a:p>
+          <a:p>
+            <a:r>
+              <a:rPr lang="en-US" sz="1200">
+                <a:latin typeface="Calibri"/>
+                <a:ea typeface="Segoe UI" pitchFamily="34" charset="0"/>
+                <a:cs typeface="Calibri"/>
+              </a:rPr>
+              <a:t>Database</a:t>
+            </a:r>
+          </a:p>
+        </p:txBody>
+      </p:sp>
+      <p:sp>
+        <p:nvSpPr>
+          <p:cNvPr id="139" name="TextBox 138"/>
+          <p:cNvSpPr txBox="1"/>
+          <p:nvPr/>
+        </p:nvSpPr>
+        <p:spPr>
+          <a:xfrm>
+            <a:off x="10018128" y="5440790"/>
+            <a:ext cx="1192993" cy="429410"/>
+          </a:xfrm>
+          <a:prstGeom prst="rect">
+            <a:avLst/>
+          </a:prstGeom>
+          <a:ln>
+            <a:noFill/>
+          </a:ln>
+        </p:spPr>
+        <p:txBody>
+          <a:bodyPr vert="horz" wrap="none" lIns="91440" tIns="91440" rIns="91440" bIns="91440" rtlCol="0" anchor="t">
+            <a:noAutofit/>
+          </a:bodyPr>
+          <a:lstStyle/>
+          <a:p>
+            <a:r>
+              <a:rPr lang="en-US" sz="1200">
+                <a:latin typeface="Calibri"/>
+                <a:ea typeface="Segoe UI" pitchFamily="34" charset="0"/>
+                <a:cs typeface="Calibri"/>
+              </a:rPr>
+              <a:t>Inventory App</a:t>
+            </a:r>
+          </a:p>
+        </p:txBody>
+      </p:sp>
+      <p:pic>
+        <p:nvPicPr>
+          <p:cNvPr id="113" name="Picture 112"/>
+          <p:cNvPicPr>
+            <a:picLocks noChangeAspect="1"/>
+          </p:cNvPicPr>
+          <p:nvPr/>
+        </p:nvPicPr>
+        <p:blipFill>
           <a:blip r:embed="rId13" cstate="print">
             <a:extLst>
               <a:ext uri="{28A0092B-C50C-407E-A947-70E740481C1C}">
@@ -14575,117 +14494,7 @@
         </p:blipFill>
         <p:spPr>
           <a:xfrm>
-            <a:off x="10347892" y="4743090"/>
-            <a:ext cx="457200" cy="457200"/>
-          </a:xfrm>
-          <a:prstGeom prst="rect">
-            <a:avLst/>
-          </a:prstGeom>
-        </p:spPr>
-      </p:pic>
-      <p:sp>
-        <p:nvSpPr>
-          <p:cNvPr id="138" name="TextBox 137"/>
-          <p:cNvSpPr txBox="1"/>
-          <p:nvPr/>
-        </p:nvSpPr>
-        <p:spPr>
-          <a:xfrm>
-            <a:off x="10810088" y="4688788"/>
-            <a:ext cx="1192993" cy="429410"/>
-          </a:xfrm>
-          <a:prstGeom prst="rect">
-            <a:avLst/>
-          </a:prstGeom>
-          <a:ln>
-            <a:noFill/>
-          </a:ln>
-        </p:spPr>
-        <p:txBody>
-          <a:bodyPr vert="horz" wrap="none" lIns="91440" tIns="91440" rIns="91440" bIns="91440" rtlCol="0" anchor="t">
-            <a:noAutofit/>
-          </a:bodyPr>
-          <a:lstStyle/>
-          <a:p>
-            <a:r>
-              <a:rPr lang="en-US" sz="1200">
-                <a:latin typeface="Calibri"/>
-                <a:ea typeface="Segoe UI" pitchFamily="34" charset="0"/>
-                <a:cs typeface="Calibri"/>
-              </a:rPr>
-              <a:t>Inventory </a:t>
-            </a:r>
-          </a:p>
-          <a:p>
-            <a:r>
-              <a:rPr lang="en-US" sz="1200">
-                <a:latin typeface="Calibri"/>
-                <a:ea typeface="Segoe UI" pitchFamily="34" charset="0"/>
-                <a:cs typeface="Calibri"/>
-              </a:rPr>
-              <a:t>Database</a:t>
-            </a:r>
-          </a:p>
-        </p:txBody>
-      </p:sp>
-      <p:sp>
-        <p:nvSpPr>
-          <p:cNvPr id="139" name="TextBox 138"/>
-          <p:cNvSpPr txBox="1"/>
-          <p:nvPr/>
-        </p:nvSpPr>
-        <p:spPr>
-          <a:xfrm>
-            <a:off x="10874465" y="5440790"/>
-            <a:ext cx="1192993" cy="429410"/>
-          </a:xfrm>
-          <a:prstGeom prst="rect">
-            <a:avLst/>
-          </a:prstGeom>
-          <a:ln>
-            <a:noFill/>
-          </a:ln>
-        </p:spPr>
-        <p:txBody>
-          <a:bodyPr vert="horz" wrap="none" lIns="91440" tIns="91440" rIns="91440" bIns="91440" rtlCol="0" anchor="t">
-            <a:noAutofit/>
-          </a:bodyPr>
-          <a:lstStyle/>
-          <a:p>
-            <a:r>
-              <a:rPr lang="en-US" sz="1200">
-                <a:latin typeface="Calibri"/>
-                <a:ea typeface="Segoe UI" pitchFamily="34" charset="0"/>
-                <a:cs typeface="Calibri"/>
-              </a:rPr>
-              <a:t>Inventory App</a:t>
-            </a:r>
-          </a:p>
-        </p:txBody>
-      </p:sp>
-      <p:pic>
-        <p:nvPicPr>
-          <p:cNvPr id="113" name="Picture 112"/>
-          <p:cNvPicPr>
-            <a:picLocks noChangeAspect="1"/>
-          </p:cNvPicPr>
-          <p:nvPr/>
-        </p:nvPicPr>
-        <p:blipFill>
-          <a:blip r:embed="rId14" cstate="print">
-            <a:extLst>
-              <a:ext uri="{28A0092B-C50C-407E-A947-70E740481C1C}">
-                <a14:useLocalDpi xmlns:a14="http://schemas.microsoft.com/office/drawing/2010/main" val="0"/>
-              </a:ext>
-            </a:extLst>
-          </a:blip>
-          <a:stretch>
-            <a:fillRect/>
-          </a:stretch>
-        </p:blipFill>
-        <p:spPr>
-          <a:xfrm>
-            <a:off x="10381230" y="5413000"/>
+            <a:off x="9524893" y="5413000"/>
             <a:ext cx="457200" cy="457200"/>
           </a:xfrm>
           <a:prstGeom prst="rect">
@@ -14701,8 +14510,8 @@
         </p:nvSpPr>
         <p:spPr>
           <a:xfrm>
-            <a:off x="10160458" y="1441796"/>
-            <a:ext cx="1806667" cy="988738"/>
+            <a:off x="9304121" y="1441796"/>
+            <a:ext cx="2540901" cy="988738"/>
           </a:xfrm>
           <a:prstGeom prst="roundRect">
             <a:avLst>
@@ -14765,7 +14574,7 @@
           <p:nvPr/>
         </p:nvPicPr>
         <p:blipFill>
-          <a:blip r:embed="rId15" cstate="print">
+          <a:blip r:embed="rId14" cstate="print">
             <a:extLst>
               <a:ext uri="{28A0092B-C50C-407E-A947-70E740481C1C}">
                 <a14:useLocalDpi xmlns:a14="http://schemas.microsoft.com/office/drawing/2010/main" val="0"/>
@@ -14778,7 +14587,7 @@
         </p:blipFill>
         <p:spPr>
           <a:xfrm>
-            <a:off x="10285406" y="1753885"/>
+            <a:off x="9429069" y="1753885"/>
             <a:ext cx="457200" cy="457200"/>
           </a:xfrm>
           <a:prstGeom prst="rect">
@@ -14794,7 +14603,7 @@
         </p:nvSpPr>
         <p:spPr>
           <a:xfrm>
-            <a:off x="10813849" y="1706790"/>
+            <a:off x="9957512" y="1706790"/>
             <a:ext cx="1192993" cy="429410"/>
           </a:xfrm>
           <a:prstGeom prst="rect">
@@ -14839,7 +14648,7 @@
         </p:nvSpPr>
         <p:spPr>
           <a:xfrm>
-            <a:off x="10697295" y="4152170"/>
+            <a:off x="9840958" y="4152170"/>
             <a:ext cx="1336102" cy="447682"/>
           </a:xfrm>
           <a:prstGeom prst="rect">
@@ -14885,12 +14694,12 @@
         </p:nvCxnSpPr>
         <p:spPr>
           <a:xfrm flipV="1">
-            <a:off x="6058542" y="2300832"/>
-            <a:ext cx="1366052" cy="618055"/>
+            <a:off x="5160264" y="2300832"/>
+            <a:ext cx="1470898" cy="618055"/>
           </a:xfrm>
           <a:prstGeom prst="bentConnector3">
             <a:avLst>
-              <a:gd name="adj1" fmla="val 44333"/>
+              <a:gd name="adj1" fmla="val 50658"/>
             </a:avLst>
           </a:prstGeom>
           <a:ln>
@@ -14923,12 +14732,12 @@
         </p:nvCxnSpPr>
         <p:spPr>
           <a:xfrm rot="10800000">
-            <a:off x="7881794" y="2300832"/>
-            <a:ext cx="2499436" cy="3340768"/>
+            <a:off x="7088363" y="2300832"/>
+            <a:ext cx="2436531" cy="3340768"/>
           </a:xfrm>
           <a:prstGeom prst="bentConnector3">
             <a:avLst>
-              <a:gd name="adj1" fmla="val 13416"/>
+              <a:gd name="adj1" fmla="val 13972"/>
             </a:avLst>
           </a:prstGeom>
           <a:ln>
@@ -14963,7 +14772,7 @@
         </p:nvCxnSpPr>
         <p:spPr>
           <a:xfrm flipV="1">
-            <a:off x="5616952" y="4815998"/>
+            <a:off x="4823520" y="4815998"/>
             <a:ext cx="1723208" cy="822047"/>
           </a:xfrm>
           <a:prstGeom prst="bentConnector3">
@@ -15002,12 +14811,12 @@
         </p:nvCxnSpPr>
         <p:spPr>
           <a:xfrm>
-            <a:off x="6058542" y="2918887"/>
-            <a:ext cx="1383332" cy="510742"/>
+            <a:off x="5160264" y="2918887"/>
+            <a:ext cx="1488178" cy="510742"/>
           </a:xfrm>
           <a:prstGeom prst="bentConnector3">
             <a:avLst>
-              <a:gd name="adj1" fmla="val 43355"/>
+              <a:gd name="adj1" fmla="val 50000"/>
             </a:avLst>
           </a:prstGeom>
           <a:ln>
@@ -15041,7 +14850,7 @@
         </p:nvCxnSpPr>
         <p:spPr>
           <a:xfrm flipV="1">
-            <a:off x="5616952" y="3429629"/>
+            <a:off x="4823520" y="3429629"/>
             <a:ext cx="1824922" cy="2208416"/>
           </a:xfrm>
           <a:prstGeom prst="bentConnector3">
@@ -15078,9 +14887,9 @@
           <p:nvPr/>
         </p:nvCxnSpPr>
         <p:spPr>
-          <a:xfrm>
-            <a:off x="5953696" y="1977102"/>
-            <a:ext cx="4331710" cy="5383"/>
+          <a:xfrm flipV="1">
+            <a:off x="5160264" y="1982485"/>
+            <a:ext cx="4268805" cy="1091"/>
           </a:xfrm>
           <a:prstGeom prst="bentConnector3">
             <a:avLst>
@@ -15115,7 +14924,7 @@
           <p:nvPr/>
         </p:nvPicPr>
         <p:blipFill>
-          <a:blip r:embed="rId16" cstate="print">
+          <a:blip r:embed="rId15" cstate="print">
             <a:duotone>
               <a:schemeClr val="accent6">
                 <a:shade val="45000"/>
@@ -15135,7 +14944,7 @@
         </p:blipFill>
         <p:spPr>
           <a:xfrm>
-            <a:off x="5930579" y="1491216"/>
+            <a:off x="5137147" y="1491216"/>
             <a:ext cx="267441" cy="267441"/>
           </a:xfrm>
           <a:prstGeom prst="rect">
@@ -15151,7 +14960,7 @@
         </p:nvSpPr>
         <p:spPr>
           <a:xfrm>
-            <a:off x="6146860" y="1456607"/>
+            <a:off x="5353428" y="1456607"/>
             <a:ext cx="1733703" cy="447682"/>
           </a:xfrm>
           <a:prstGeom prst="rect">
@@ -15192,7 +15001,7 @@
         </p:nvSpPr>
         <p:spPr>
           <a:xfrm>
-            <a:off x="3618680" y="6104191"/>
+            <a:off x="2825248" y="6104191"/>
             <a:ext cx="1192993" cy="429410"/>
           </a:xfrm>
           <a:prstGeom prst="rect">
@@ -15242,7 +15051,7 @@
         </p:nvSpPr>
         <p:spPr>
           <a:xfrm>
-            <a:off x="6026139" y="6102779"/>
+            <a:off x="5204720" y="6084906"/>
             <a:ext cx="1192993" cy="429410"/>
           </a:xfrm>
           <a:prstGeom prst="rect">
@@ -15259,7 +15068,7 @@
           <a:lstStyle/>
           <a:p>
             <a:r>
-              <a:rPr lang="en-US" sz="1200" dirty="0">
+              <a:rPr lang="en-US" sz="1200">
                 <a:latin typeface="Calibri"/>
                 <a:ea typeface="Segoe UI" pitchFamily="34" charset="0"/>
                 <a:cs typeface="Calibri"/>
@@ -15269,26 +15078,31 @@
           </a:p>
           <a:p>
             <a:r>
-              <a:rPr lang="en-US" sz="1200" dirty="0">
+              <a:rPr lang="en-US" sz="1200">
                 <a:latin typeface="Calibri"/>
                 <a:ea typeface="Segoe UI" pitchFamily="34" charset="0"/>
                 <a:cs typeface="Calibri"/>
               </a:rPr>
-              <a:t>Azure DevOps</a:t>
+              <a:t>VSO Load Test</a:t>
             </a:r>
+            <a:endParaRPr lang="en-US" sz="1200" err="1">
+              <a:latin typeface="Calibri"/>
+              <a:ea typeface="Segoe UI" pitchFamily="34" charset="0"/>
+              <a:cs typeface="Calibri"/>
+            </a:endParaRPr>
           </a:p>
         </p:txBody>
       </p:sp>
       <p:pic>
         <p:nvPicPr>
-          <p:cNvPr id="175" name="Picture 174"/>
+          <p:cNvPr id="171" name="Picture 170"/>
           <p:cNvPicPr>
             <a:picLocks noChangeAspect="1"/>
           </p:cNvPicPr>
           <p:nvPr/>
         </p:nvPicPr>
         <p:blipFill>
-          <a:blip r:embed="rId5" cstate="print">
+          <a:blip r:embed="rId16" cstate="print">
             <a:extLst>
               <a:ext uri="{28A0092B-C50C-407E-A947-70E740481C1C}">
                 <a14:useLocalDpi xmlns:a14="http://schemas.microsoft.com/office/drawing/2010/main" val="0"/>
@@ -15301,7 +15115,37 @@
         </p:blipFill>
         <p:spPr>
           <a:xfrm>
-            <a:off x="3695924" y="2852987"/>
+            <a:off x="4683102" y="6127037"/>
+            <a:ext cx="457200" cy="457200"/>
+          </a:xfrm>
+          <a:prstGeom prst="rect">
+            <a:avLst/>
+          </a:prstGeom>
+        </p:spPr>
+      </p:pic>
+      <p:pic>
+        <p:nvPicPr>
+          <p:cNvPr id="175" name="Picture 174"/>
+          <p:cNvPicPr>
+            <a:picLocks noChangeAspect="1"/>
+          </p:cNvPicPr>
+          <p:nvPr/>
+        </p:nvPicPr>
+        <p:blipFill>
+          <a:blip r:embed="rId4" cstate="print">
+            <a:extLst>
+              <a:ext uri="{28A0092B-C50C-407E-A947-70E740481C1C}">
+                <a14:useLocalDpi xmlns:a14="http://schemas.microsoft.com/office/drawing/2010/main" val="0"/>
+              </a:ext>
+            </a:extLst>
+          </a:blip>
+          <a:stretch>
+            <a:fillRect/>
+          </a:stretch>
+        </p:blipFill>
+        <p:spPr>
+          <a:xfrm>
+            <a:off x="2902492" y="2852987"/>
             <a:ext cx="457200" cy="457200"/>
           </a:xfrm>
           <a:prstGeom prst="rect">
@@ -15317,7 +15161,7 @@
         </p:nvSpPr>
         <p:spPr>
           <a:xfrm>
-            <a:off x="4181437" y="2780936"/>
+            <a:off x="3388005" y="2780936"/>
             <a:ext cx="1448803" cy="566679"/>
           </a:xfrm>
           <a:prstGeom prst="rect">
@@ -15369,8 +15213,8 @@
         </p:nvSpPr>
         <p:spPr>
           <a:xfrm>
-            <a:off x="96689" y="4903493"/>
-            <a:ext cx="935501" cy="429410"/>
+            <a:off x="434396" y="3304392"/>
+            <a:ext cx="1192993" cy="429410"/>
           </a:xfrm>
           <a:prstGeom prst="rect">
             <a:avLst/>
@@ -15386,7 +15230,7 @@
           <a:lstStyle/>
           <a:p>
             <a:r>
-              <a:rPr lang="en-US" sz="1200" dirty="0">
+              <a:rPr lang="en-US" sz="1200">
                 <a:latin typeface="Calibri"/>
                 <a:ea typeface="Segoe UI" pitchFamily="34" charset="0"/>
                 <a:cs typeface="Calibri"/>
@@ -15396,7 +15240,7 @@
           </a:p>
           <a:p>
             <a:r>
-              <a:rPr lang="en-US" sz="1200" dirty="0">
+              <a:rPr lang="en-US" sz="1200">
                 <a:latin typeface="Calibri"/>
                 <a:ea typeface="Segoe UI" pitchFamily="34" charset="0"/>
                 <a:cs typeface="Calibri"/>
@@ -15415,7 +15259,7 @@
           <p:nvPr/>
         </p:nvPicPr>
         <p:blipFill>
-          <a:blip r:embed="rId14" cstate="print">
+          <a:blip r:embed="rId13" cstate="print">
             <a:extLst>
               <a:ext uri="{28A0092B-C50C-407E-A947-70E740481C1C}">
                 <a14:useLocalDpi xmlns:a14="http://schemas.microsoft.com/office/drawing/2010/main" val="0"/>
@@ -15428,7 +15272,7 @@
         </p:blipFill>
         <p:spPr>
           <a:xfrm>
-            <a:off x="295426" y="4549307"/>
+            <a:off x="682219" y="2910566"/>
             <a:ext cx="457200" cy="457200"/>
           </a:xfrm>
           <a:prstGeom prst="rect">
@@ -15440,21 +15284,18 @@
         <p:nvCxnSpPr>
           <p:cNvPr id="182" name="Elbow Connector 181"/>
           <p:cNvCxnSpPr>
-            <a:cxnSpLocks/>
             <a:stCxn id="180" idx="3"/>
-            <a:endCxn id="161" idx="1"/>
+            <a:endCxn id="9" idx="1"/>
           </p:cNvCxnSpPr>
           <p:nvPr/>
         </p:nvCxnSpPr>
         <p:spPr>
-          <a:xfrm>
-            <a:off x="752626" y="4777907"/>
-            <a:ext cx="911761" cy="4595"/>
+          <a:xfrm flipV="1">
+            <a:off x="1139419" y="2477943"/>
+            <a:ext cx="1749785" cy="661223"/>
           </a:xfrm>
           <a:prstGeom prst="bentConnector3">
-            <a:avLst>
-              <a:gd name="adj1" fmla="val 50000"/>
-            </a:avLst>
+            <a:avLst/>
           </a:prstGeom>
           <a:ln>
             <a:tailEnd type="triangle"/>
@@ -15483,7 +15324,7 @@
         </p:nvSpPr>
         <p:spPr>
           <a:xfrm>
-            <a:off x="7679941" y="6078304"/>
+            <a:off x="6886509" y="6078304"/>
             <a:ext cx="1192993" cy="429410"/>
           </a:xfrm>
           <a:prstGeom prst="rect">
@@ -15536,12 +15377,12 @@
         </p:nvCxnSpPr>
         <p:spPr>
           <a:xfrm rot="10800000">
-            <a:off x="7484164" y="6097548"/>
-            <a:ext cx="2914875" cy="38372"/>
+            <a:off x="6690731" y="6097548"/>
+            <a:ext cx="2851970" cy="38372"/>
           </a:xfrm>
           <a:prstGeom prst="bentConnector4">
             <a:avLst>
-              <a:gd name="adj1" fmla="val 46079"/>
+              <a:gd name="adj1" fmla="val 45992"/>
               <a:gd name="adj2" fmla="val 695747"/>
             </a:avLst>
           </a:prstGeom>
@@ -15573,7 +15414,7 @@
         </p:nvSpPr>
         <p:spPr>
           <a:xfrm>
-            <a:off x="10892273" y="5935110"/>
+            <a:off x="10035936" y="5935110"/>
             <a:ext cx="1192993" cy="429410"/>
           </a:xfrm>
           <a:prstGeom prst="rect">
@@ -15609,7 +15450,7 @@
           <p:nvPr/>
         </p:nvPicPr>
         <p:blipFill>
-          <a:blip r:embed="rId14" cstate="print">
+          <a:blip r:embed="rId13" cstate="print">
             <a:extLst>
               <a:ext uri="{28A0092B-C50C-407E-A947-70E740481C1C}">
                 <a14:useLocalDpi xmlns:a14="http://schemas.microsoft.com/office/drawing/2010/main" val="0"/>
@@ -15622,7 +15463,7 @@
         </p:blipFill>
         <p:spPr>
           <a:xfrm>
-            <a:off x="10399038" y="5907320"/>
+            <a:off x="9542701" y="5907320"/>
             <a:ext cx="457200" cy="457200"/>
           </a:xfrm>
           <a:prstGeom prst="rect">
@@ -15638,7 +15479,7 @@
         </p:nvSpPr>
         <p:spPr>
           <a:xfrm>
-            <a:off x="4168878" y="3387988"/>
+            <a:off x="3375446" y="3387988"/>
             <a:ext cx="1448803" cy="566679"/>
           </a:xfrm>
           <a:prstGeom prst="rect">
@@ -15704,7 +15545,7 @@
         </p:blipFill>
         <p:spPr>
           <a:xfrm>
-            <a:off x="3693780" y="3473829"/>
+            <a:off x="2900348" y="3473829"/>
             <a:ext cx="481713" cy="481713"/>
           </a:xfrm>
           <a:prstGeom prst="rect">
@@ -15720,7 +15561,7 @@
         </p:nvSpPr>
         <p:spPr>
           <a:xfrm>
-            <a:off x="5042713" y="4430168"/>
+            <a:off x="4249281" y="4430168"/>
             <a:ext cx="1448803" cy="566679"/>
           </a:xfrm>
           <a:prstGeom prst="rect">
@@ -15773,7 +15614,7 @@
           <p:nvPr/>
         </p:nvPicPr>
         <p:blipFill>
-          <a:blip r:embed="rId4" cstate="print">
+          <a:blip r:embed="rId3" cstate="print">
             <a:extLst>
               <a:ext uri="{28A0092B-C50C-407E-A947-70E740481C1C}">
                 <a14:useLocalDpi xmlns:a14="http://schemas.microsoft.com/office/drawing/2010/main" val="0"/>
@@ -15786,7 +15627,7 @@
         </p:blipFill>
         <p:spPr>
           <a:xfrm>
-            <a:off x="8430928" y="3200807"/>
+            <a:off x="7637496" y="3200807"/>
             <a:ext cx="457200" cy="457200"/>
           </a:xfrm>
           <a:prstGeom prst="rect">
@@ -15802,7 +15643,7 @@
         </p:nvSpPr>
         <p:spPr>
           <a:xfrm>
-            <a:off x="8159980" y="3671167"/>
+            <a:off x="7366548" y="3671167"/>
             <a:ext cx="678334" cy="830456"/>
           </a:xfrm>
           <a:prstGeom prst="rect">
@@ -15870,7 +15711,7 @@
         </p:nvCxnSpPr>
         <p:spPr>
           <a:xfrm flipV="1">
-            <a:off x="7899074" y="3429407"/>
+            <a:off x="7105642" y="3429407"/>
             <a:ext cx="531854" cy="222"/>
           </a:xfrm>
           <a:prstGeom prst="straightConnector1">
@@ -15908,7 +15749,7 @@
           <p:nvPr/>
         </p:nvPicPr>
         <p:blipFill>
-          <a:blip r:embed="rId6" cstate="print">
+          <a:blip r:embed="rId5" cstate="print">
             <a:extLst>
               <a:ext uri="{28A0092B-C50C-407E-A947-70E740481C1C}">
                 <a14:useLocalDpi xmlns:a14="http://schemas.microsoft.com/office/drawing/2010/main" val="0"/>
@@ -15921,7 +15762,7 @@
         </p:blipFill>
         <p:spPr>
           <a:xfrm>
-            <a:off x="8288055" y="4587398"/>
+            <a:off x="7494623" y="4587398"/>
             <a:ext cx="457200" cy="457200"/>
           </a:xfrm>
           <a:prstGeom prst="rect">
@@ -15937,7 +15778,7 @@
         </p:nvSpPr>
         <p:spPr>
           <a:xfrm>
-            <a:off x="8071147" y="5018557"/>
+            <a:off x="7277715" y="5018557"/>
             <a:ext cx="1192993" cy="429410"/>
           </a:xfrm>
           <a:prstGeom prst="rect">
@@ -15997,7 +15838,7 @@
         </p:nvCxnSpPr>
         <p:spPr>
           <a:xfrm flipV="1">
-            <a:off x="7777828" y="4815998"/>
+            <a:off x="6984396" y="4815998"/>
             <a:ext cx="531854" cy="222"/>
           </a:xfrm>
           <a:prstGeom prst="straightConnector1">
@@ -16048,7 +15889,7 @@
         </p:blipFill>
         <p:spPr>
           <a:xfrm>
-            <a:off x="9079540" y="3202661"/>
+            <a:off x="8286108" y="3202661"/>
             <a:ext cx="420624" cy="457200"/>
           </a:xfrm>
           <a:prstGeom prst="rect">
@@ -16064,7 +15905,7 @@
         </p:nvSpPr>
         <p:spPr>
           <a:xfrm>
-            <a:off x="9013086" y="3655999"/>
+            <a:off x="8219654" y="3655999"/>
             <a:ext cx="678334" cy="830456"/>
           </a:xfrm>
           <a:prstGeom prst="rect">
@@ -16148,7 +15989,7 @@
         </p:blipFill>
         <p:spPr>
           <a:xfrm>
-            <a:off x="8754582" y="2672547"/>
+            <a:off x="7961150" y="2672547"/>
             <a:ext cx="457200" cy="457200"/>
           </a:xfrm>
           <a:prstGeom prst="rect">
@@ -16166,7 +16007,7 @@
         </p:nvCxnSpPr>
         <p:spPr>
           <a:xfrm rot="5400000" flipH="1" flipV="1">
-            <a:off x="8143799" y="2573042"/>
+            <a:off x="7350367" y="2573042"/>
             <a:ext cx="154663" cy="1101312"/>
           </a:xfrm>
           <a:prstGeom prst="bentConnector2">
@@ -16202,7 +16043,7 @@
         </p:nvCxnSpPr>
         <p:spPr>
           <a:xfrm>
-            <a:off x="9211782" y="2901147"/>
+            <a:off x="8418350" y="2901147"/>
             <a:ext cx="288382" cy="530114"/>
           </a:xfrm>
           <a:prstGeom prst="bentConnector3">
@@ -16237,7 +16078,7 @@
         </p:nvSpPr>
         <p:spPr>
           <a:xfrm>
-            <a:off x="8910148" y="2570583"/>
+            <a:off x="8116716" y="2570583"/>
             <a:ext cx="678334" cy="340653"/>
           </a:xfrm>
           <a:prstGeom prst="rect">
@@ -16272,7 +16113,7 @@
         </p:nvSpPr>
         <p:spPr>
           <a:xfrm>
-            <a:off x="3911236" y="5195071"/>
+            <a:off x="3117804" y="5195071"/>
             <a:ext cx="1548052" cy="276999"/>
           </a:xfrm>
           <a:prstGeom prst="rect">
@@ -16310,7 +16151,7 @@
         </p:nvGrpSpPr>
         <p:grpSpPr>
           <a:xfrm>
-            <a:off x="4085449" y="5460016"/>
+            <a:off x="3292017" y="5460016"/>
             <a:ext cx="904198" cy="537003"/>
             <a:chOff x="4016540" y="5460146"/>
             <a:chExt cx="904198" cy="537003"/>
@@ -16417,7 +16258,7 @@
         </p:blipFill>
         <p:spPr>
           <a:xfrm>
-            <a:off x="4566565" y="4478165"/>
+            <a:off x="3773133" y="4478165"/>
             <a:ext cx="481713" cy="481713"/>
           </a:xfrm>
           <a:prstGeom prst="rect">
@@ -16440,7 +16281,7 @@
           <p:nvPr/>
         </p:nvPicPr>
         <p:blipFill>
-          <a:blip r:embed="rId8" cstate="print">
+          <a:blip r:embed="rId7" cstate="print">
             <a:extLst>
               <a:ext uri="{28A0092B-C50C-407E-A947-70E740481C1C}">
                 <a14:useLocalDpi xmlns:a14="http://schemas.microsoft.com/office/drawing/2010/main" val="0"/>
@@ -16453,7 +16294,7 @@
         </p:blipFill>
         <p:spPr>
           <a:xfrm>
-            <a:off x="2766083" y="4503946"/>
+            <a:off x="2268365" y="4503558"/>
             <a:ext cx="481714" cy="481714"/>
           </a:xfrm>
           <a:prstGeom prst="rect">
@@ -16475,7 +16316,7 @@
         </p:nvSpPr>
         <p:spPr>
           <a:xfrm>
-            <a:off x="2743950" y="4923122"/>
+            <a:off x="2246232" y="4922734"/>
             <a:ext cx="547845" cy="566679"/>
           </a:xfrm>
           <a:prstGeom prst="rect">
@@ -16536,19 +16377,20 @@
           </p:cNvPr>
           <p:cNvCxnSpPr>
             <a:cxnSpLocks/>
-            <a:stCxn id="31" idx="0"/>
+            <a:stCxn id="31" idx="1"/>
             <a:endCxn id="9" idx="2"/>
           </p:cNvCxnSpPr>
           <p:nvPr/>
         </p:nvCxnSpPr>
         <p:spPr>
-          <a:xfrm rot="5400000" flipH="1" flipV="1">
-            <a:off x="2560387" y="3153097"/>
-            <a:ext cx="1797403" cy="904296"/>
-          </a:xfrm>
-          <a:prstGeom prst="bentConnector3">
+          <a:xfrm rot="10800000" flipH="1">
+            <a:off x="2268364" y="2706543"/>
+            <a:ext cx="849439" cy="2037872"/>
+          </a:xfrm>
+          <a:prstGeom prst="bentConnector4">
             <a:avLst>
-              <a:gd name="adj1" fmla="val 94144"/>
+              <a:gd name="adj1" fmla="val -5269"/>
+              <a:gd name="adj2" fmla="val 94370"/>
             </a:avLst>
           </a:prstGeom>
           <a:ln>
@@ -16570,22 +16412,85 @@
           </a:fontRef>
         </p:style>
       </p:cxnSp>
+    </p:spTree>
+    <p:extLst>
+      <p:ext uri="{BB962C8B-B14F-4D97-AF65-F5344CB8AC3E}">
+        <p14:creationId xmlns:p14="http://schemas.microsoft.com/office/powerpoint/2010/main" val="3772682738"/>
+      </p:ext>
+    </p:extLst>
+  </p:cSld>
+  <p:clrMapOvr>
+    <a:masterClrMapping/>
+  </p:clrMapOvr>
+  <p:transition>
+    <p:fade/>
+  </p:transition>
+</p:sld>
+</file>
+
+<file path=ppt/slides/slide2.xml><?xml version="1.0" encoding="utf-8"?>
+<p:sld xmlns:a="http://schemas.openxmlformats.org/drawingml/2006/main" xmlns:r="http://schemas.openxmlformats.org/officeDocument/2006/relationships" xmlns:p="http://schemas.openxmlformats.org/presentationml/2006/main">
+  <p:cSld>
+    <p:spTree>
+      <p:nvGrpSpPr>
+        <p:cNvPr id="1" name=""/>
+        <p:cNvGrpSpPr/>
+        <p:nvPr/>
+      </p:nvGrpSpPr>
+      <p:grpSpPr>
+        <a:xfrm>
+          <a:off x="0" y="0"/>
+          <a:ext cx="0" cy="0"/>
+          <a:chOff x="0" y="0"/>
+          <a:chExt cx="0" cy="0"/>
+        </a:xfrm>
+      </p:grpSpPr>
+      <p:sp>
+        <p:nvSpPr>
+          <p:cNvPr id="2" name="Title 1"/>
+          <p:cNvSpPr>
+            <a:spLocks noGrp="1"/>
+          </p:cNvSpPr>
+          <p:nvPr>
+            <p:ph type="title"/>
+          </p:nvPr>
+        </p:nvSpPr>
+        <p:spPr>
+          <a:xfrm>
+            <a:off x="754" y="-92425"/>
+            <a:ext cx="12192000" cy="646042"/>
+          </a:xfrm>
+        </p:spPr>
+        <p:txBody>
+          <a:bodyPr>
+            <a:normAutofit fontScale="90000"/>
+          </a:bodyPr>
+          <a:lstStyle/>
+          <a:p>
+            <a:r>
+              <a:rPr lang="en-US" dirty="0"/>
+              <a:t>Modern Cloud Apps Preferred Solution</a:t>
+            </a:r>
+          </a:p>
+        </p:txBody>
+      </p:sp>
       <p:pic>
         <p:nvPicPr>
-          <p:cNvPr id="114" name="Picture 113" descr="A picture containing text&#10;&#10;Description generated with high confidence">
-            <a:extLst>
-              <a:ext uri="{FF2B5EF4-FFF2-40B4-BE49-F238E27FC236}">
-                <a16:creationId xmlns:a16="http://schemas.microsoft.com/office/drawing/2014/main" id="{E4B7027C-CD32-48AE-9225-5D152C9212B9}"/>
-              </a:ext>
-            </a:extLst>
-          </p:cNvPr>
+          <p:cNvPr id="7" name="Picture 6"/>
           <p:cNvPicPr>
             <a:picLocks noChangeAspect="1"/>
           </p:cNvPicPr>
           <p:nvPr/>
         </p:nvPicPr>
         <p:blipFill>
-          <a:blip r:embed="rId22" cstate="print">
+          <a:blip r:embed="rId2" cstate="print">
+            <a:duotone>
+              <a:schemeClr val="accent5">
+                <a:shade val="45000"/>
+                <a:satMod val="135000"/>
+              </a:schemeClr>
+              <a:prstClr val="white"/>
+            </a:duotone>
             <a:extLst>
               <a:ext uri="{28A0092B-C50C-407E-A947-70E740481C1C}">
                 <a14:useLocalDpi xmlns:a14="http://schemas.microsoft.com/office/drawing/2010/main" val="0"/>
@@ -16598,7 +16503,7 @@
         </p:blipFill>
         <p:spPr>
           <a:xfrm>
-            <a:off x="1924109" y="2603514"/>
+            <a:off x="2881181" y="553617"/>
             <a:ext cx="457200" cy="457200"/>
           </a:xfrm>
           <a:prstGeom prst="rect">
@@ -16608,96 +16513,14 @@
       </p:pic>
       <p:sp>
         <p:nvSpPr>
-          <p:cNvPr id="115" name="TextBox 114">
-            <a:extLst>
-              <a:ext uri="{FF2B5EF4-FFF2-40B4-BE49-F238E27FC236}">
-                <a16:creationId xmlns:a16="http://schemas.microsoft.com/office/drawing/2014/main" id="{4DAB1B9F-B6B9-47F2-941D-4B1E67105AAE}"/>
-              </a:ext>
-            </a:extLst>
-          </p:cNvPr>
-          <p:cNvSpPr txBox="1"/>
-          <p:nvPr/>
-        </p:nvSpPr>
-        <p:spPr>
-          <a:xfrm>
-            <a:off x="1426869" y="2972671"/>
-            <a:ext cx="1451681" cy="462269"/>
-          </a:xfrm>
-          <a:prstGeom prst="rect">
-            <a:avLst/>
-          </a:prstGeom>
-          <a:ln>
-            <a:noFill/>
-          </a:ln>
-        </p:spPr>
-        <p:txBody>
-          <a:bodyPr vert="horz" wrap="none" lIns="91440" tIns="91440" rIns="91440" bIns="91440" rtlCol="0" anchor="t">
-            <a:noAutofit/>
-          </a:bodyPr>
-          <a:lstStyle/>
-          <a:p>
-            <a:pPr algn="ctr"/>
-            <a:r>
-              <a:rPr lang="en-US" sz="1200" dirty="0">
-                <a:latin typeface="Calibri"/>
-                <a:ea typeface="Segoe UI" pitchFamily="34" charset="0"/>
-                <a:cs typeface="Calibri"/>
-              </a:rPr>
-              <a:t>App Gateway w/WAF</a:t>
-            </a:r>
-          </a:p>
-          <a:p>
-            <a:pPr algn="ctr"/>
-            <a:r>
-              <a:rPr lang="en-US" sz="1000" dirty="0">
-                <a:latin typeface="Calibri"/>
-                <a:ea typeface="Segoe UI" pitchFamily="34" charset="0"/>
-                <a:cs typeface="Calibri"/>
-              </a:rPr>
-              <a:t>Secure Web Traffic</a:t>
-            </a:r>
-            <a:br>
-              <a:rPr lang="en-US" sz="1000" dirty="0">
-                <a:latin typeface="Calibri"/>
-                <a:ea typeface="Segoe UI" pitchFamily="34" charset="0"/>
-                <a:cs typeface="Calibri"/>
-              </a:rPr>
-            </a:br>
-            <a:r>
-              <a:rPr lang="en-US" sz="1000" dirty="0">
-                <a:latin typeface="Calibri"/>
-                <a:ea typeface="Segoe UI" pitchFamily="34" charset="0"/>
-                <a:cs typeface="Calibri"/>
-              </a:rPr>
-              <a:t>(HTTP/S, Web Sockets)</a:t>
-            </a:r>
-          </a:p>
-          <a:p>
-            <a:pPr algn="ctr"/>
-            <a:endParaRPr lang="en-US" sz="1200" dirty="0">
-              <a:latin typeface="Calibri"/>
-              <a:ea typeface="Segoe UI" pitchFamily="34" charset="0"/>
-              <a:cs typeface="Calibri"/>
-            </a:endParaRPr>
-          </a:p>
-        </p:txBody>
-      </p:sp>
-      <p:sp>
-        <p:nvSpPr>
-          <p:cNvPr id="117" name="Rounded Rectangle 129">
-            <a:extLst>
-              <a:ext uri="{FF2B5EF4-FFF2-40B4-BE49-F238E27FC236}">
-                <a16:creationId xmlns:a16="http://schemas.microsoft.com/office/drawing/2014/main" id="{E71B5B07-AC4E-47F2-8305-F5A7BC1C2F58}"/>
-              </a:ext>
-            </a:extLst>
-          </p:cNvPr>
+          <p:cNvPr id="12" name="Rounded Rectangle 11"/>
           <p:cNvSpPr/>
           <p:nvPr/>
         </p:nvSpPr>
         <p:spPr>
           <a:xfrm>
-            <a:off x="1416550" y="2492935"/>
-            <a:ext cx="1459103" cy="1158222"/>
+            <a:off x="2837236" y="1015576"/>
+            <a:ext cx="5932692" cy="5582651"/>
           </a:xfrm>
           <a:prstGeom prst="roundRect">
             <a:avLst>
@@ -16705,9 +16528,11 @@
             </a:avLst>
           </a:prstGeom>
           <a:noFill/>
-          <a:ln w="28575">
+          <a:ln w="53975">
             <a:solidFill>
-              <a:schemeClr val="bg2"/>
+              <a:schemeClr val="accent5">
+                <a:lumMod val="90000"/>
+              </a:schemeClr>
             </a:solidFill>
             <a:prstDash val="sysDot"/>
           </a:ln>
@@ -16751,20 +16576,14 @@
       </p:sp>
       <p:sp>
         <p:nvSpPr>
-          <p:cNvPr id="118" name="TextBox 117">
-            <a:extLst>
-              <a:ext uri="{FF2B5EF4-FFF2-40B4-BE49-F238E27FC236}">
-                <a16:creationId xmlns:a16="http://schemas.microsoft.com/office/drawing/2014/main" id="{3559A281-4CF1-4354-99B7-0B208772D299}"/>
-              </a:ext>
-            </a:extLst>
-          </p:cNvPr>
+          <p:cNvPr id="13" name="TextBox 12"/>
           <p:cNvSpPr txBox="1"/>
           <p:nvPr/>
         </p:nvSpPr>
         <p:spPr>
           <a:xfrm>
-            <a:off x="1984542" y="2133208"/>
-            <a:ext cx="1028813" cy="447682"/>
+            <a:off x="3338381" y="558376"/>
+            <a:ext cx="635573" cy="447682"/>
           </a:xfrm>
           <a:prstGeom prst="rect">
             <a:avLst/>
@@ -16781,725 +16600,28 @@
           <a:p>
             <a:pPr algn="r"/>
             <a:r>
-              <a:rPr lang="en-US" sz="1600" dirty="0">
+              <a:rPr lang="en-US" sz="1600">
                 <a:solidFill>
                   <a:schemeClr val="tx1">
                     <a:lumMod val="60000"/>
                     <a:lumOff val="40000"/>
                   </a:schemeClr>
                 </a:solidFill>
-                <a:latin typeface="Calibri"/>
-                <a:ea typeface="Segoe UI" pitchFamily="34" charset="0"/>
-                <a:cs typeface="Calibri"/>
-              </a:rPr>
-              <a:t>SubnetA </a:t>
-            </a:r>
-          </a:p>
-        </p:txBody>
-      </p:sp>
-      <p:cxnSp>
-        <p:nvCxnSpPr>
-          <p:cNvPr id="125" name="Elbow Connector 181">
-            <a:extLst>
-              <a:ext uri="{FF2B5EF4-FFF2-40B4-BE49-F238E27FC236}">
-                <a16:creationId xmlns:a16="http://schemas.microsoft.com/office/drawing/2014/main" id="{C323FB05-BEE2-4E9C-9E47-ABAC6438B69E}"/>
-              </a:ext>
-            </a:extLst>
-          </p:cNvPr>
-          <p:cNvCxnSpPr>
-            <a:cxnSpLocks/>
-            <a:stCxn id="114" idx="3"/>
-            <a:endCxn id="9" idx="1"/>
-          </p:cNvCxnSpPr>
-          <p:nvPr/>
-        </p:nvCxnSpPr>
-        <p:spPr>
-          <a:xfrm flipV="1">
-            <a:off x="2381309" y="2477943"/>
-            <a:ext cx="1301327" cy="354171"/>
-          </a:xfrm>
-          <a:prstGeom prst="bentConnector3">
-            <a:avLst>
-              <a:gd name="adj1" fmla="val 44423"/>
-            </a:avLst>
-          </a:prstGeom>
-          <a:ln>
-            <a:tailEnd type="triangle"/>
-          </a:ln>
-        </p:spPr>
-        <p:style>
-          <a:lnRef idx="1">
-            <a:schemeClr val="accent2"/>
-          </a:lnRef>
-          <a:fillRef idx="0">
-            <a:schemeClr val="accent2"/>
-          </a:fillRef>
-          <a:effectRef idx="0">
-            <a:schemeClr val="accent2"/>
-          </a:effectRef>
-          <a:fontRef idx="minor">
-            <a:schemeClr val="tx1"/>
-          </a:fontRef>
-        </p:style>
-      </p:cxnSp>
-      <p:pic>
-        <p:nvPicPr>
-          <p:cNvPr id="148" name="Picture 147">
-            <a:extLst>
-              <a:ext uri="{FF2B5EF4-FFF2-40B4-BE49-F238E27FC236}">
-                <a16:creationId xmlns:a16="http://schemas.microsoft.com/office/drawing/2014/main" id="{F13B96E4-5ABC-4C4C-BC18-F903D1968F2B}"/>
-              </a:ext>
-            </a:extLst>
-          </p:cNvPr>
-          <p:cNvPicPr>
-            <a:picLocks noChangeAspect="1"/>
-          </p:cNvPicPr>
-          <p:nvPr/>
-        </p:nvPicPr>
-        <p:blipFill>
-          <a:blip r:embed="rId16" cstate="print">
-            <a:duotone>
-              <a:schemeClr val="accent6">
-                <a:shade val="45000"/>
-                <a:satMod val="135000"/>
-              </a:schemeClr>
-              <a:prstClr val="white"/>
-            </a:duotone>
-            <a:extLst>
-              <a:ext uri="{28A0092B-C50C-407E-A947-70E740481C1C}">
-                <a14:useLocalDpi xmlns:a14="http://schemas.microsoft.com/office/drawing/2010/main" val="0"/>
-              </a:ext>
-            </a:extLst>
-          </a:blip>
-          <a:stretch>
-            <a:fillRect/>
-          </a:stretch>
-        </p:blipFill>
-        <p:spPr>
-          <a:xfrm>
-            <a:off x="1366513" y="3606068"/>
-            <a:ext cx="267441" cy="267441"/>
-          </a:xfrm>
-          <a:prstGeom prst="rect">
-            <a:avLst/>
-          </a:prstGeom>
-        </p:spPr>
-      </p:pic>
-      <p:sp>
-        <p:nvSpPr>
-          <p:cNvPr id="149" name="TextBox 148">
-            <a:extLst>
-              <a:ext uri="{FF2B5EF4-FFF2-40B4-BE49-F238E27FC236}">
-                <a16:creationId xmlns:a16="http://schemas.microsoft.com/office/drawing/2014/main" id="{0A70E977-B822-4378-9E3F-E61953C755B2}"/>
-              </a:ext>
-            </a:extLst>
-          </p:cNvPr>
-          <p:cNvSpPr txBox="1"/>
-          <p:nvPr/>
-        </p:nvSpPr>
-        <p:spPr>
-          <a:xfrm>
-            <a:off x="1583083" y="3654427"/>
-            <a:ext cx="1733703" cy="447682"/>
-          </a:xfrm>
-          <a:prstGeom prst="rect">
-            <a:avLst/>
-          </a:prstGeom>
-          <a:ln>
-            <a:noFill/>
-          </a:ln>
-        </p:spPr>
-        <p:txBody>
-          <a:bodyPr vert="horz" wrap="none" lIns="91440" tIns="91440" rIns="91440" bIns="91440" rtlCol="0" anchor="t">
-            <a:noAutofit/>
-          </a:bodyPr>
-          <a:lstStyle/>
-          <a:p>
-            <a:r>
-              <a:rPr lang="en-US" sz="1100" dirty="0">
-                <a:solidFill>
-                  <a:schemeClr val="tx1">
-                    <a:lumMod val="60000"/>
-                    <a:lumOff val="40000"/>
-                  </a:schemeClr>
-                </a:solidFill>
-                <a:latin typeface="Calibri"/>
-                <a:ea typeface="Segoe UI" pitchFamily="34" charset="0"/>
-                <a:cs typeface="Calibri"/>
-              </a:rPr>
-              <a:t>Restricted by NSG</a:t>
-            </a:r>
-          </a:p>
-        </p:txBody>
-      </p:sp>
-      <p:pic>
-        <p:nvPicPr>
-          <p:cNvPr id="161" name="Picture 160" descr="A close up of a sign&#10;&#10;Description generated with very high confidence">
-            <a:extLst>
-              <a:ext uri="{FF2B5EF4-FFF2-40B4-BE49-F238E27FC236}">
-                <a16:creationId xmlns:a16="http://schemas.microsoft.com/office/drawing/2014/main" id="{DC9ECC98-6EDA-4DE0-9C33-86E1ACBD13D4}"/>
-              </a:ext>
-            </a:extLst>
-          </p:cNvPr>
-          <p:cNvPicPr>
-            <a:picLocks noChangeAspect="1"/>
-          </p:cNvPicPr>
-          <p:nvPr/>
-        </p:nvPicPr>
-        <p:blipFill>
-          <a:blip r:embed="rId23" cstate="print">
-            <a:extLst>
-              <a:ext uri="{28A0092B-C50C-407E-A947-70E740481C1C}">
-                <a14:useLocalDpi xmlns:a14="http://schemas.microsoft.com/office/drawing/2010/main" val="0"/>
-              </a:ext>
-            </a:extLst>
-          </a:blip>
-          <a:stretch>
-            <a:fillRect/>
-          </a:stretch>
-        </p:blipFill>
-        <p:spPr>
-          <a:xfrm>
-            <a:off x="1664387" y="4541645"/>
-            <a:ext cx="481714" cy="481714"/>
-          </a:xfrm>
-          <a:prstGeom prst="rect">
-            <a:avLst/>
-          </a:prstGeom>
-        </p:spPr>
-      </p:pic>
-      <p:sp>
-        <p:nvSpPr>
-          <p:cNvPr id="163" name="TextBox 162">
-            <a:extLst>
-              <a:ext uri="{FF2B5EF4-FFF2-40B4-BE49-F238E27FC236}">
-                <a16:creationId xmlns:a16="http://schemas.microsoft.com/office/drawing/2014/main" id="{BCF33B4E-5AA4-41E5-80B4-D8AC50FE795F}"/>
-              </a:ext>
-            </a:extLst>
-          </p:cNvPr>
-          <p:cNvSpPr txBox="1"/>
-          <p:nvPr/>
-        </p:nvSpPr>
-        <p:spPr>
-          <a:xfrm>
-            <a:off x="1447315" y="4942463"/>
-            <a:ext cx="910648" cy="1322870"/>
-          </a:xfrm>
-          <a:prstGeom prst="rect">
-            <a:avLst/>
-          </a:prstGeom>
-          <a:ln>
-            <a:noFill/>
-          </a:ln>
-        </p:spPr>
-        <p:txBody>
-          <a:bodyPr vert="horz" wrap="none" lIns="91440" tIns="91440" rIns="91440" bIns="91440" rtlCol="0" anchor="t">
-            <a:noAutofit/>
-          </a:bodyPr>
-          <a:lstStyle/>
-          <a:p>
-            <a:pPr algn="ctr"/>
-            <a:r>
-              <a:rPr lang="en-US" sz="1200" dirty="0">
                 <a:latin typeface="Calibri"/>
                 <a:ea typeface="Segoe UI" pitchFamily="34" charset="0"/>
                 <a:cs typeface="Calibri"/>
               </a:rPr>
               <a:t>Azure</a:t>
             </a:r>
-            <a:br>
-              <a:rPr lang="en-US" sz="1200" dirty="0">
-                <a:latin typeface="Calibri"/>
-                <a:ea typeface="Segoe UI" pitchFamily="34" charset="0"/>
-                <a:cs typeface="Calibri"/>
-              </a:rPr>
-            </a:br>
-            <a:r>
-              <a:rPr lang="en-US" sz="1200" dirty="0">
-                <a:latin typeface="Calibri"/>
-                <a:ea typeface="Segoe UI" pitchFamily="34" charset="0"/>
-                <a:cs typeface="Calibri"/>
-              </a:rPr>
-              <a:t>Traffic Manager</a:t>
-            </a:r>
-            <a:br>
-              <a:rPr lang="en-US" sz="1200" dirty="0">
-                <a:latin typeface="Calibri"/>
-                <a:ea typeface="Segoe UI" pitchFamily="34" charset="0"/>
-                <a:cs typeface="Calibri"/>
-              </a:rPr>
-            </a:br>
-            <a:br>
-              <a:rPr lang="en-US" sz="1200" dirty="0">
-                <a:latin typeface="Calibri"/>
-                <a:ea typeface="Segoe UI" pitchFamily="34" charset="0"/>
-                <a:cs typeface="Calibri"/>
-              </a:rPr>
-            </a:br>
-            <a:r>
-              <a:rPr lang="en-US" sz="1200" dirty="0">
-                <a:latin typeface="Calibri"/>
-                <a:ea typeface="Segoe UI" pitchFamily="34" charset="0"/>
-                <a:cs typeface="Calibri"/>
-              </a:rPr>
-              <a:t>(routes to the</a:t>
-            </a:r>
-            <a:br>
-              <a:rPr lang="en-US" sz="1200" dirty="0">
-                <a:latin typeface="Calibri"/>
-                <a:ea typeface="Segoe UI" pitchFamily="34" charset="0"/>
-                <a:cs typeface="Calibri"/>
-              </a:rPr>
-            </a:br>
-            <a:r>
-              <a:rPr lang="en-US" sz="1200" dirty="0">
-                <a:latin typeface="Calibri"/>
-                <a:ea typeface="Segoe UI" pitchFamily="34" charset="0"/>
-                <a:cs typeface="Calibri"/>
-              </a:rPr>
-              <a:t>appropriate</a:t>
-            </a:r>
-            <a:br>
-              <a:rPr lang="en-US" sz="1200" dirty="0">
-                <a:latin typeface="Calibri"/>
-                <a:ea typeface="Segoe UI" pitchFamily="34" charset="0"/>
-                <a:cs typeface="Calibri"/>
-              </a:rPr>
-            </a:br>
-            <a:r>
-              <a:rPr lang="en-US" sz="1200" dirty="0">
-                <a:latin typeface="Calibri"/>
-                <a:ea typeface="Segoe UI" pitchFamily="34" charset="0"/>
-                <a:cs typeface="Calibri"/>
-              </a:rPr>
-              <a:t>region as needed)</a:t>
-            </a:r>
-          </a:p>
-          <a:p>
-            <a:endParaRPr lang="en-US" sz="1200" dirty="0">
-              <a:latin typeface="Calibri"/>
-              <a:ea typeface="Segoe UI" pitchFamily="34" charset="0"/>
-              <a:cs typeface="Calibri"/>
-            </a:endParaRPr>
-          </a:p>
-        </p:txBody>
-      </p:sp>
-      <p:cxnSp>
-        <p:nvCxnSpPr>
-          <p:cNvPr id="169" name="Elbow Connector 181">
-            <a:extLst>
-              <a:ext uri="{FF2B5EF4-FFF2-40B4-BE49-F238E27FC236}">
-                <a16:creationId xmlns:a16="http://schemas.microsoft.com/office/drawing/2014/main" id="{FFDC7F39-D0F2-43EA-B9AE-C0AAFCD3D57D}"/>
-              </a:ext>
-            </a:extLst>
-          </p:cNvPr>
-          <p:cNvCxnSpPr>
-            <a:cxnSpLocks/>
-            <a:stCxn id="161" idx="1"/>
-            <a:endCxn id="114" idx="1"/>
-          </p:cNvCxnSpPr>
-          <p:nvPr/>
-        </p:nvCxnSpPr>
-        <p:spPr>
-          <a:xfrm rot="10800000" flipH="1">
-            <a:off x="1664387" y="2832114"/>
-            <a:ext cx="259722" cy="1950388"/>
-          </a:xfrm>
-          <a:prstGeom prst="bentConnector3">
-            <a:avLst>
-              <a:gd name="adj1" fmla="val -255670"/>
-            </a:avLst>
-          </a:prstGeom>
-          <a:ln>
-            <a:tailEnd type="triangle"/>
-          </a:ln>
-        </p:spPr>
-        <p:style>
-          <a:lnRef idx="1">
-            <a:schemeClr val="accent2"/>
-          </a:lnRef>
-          <a:fillRef idx="0">
-            <a:schemeClr val="accent2"/>
-          </a:fillRef>
-          <a:effectRef idx="0">
-            <a:schemeClr val="accent2"/>
-          </a:effectRef>
-          <a:fontRef idx="minor">
-            <a:schemeClr val="tx1"/>
-          </a:fontRef>
-        </p:style>
-      </p:cxnSp>
-      <p:pic>
-        <p:nvPicPr>
-          <p:cNvPr id="90" name="Picture 89">
-            <a:extLst>
-              <a:ext uri="{FF2B5EF4-FFF2-40B4-BE49-F238E27FC236}">
-                <a16:creationId xmlns:a16="http://schemas.microsoft.com/office/drawing/2014/main" id="{375B7F09-92CA-40F1-B9FC-70729234A0F4}"/>
-              </a:ext>
-            </a:extLst>
-          </p:cNvPr>
-          <p:cNvPicPr>
-            <a:picLocks noChangeAspect="1"/>
-          </p:cNvPicPr>
-          <p:nvPr/>
-        </p:nvPicPr>
-        <p:blipFill>
-          <a:blip r:embed="rId24"/>
-          <a:stretch>
-            <a:fillRect/>
-          </a:stretch>
-        </p:blipFill>
-        <p:spPr>
-          <a:xfrm>
-            <a:off x="5431112" y="6114008"/>
-            <a:ext cx="485876" cy="469544"/>
-          </a:xfrm>
-          <a:prstGeom prst="rect">
-            <a:avLst/>
-          </a:prstGeom>
-        </p:spPr>
-      </p:pic>
-    </p:spTree>
-    <p:extLst>
-      <p:ext uri="{BB962C8B-B14F-4D97-AF65-F5344CB8AC3E}">
-        <p14:creationId xmlns:p14="http://schemas.microsoft.com/office/powerpoint/2010/main" val="3772682738"/>
-      </p:ext>
-    </p:extLst>
-  </p:cSld>
-  <p:clrMapOvr>
-    <a:masterClrMapping/>
-  </p:clrMapOvr>
-  <p:transition>
-    <p:fade/>
-  </p:transition>
-</p:sld>
-</file>
-
-<file path=ppt/slides/slide2.xml><?xml version="1.0" encoding="utf-8"?>
-<p:sld xmlns:a="http://schemas.openxmlformats.org/drawingml/2006/main" xmlns:r="http://schemas.openxmlformats.org/officeDocument/2006/relationships" xmlns:p="http://schemas.openxmlformats.org/presentationml/2006/main">
-  <p:cSld>
-    <p:spTree>
-      <p:nvGrpSpPr>
-        <p:cNvPr id="1" name=""/>
-        <p:cNvGrpSpPr/>
-        <p:nvPr/>
-      </p:nvGrpSpPr>
-      <p:grpSpPr>
-        <a:xfrm>
-          <a:off x="0" y="0"/>
-          <a:ext cx="0" cy="0"/>
-          <a:chOff x="0" y="0"/>
-          <a:chExt cx="0" cy="0"/>
-        </a:xfrm>
-      </p:grpSpPr>
-      <p:pic>
-        <p:nvPicPr>
-          <p:cNvPr id="7" name="Picture 6"/>
-          <p:cNvPicPr>
-            <a:picLocks noChangeAspect="1"/>
-          </p:cNvPicPr>
-          <p:nvPr/>
-        </p:nvPicPr>
-        <p:blipFill>
-          <a:blip r:embed="rId3" cstate="print">
-            <a:duotone>
-              <a:schemeClr val="accent5">
-                <a:shade val="45000"/>
-                <a:satMod val="135000"/>
-              </a:schemeClr>
-              <a:prstClr val="white"/>
-            </a:duotone>
-            <a:extLst>
-              <a:ext uri="{28A0092B-C50C-407E-A947-70E740481C1C}">
-                <a14:useLocalDpi xmlns:a14="http://schemas.microsoft.com/office/drawing/2010/main" val="0"/>
-              </a:ext>
-            </a:extLst>
-          </a:blip>
-          <a:stretch>
-            <a:fillRect/>
-          </a:stretch>
-        </p:blipFill>
-        <p:spPr>
-          <a:xfrm>
-            <a:off x="2968353" y="558581"/>
-            <a:ext cx="457200" cy="457200"/>
-          </a:xfrm>
-          <a:prstGeom prst="rect">
-            <a:avLst/>
-          </a:prstGeom>
-        </p:spPr>
-      </p:pic>
-      <p:sp>
-        <p:nvSpPr>
-          <p:cNvPr id="12" name="Rounded Rectangle 11"/>
-          <p:cNvSpPr/>
-          <p:nvPr/>
-        </p:nvSpPr>
-        <p:spPr>
-          <a:xfrm>
-            <a:off x="1227880" y="1020540"/>
-            <a:ext cx="10770596" cy="5756777"/>
-          </a:xfrm>
-          <a:prstGeom prst="roundRect">
-            <a:avLst>
-              <a:gd name="adj" fmla="val 5638"/>
-            </a:avLst>
-          </a:prstGeom>
-          <a:noFill/>
-          <a:ln w="53975">
-            <a:solidFill>
-              <a:schemeClr val="accent5">
-                <a:lumMod val="90000"/>
-              </a:schemeClr>
-            </a:solidFill>
-            <a:prstDash val="sysDot"/>
-          </a:ln>
-        </p:spPr>
-        <p:style>
-          <a:lnRef idx="2">
-            <a:schemeClr val="accent1">
-              <a:shade val="50000"/>
-            </a:schemeClr>
-          </a:lnRef>
-          <a:fillRef idx="1">
-            <a:schemeClr val="accent1"/>
-          </a:fillRef>
-          <a:effectRef idx="0">
-            <a:schemeClr val="accent1"/>
-          </a:effectRef>
-          <a:fontRef idx="minor">
-            <a:schemeClr val="lt1"/>
-          </a:fontRef>
-        </p:style>
-        <p:txBody>
-          <a:bodyPr rot="0" spcFirstLastPara="0" vertOverflow="overflow" horzOverflow="overflow" vert="horz" wrap="square" lIns="91427" tIns="91427" rIns="91427" bIns="91427" numCol="1" spcCol="0" rtlCol="0" fromWordArt="0" anchor="b" anchorCtr="0" forceAA="0" compatLnSpc="1">
-            <a:prstTxWarp prst="textNoShape">
-              <a:avLst/>
-            </a:prstTxWarp>
-            <a:noAutofit/>
-          </a:bodyPr>
-          <a:lstStyle/>
-          <a:p>
-            <a:pPr algn="r" defTabSz="914225"/>
-            <a:r>
-              <a:rPr lang="en-US" sz="1200" err="1">
-                <a:solidFill>
-                  <a:prstClr val="white"/>
-                </a:solidFill>
-              </a:rPr>
-              <a:t> </a:t>
-            </a:r>
-          </a:p>
-        </p:txBody>
-      </p:sp>
-      <p:sp>
-        <p:nvSpPr>
-          <p:cNvPr id="13" name="TextBox 12"/>
-          <p:cNvSpPr txBox="1"/>
-          <p:nvPr/>
-        </p:nvSpPr>
-        <p:spPr>
-          <a:xfrm>
-            <a:off x="3425553" y="563340"/>
-            <a:ext cx="635573" cy="447682"/>
-          </a:xfrm>
-          <a:prstGeom prst="rect">
-            <a:avLst/>
-          </a:prstGeom>
-          <a:ln>
-            <a:noFill/>
-          </a:ln>
-        </p:spPr>
-        <p:txBody>
-          <a:bodyPr vert="horz" wrap="none" lIns="91440" tIns="91440" rIns="91440" bIns="91440" rtlCol="0" anchor="t">
-            <a:noAutofit/>
-          </a:bodyPr>
-          <a:lstStyle/>
-          <a:p>
-            <a:pPr algn="r"/>
-            <a:r>
-              <a:rPr lang="en-US" sz="1600">
-                <a:solidFill>
-                  <a:schemeClr val="tx1">
-                    <a:lumMod val="60000"/>
-                    <a:lumOff val="40000"/>
-                  </a:schemeClr>
-                </a:solidFill>
-                <a:latin typeface="Calibri"/>
-                <a:ea typeface="Segoe UI" pitchFamily="34" charset="0"/>
-                <a:cs typeface="Calibri"/>
-              </a:rPr>
-              <a:t>Azure</a:t>
-            </a:r>
-          </a:p>
-        </p:txBody>
-      </p:sp>
-      <p:pic>
-        <p:nvPicPr>
-          <p:cNvPr id="180" name="Picture 179"/>
-          <p:cNvPicPr>
-            <a:picLocks noChangeAspect="1"/>
-          </p:cNvPicPr>
-          <p:nvPr/>
-        </p:nvPicPr>
-        <p:blipFill>
-          <a:blip r:embed="rId4" cstate="print">
-            <a:extLst>
-              <a:ext uri="{28A0092B-C50C-407E-A947-70E740481C1C}">
-                <a14:useLocalDpi xmlns:a14="http://schemas.microsoft.com/office/drawing/2010/main" val="0"/>
-              </a:ext>
-            </a:extLst>
-          </a:blip>
-          <a:stretch>
-            <a:fillRect/>
-          </a:stretch>
-        </p:blipFill>
-        <p:spPr>
-          <a:xfrm>
-            <a:off x="6338384" y="264887"/>
-            <a:ext cx="457200" cy="457200"/>
-          </a:xfrm>
-          <a:prstGeom prst="rect">
-            <a:avLst/>
-          </a:prstGeom>
-        </p:spPr>
-      </p:pic>
-      <p:cxnSp>
-        <p:nvCxnSpPr>
-          <p:cNvPr id="182" name="Elbow Connector 181"/>
-          <p:cNvCxnSpPr>
-            <a:cxnSpLocks/>
-            <a:stCxn id="161" idx="1"/>
-            <a:endCxn id="114" idx="0"/>
-          </p:cNvCxnSpPr>
-          <p:nvPr/>
-        </p:nvCxnSpPr>
-        <p:spPr>
-          <a:xfrm rot="10800000" flipV="1">
-            <a:off x="3955578" y="1336775"/>
-            <a:ext cx="2373155" cy="998463"/>
-          </a:xfrm>
-          <a:prstGeom prst="bentConnector2">
-            <a:avLst/>
-          </a:prstGeom>
-          <a:ln>
-            <a:tailEnd type="triangle"/>
-          </a:ln>
-        </p:spPr>
-        <p:style>
-          <a:lnRef idx="1">
-            <a:schemeClr val="accent2"/>
-          </a:lnRef>
-          <a:fillRef idx="0">
-            <a:schemeClr val="accent2"/>
-          </a:fillRef>
-          <a:effectRef idx="0">
-            <a:schemeClr val="accent2"/>
-          </a:effectRef>
-          <a:fontRef idx="minor">
-            <a:schemeClr val="tx1"/>
-          </a:fontRef>
-        </p:style>
-      </p:cxnSp>
-      <p:pic>
-        <p:nvPicPr>
-          <p:cNvPr id="161" name="Picture 160" descr="A close up of a sign&#10;&#10;Description generated with very high confidence">
-            <a:extLst>
-              <a:ext uri="{FF2B5EF4-FFF2-40B4-BE49-F238E27FC236}">
-                <a16:creationId xmlns:a16="http://schemas.microsoft.com/office/drawing/2014/main" id="{DC9ECC98-6EDA-4DE0-9C33-86E1ACBD13D4}"/>
-              </a:ext>
-            </a:extLst>
-          </p:cNvPr>
-          <p:cNvPicPr>
-            <a:picLocks noChangeAspect="1"/>
-          </p:cNvPicPr>
-          <p:nvPr/>
-        </p:nvPicPr>
-        <p:blipFill>
-          <a:blip r:embed="rId5" cstate="print">
-            <a:extLst>
-              <a:ext uri="{28A0092B-C50C-407E-A947-70E740481C1C}">
-                <a14:useLocalDpi xmlns:a14="http://schemas.microsoft.com/office/drawing/2010/main" val="0"/>
-              </a:ext>
-            </a:extLst>
-          </a:blip>
-          <a:stretch>
-            <a:fillRect/>
-          </a:stretch>
-        </p:blipFill>
-        <p:spPr>
-          <a:xfrm>
-            <a:off x="6328732" y="1095919"/>
-            <a:ext cx="481714" cy="481714"/>
-          </a:xfrm>
-          <a:prstGeom prst="rect">
-            <a:avLst/>
-          </a:prstGeom>
-        </p:spPr>
-      </p:pic>
-      <p:sp>
-        <p:nvSpPr>
-          <p:cNvPr id="163" name="TextBox 162">
-            <a:extLst>
-              <a:ext uri="{FF2B5EF4-FFF2-40B4-BE49-F238E27FC236}">
-                <a16:creationId xmlns:a16="http://schemas.microsoft.com/office/drawing/2014/main" id="{BCF33B4E-5AA4-41E5-80B4-D8AC50FE795F}"/>
-              </a:ext>
-            </a:extLst>
-          </p:cNvPr>
-          <p:cNvSpPr txBox="1"/>
-          <p:nvPr/>
-        </p:nvSpPr>
-        <p:spPr>
-          <a:xfrm>
-            <a:off x="6111660" y="1496737"/>
-            <a:ext cx="910648" cy="525756"/>
-          </a:xfrm>
-          <a:prstGeom prst="rect">
-            <a:avLst/>
-          </a:prstGeom>
-          <a:ln>
-            <a:noFill/>
-          </a:ln>
-        </p:spPr>
-        <p:txBody>
-          <a:bodyPr vert="horz" wrap="none" lIns="91440" tIns="91440" rIns="91440" bIns="91440" rtlCol="0" anchor="t">
-            <a:noAutofit/>
-          </a:bodyPr>
-          <a:lstStyle/>
-          <a:p>
-            <a:pPr algn="ctr"/>
-            <a:r>
-              <a:rPr lang="en-US" sz="1200" dirty="0">
-                <a:latin typeface="Calibri"/>
-                <a:ea typeface="Segoe UI" pitchFamily="34" charset="0"/>
-                <a:cs typeface="Calibri"/>
-              </a:rPr>
-              <a:t>Azure</a:t>
-            </a:r>
-            <a:br>
-              <a:rPr lang="en-US" sz="1200" dirty="0">
-                <a:latin typeface="Calibri"/>
-                <a:ea typeface="Segoe UI" pitchFamily="34" charset="0"/>
-                <a:cs typeface="Calibri"/>
-              </a:rPr>
-            </a:br>
-            <a:r>
-              <a:rPr lang="en-US" sz="1200" dirty="0">
-                <a:latin typeface="Calibri"/>
-                <a:ea typeface="Segoe UI" pitchFamily="34" charset="0"/>
-                <a:cs typeface="Calibri"/>
-              </a:rPr>
-              <a:t>Traffic Manager</a:t>
-            </a:r>
           </a:p>
         </p:txBody>
       </p:sp>
       <p:grpSp>
         <p:nvGrpSpPr>
-          <p:cNvPr id="30" name="Group 29">
+          <p:cNvPr id="153" name="Group 152">
             <a:extLst>
               <a:ext uri="{FF2B5EF4-FFF2-40B4-BE49-F238E27FC236}">
-                <a16:creationId xmlns:a16="http://schemas.microsoft.com/office/drawing/2014/main" id="{C1A4740F-48C5-45F4-8EB8-B8633148E8D1}"/>
+                <a16:creationId xmlns:a16="http://schemas.microsoft.com/office/drawing/2014/main" id="{E50CAC13-9384-46A6-ADF9-D7D656EF79AC}"/>
               </a:ext>
             </a:extLst>
           </p:cNvPr>
@@ -17508,15 +16630,569 @@
         </p:nvGrpSpPr>
         <p:grpSpPr>
           <a:xfrm>
-            <a:off x="1373436" y="1279245"/>
-            <a:ext cx="4669864" cy="5198965"/>
-            <a:chOff x="1373436" y="1279245"/>
-            <a:chExt cx="4635478" cy="5198965"/>
+            <a:off x="6908113" y="5013477"/>
+            <a:ext cx="1654801" cy="524150"/>
+            <a:chOff x="6546728" y="4539189"/>
+            <a:chExt cx="1654801" cy="524150"/>
           </a:xfrm>
         </p:grpSpPr>
         <p:pic>
           <p:nvPicPr>
-            <p:cNvPr id="99" name="Picture 98"/>
+            <p:cNvPr id="10" name="Picture 9"/>
+            <p:cNvPicPr>
+              <a:picLocks noChangeAspect="1"/>
+            </p:cNvPicPr>
+            <p:nvPr/>
+          </p:nvPicPr>
+          <p:blipFill>
+            <a:blip r:embed="rId3" cstate="print">
+              <a:extLst>
+                <a:ext uri="{28A0092B-C50C-407E-A947-70E740481C1C}">
+                  <a14:useLocalDpi xmlns:a14="http://schemas.microsoft.com/office/drawing/2010/main" val="0"/>
+                </a:ext>
+              </a:extLst>
+            </a:blip>
+            <a:stretch>
+              <a:fillRect/>
+            </a:stretch>
+          </p:blipFill>
+          <p:spPr>
+            <a:xfrm>
+              <a:off x="6546728" y="4572664"/>
+              <a:ext cx="457200" cy="457200"/>
+            </a:xfrm>
+            <a:prstGeom prst="rect">
+              <a:avLst/>
+            </a:prstGeom>
+          </p:spPr>
+        </p:pic>
+        <p:sp>
+          <p:nvSpPr>
+            <p:cNvPr id="136" name="TextBox 135"/>
+            <p:cNvSpPr txBox="1"/>
+            <p:nvPr/>
+          </p:nvSpPr>
+          <p:spPr>
+            <a:xfrm>
+              <a:off x="7008536" y="4539189"/>
+              <a:ext cx="1192993" cy="524150"/>
+            </a:xfrm>
+            <a:prstGeom prst="rect">
+              <a:avLst/>
+            </a:prstGeom>
+            <a:ln>
+              <a:noFill/>
+            </a:ln>
+          </p:spPr>
+          <p:txBody>
+            <a:bodyPr vert="horz" wrap="none" lIns="91440" tIns="91440" rIns="91440" bIns="91440" rtlCol="0" anchor="t">
+              <a:noAutofit/>
+            </a:bodyPr>
+            <a:lstStyle/>
+            <a:p>
+              <a:r>
+                <a:rPr lang="en-US" sz="1200" dirty="0">
+                  <a:latin typeface="Calibri"/>
+                  <a:ea typeface="Segoe UI" pitchFamily="34" charset="0"/>
+                  <a:cs typeface="Calibri"/>
+                </a:rPr>
+                <a:t>Azure Blob storage</a:t>
+              </a:r>
+            </a:p>
+            <a:p>
+              <a:r>
+                <a:rPr lang="en-US" sz="1200" dirty="0">
+                  <a:latin typeface="Calibri"/>
+                  <a:ea typeface="Segoe UI" pitchFamily="34" charset="0"/>
+                  <a:cs typeface="Calibri"/>
+                </a:rPr>
+                <a:t>PDF Storage</a:t>
+              </a:r>
+            </a:p>
+          </p:txBody>
+        </p:sp>
+      </p:grpSp>
+      <p:grpSp>
+        <p:nvGrpSpPr>
+          <p:cNvPr id="20" name="Group 19">
+            <a:extLst>
+              <a:ext uri="{FF2B5EF4-FFF2-40B4-BE49-F238E27FC236}">
+                <a16:creationId xmlns:a16="http://schemas.microsoft.com/office/drawing/2014/main" id="{161E3DFE-7557-46E1-9AF4-3AD5462A7CFE}"/>
+              </a:ext>
+            </a:extLst>
+          </p:cNvPr>
+          <p:cNvGrpSpPr/>
+          <p:nvPr/>
+        </p:nvGrpSpPr>
+        <p:grpSpPr>
+          <a:xfrm>
+            <a:off x="8925308" y="3423784"/>
+            <a:ext cx="2191400" cy="1174572"/>
+            <a:chOff x="9218218" y="998744"/>
+            <a:chExt cx="2191400" cy="1174572"/>
+          </a:xfrm>
+        </p:grpSpPr>
+        <p:sp>
+          <p:nvSpPr>
+            <p:cNvPr id="120" name="TextBox 119"/>
+            <p:cNvSpPr txBox="1"/>
+            <p:nvPr/>
+          </p:nvSpPr>
+          <p:spPr>
+            <a:xfrm>
+              <a:off x="9218218" y="998744"/>
+              <a:ext cx="1336102" cy="447682"/>
+            </a:xfrm>
+            <a:prstGeom prst="rect">
+              <a:avLst/>
+            </a:prstGeom>
+            <a:ln>
+              <a:noFill/>
+            </a:ln>
+          </p:spPr>
+          <p:txBody>
+            <a:bodyPr vert="horz" wrap="none" lIns="91440" tIns="91440" rIns="91440" bIns="91440" rtlCol="0" anchor="t">
+              <a:noAutofit/>
+            </a:bodyPr>
+            <a:lstStyle/>
+            <a:p>
+              <a:r>
+                <a:rPr lang="en-US" sz="1600">
+                  <a:solidFill>
+                    <a:schemeClr val="tx1">
+                      <a:lumMod val="60000"/>
+                      <a:lumOff val="40000"/>
+                    </a:schemeClr>
+                  </a:solidFill>
+                  <a:latin typeface="Calibri"/>
+                  <a:ea typeface="Segoe UI" pitchFamily="34" charset="0"/>
+                  <a:cs typeface="Calibri"/>
+                </a:rPr>
+                <a:t>3</a:t>
+              </a:r>
+              <a:r>
+                <a:rPr lang="en-US" sz="1600" baseline="30000">
+                  <a:solidFill>
+                    <a:schemeClr val="tx1">
+                      <a:lumMod val="60000"/>
+                      <a:lumOff val="40000"/>
+                    </a:schemeClr>
+                  </a:solidFill>
+                  <a:latin typeface="Calibri"/>
+                  <a:ea typeface="Segoe UI" pitchFamily="34" charset="0"/>
+                  <a:cs typeface="Calibri"/>
+                </a:rPr>
+                <a:t>rd</a:t>
+              </a:r>
+              <a:r>
+                <a:rPr lang="en-US" sz="1600">
+                  <a:solidFill>
+                    <a:schemeClr val="tx1">
+                      <a:lumMod val="60000"/>
+                      <a:lumOff val="40000"/>
+                    </a:schemeClr>
+                  </a:solidFill>
+                  <a:latin typeface="Calibri"/>
+                  <a:ea typeface="Segoe UI" pitchFamily="34" charset="0"/>
+                  <a:cs typeface="Calibri"/>
+                </a:rPr>
+                <a:t> Party</a:t>
+              </a:r>
+            </a:p>
+          </p:txBody>
+        </p:sp>
+        <p:sp>
+          <p:nvSpPr>
+            <p:cNvPr id="140" name="Rounded Rectangle 139"/>
+            <p:cNvSpPr/>
+            <p:nvPr/>
+          </p:nvSpPr>
+          <p:spPr>
+            <a:xfrm>
+              <a:off x="9304122" y="1441796"/>
+              <a:ext cx="2105496" cy="731520"/>
+            </a:xfrm>
+            <a:prstGeom prst="roundRect">
+              <a:avLst>
+                <a:gd name="adj" fmla="val 5638"/>
+              </a:avLst>
+            </a:prstGeom>
+            <a:noFill/>
+            <a:ln w="53975">
+              <a:solidFill>
+                <a:schemeClr val="accent5">
+                  <a:lumMod val="90000"/>
+                </a:schemeClr>
+              </a:solidFill>
+              <a:prstDash val="sysDot"/>
+            </a:ln>
+          </p:spPr>
+          <p:style>
+            <a:lnRef idx="2">
+              <a:schemeClr val="accent1">
+                <a:shade val="50000"/>
+              </a:schemeClr>
+            </a:lnRef>
+            <a:fillRef idx="1">
+              <a:schemeClr val="accent1"/>
+            </a:fillRef>
+            <a:effectRef idx="0">
+              <a:schemeClr val="accent1"/>
+            </a:effectRef>
+            <a:fontRef idx="minor">
+              <a:schemeClr val="lt1"/>
+            </a:fontRef>
+          </p:style>
+          <p:txBody>
+            <a:bodyPr rot="0" spcFirstLastPara="0" vertOverflow="overflow" horzOverflow="overflow" vert="horz" wrap="square" lIns="91427" tIns="91427" rIns="91427" bIns="91427" numCol="1" spcCol="0" rtlCol="0" fromWordArt="0" anchor="b" anchorCtr="0" forceAA="0" compatLnSpc="1">
+              <a:prstTxWarp prst="textNoShape">
+                <a:avLst/>
+              </a:prstTxWarp>
+              <a:noAutofit/>
+            </a:bodyPr>
+            <a:lstStyle/>
+            <a:p>
+              <a:pPr algn="r" defTabSz="914225"/>
+              <a:r>
+                <a:rPr lang="en-US" sz="1200" err="1">
+                  <a:solidFill>
+                    <a:prstClr val="white"/>
+                  </a:solidFill>
+                </a:rPr>
+                <a:t> </a:t>
+              </a:r>
+            </a:p>
+          </p:txBody>
+        </p:sp>
+        <p:grpSp>
+          <p:nvGrpSpPr>
+            <p:cNvPr id="16" name="Group 15">
+              <a:extLst>
+                <a:ext uri="{FF2B5EF4-FFF2-40B4-BE49-F238E27FC236}">
+                  <a16:creationId xmlns:a16="http://schemas.microsoft.com/office/drawing/2014/main" id="{42C3B6C1-2947-451C-804E-868469620567}"/>
+                </a:ext>
+              </a:extLst>
+            </p:cNvPr>
+            <p:cNvGrpSpPr/>
+            <p:nvPr/>
+          </p:nvGrpSpPr>
+          <p:grpSpPr>
+            <a:xfrm>
+              <a:off x="9424597" y="1586519"/>
+              <a:ext cx="1864545" cy="457200"/>
+              <a:chOff x="9532582" y="1666321"/>
+              <a:chExt cx="1864545" cy="457200"/>
+            </a:xfrm>
+          </p:grpSpPr>
+          <p:pic>
+            <p:nvPicPr>
+              <p:cNvPr id="116" name="Picture 115"/>
+              <p:cNvPicPr>
+                <a:picLocks noChangeAspect="1"/>
+              </p:cNvPicPr>
+              <p:nvPr/>
+            </p:nvPicPr>
+            <p:blipFill>
+              <a:blip r:embed="rId4" cstate="print">
+                <a:extLst>
+                  <a:ext uri="{28A0092B-C50C-407E-A947-70E740481C1C}">
+                    <a14:useLocalDpi xmlns:a14="http://schemas.microsoft.com/office/drawing/2010/main" val="0"/>
+                  </a:ext>
+                </a:extLst>
+              </a:blip>
+              <a:stretch>
+                <a:fillRect/>
+              </a:stretch>
+            </p:blipFill>
+            <p:spPr>
+              <a:xfrm>
+                <a:off x="9532582" y="1666321"/>
+                <a:ext cx="457200" cy="457200"/>
+              </a:xfrm>
+              <a:prstGeom prst="rect">
+                <a:avLst/>
+              </a:prstGeom>
+            </p:spPr>
+          </p:pic>
+          <p:sp>
+            <p:nvSpPr>
+              <p:cNvPr id="141" name="TextBox 140"/>
+              <p:cNvSpPr txBox="1"/>
+              <p:nvPr/>
+            </p:nvSpPr>
+            <p:spPr>
+              <a:xfrm>
+                <a:off x="10061025" y="1687113"/>
+                <a:ext cx="1336102" cy="415617"/>
+              </a:xfrm>
+              <a:prstGeom prst="rect">
+                <a:avLst/>
+              </a:prstGeom>
+              <a:ln>
+                <a:noFill/>
+              </a:ln>
+            </p:spPr>
+            <p:txBody>
+              <a:bodyPr vert="horz" wrap="none" lIns="91440" tIns="91440" rIns="91440" bIns="91440" rtlCol="0" anchor="t">
+                <a:noAutofit/>
+              </a:bodyPr>
+              <a:lstStyle/>
+              <a:p>
+                <a:r>
+                  <a:rPr lang="en-US" sz="1200" dirty="0">
+                    <a:latin typeface="Calibri"/>
+                    <a:ea typeface="Segoe UI" pitchFamily="34" charset="0"/>
+                    <a:cs typeface="Calibri"/>
+                  </a:rPr>
+                  <a:t>Payment Gateway</a:t>
+                </a:r>
+              </a:p>
+            </p:txBody>
+          </p:sp>
+        </p:grpSp>
+      </p:grpSp>
+      <p:cxnSp>
+        <p:nvCxnSpPr>
+          <p:cNvPr id="146" name="Elbow Connector 145"/>
+          <p:cNvCxnSpPr>
+            <a:cxnSpLocks/>
+            <a:stCxn id="22" idx="3"/>
+            <a:endCxn id="10" idx="1"/>
+          </p:cNvCxnSpPr>
+          <p:nvPr/>
+        </p:nvCxnSpPr>
+        <p:spPr>
+          <a:xfrm>
+            <a:off x="6242263" y="5202400"/>
+            <a:ext cx="665850" cy="73152"/>
+          </a:xfrm>
+          <a:prstGeom prst="bentConnector3">
+            <a:avLst>
+              <a:gd name="adj1" fmla="val 50000"/>
+            </a:avLst>
+          </a:prstGeom>
+          <a:ln>
+            <a:tailEnd type="triangle"/>
+          </a:ln>
+        </p:spPr>
+        <p:style>
+          <a:lnRef idx="1">
+            <a:schemeClr val="accent4"/>
+          </a:lnRef>
+          <a:fillRef idx="0">
+            <a:schemeClr val="accent4"/>
+          </a:fillRef>
+          <a:effectRef idx="0">
+            <a:schemeClr val="accent4"/>
+          </a:effectRef>
+          <a:fontRef idx="minor">
+            <a:schemeClr val="tx1"/>
+          </a:fontRef>
+        </p:style>
+      </p:cxnSp>
+      <p:cxnSp>
+        <p:nvCxnSpPr>
+          <p:cNvPr id="150" name="Elbow Connector 149"/>
+          <p:cNvCxnSpPr>
+            <a:cxnSpLocks/>
+            <a:stCxn id="121" idx="3"/>
+            <a:endCxn id="8" idx="1"/>
+          </p:cNvCxnSpPr>
+          <p:nvPr/>
+        </p:nvCxnSpPr>
+        <p:spPr>
+          <a:xfrm>
+            <a:off x="5792856" y="2050776"/>
+            <a:ext cx="995520" cy="50612"/>
+          </a:xfrm>
+          <a:prstGeom prst="bentConnector3">
+            <a:avLst>
+              <a:gd name="adj1" fmla="val 50000"/>
+            </a:avLst>
+          </a:prstGeom>
+          <a:ln>
+            <a:tailEnd type="triangle"/>
+          </a:ln>
+        </p:spPr>
+        <p:style>
+          <a:lnRef idx="1">
+            <a:schemeClr val="accent1"/>
+          </a:lnRef>
+          <a:fillRef idx="0">
+            <a:schemeClr val="accent1"/>
+          </a:fillRef>
+          <a:effectRef idx="0">
+            <a:schemeClr val="accent1"/>
+          </a:effectRef>
+          <a:fontRef idx="minor">
+            <a:schemeClr val="tx1"/>
+          </a:fontRef>
+        </p:style>
+      </p:cxnSp>
+      <p:grpSp>
+        <p:nvGrpSpPr>
+          <p:cNvPr id="134" name="Group 133">
+            <a:extLst>
+              <a:ext uri="{FF2B5EF4-FFF2-40B4-BE49-F238E27FC236}">
+                <a16:creationId xmlns:a16="http://schemas.microsoft.com/office/drawing/2014/main" id="{D6572802-77D6-41F1-BEF9-A28BA194F5E9}"/>
+              </a:ext>
+            </a:extLst>
+          </p:cNvPr>
+          <p:cNvGrpSpPr/>
+          <p:nvPr/>
+        </p:nvGrpSpPr>
+        <p:grpSpPr>
+          <a:xfrm>
+            <a:off x="4012851" y="5965785"/>
+            <a:ext cx="1797427" cy="457200"/>
+            <a:chOff x="2398788" y="6119951"/>
+            <a:chExt cx="1797427" cy="457200"/>
+          </a:xfrm>
+        </p:grpSpPr>
+        <p:pic>
+          <p:nvPicPr>
+            <p:cNvPr id="103" name="Picture 102"/>
+            <p:cNvPicPr>
+              <a:picLocks noChangeAspect="1"/>
+            </p:cNvPicPr>
+            <p:nvPr/>
+          </p:nvPicPr>
+          <p:blipFill>
+            <a:blip r:embed="rId5" cstate="print">
+              <a:extLst>
+                <a:ext uri="{28A0092B-C50C-407E-A947-70E740481C1C}">
+                  <a14:useLocalDpi xmlns:a14="http://schemas.microsoft.com/office/drawing/2010/main" val="0"/>
+                </a:ext>
+              </a:extLst>
+            </a:blip>
+            <a:stretch>
+              <a:fillRect/>
+            </a:stretch>
+          </p:blipFill>
+          <p:spPr>
+            <a:xfrm>
+              <a:off x="2398788" y="6119951"/>
+              <a:ext cx="457200" cy="457200"/>
+            </a:xfrm>
+            <a:prstGeom prst="rect">
+              <a:avLst/>
+            </a:prstGeom>
+          </p:spPr>
+        </p:pic>
+        <p:sp>
+          <p:nvSpPr>
+            <p:cNvPr id="168" name="TextBox 167"/>
+            <p:cNvSpPr txBox="1"/>
+            <p:nvPr/>
+          </p:nvSpPr>
+          <p:spPr>
+            <a:xfrm>
+              <a:off x="2825248" y="6133846"/>
+              <a:ext cx="1370967" cy="429410"/>
+            </a:xfrm>
+            <a:prstGeom prst="rect">
+              <a:avLst/>
+            </a:prstGeom>
+            <a:ln>
+              <a:noFill/>
+            </a:ln>
+          </p:spPr>
+          <p:txBody>
+            <a:bodyPr vert="horz" wrap="none" lIns="91440" tIns="91440" rIns="91440" bIns="91440" rtlCol="0" anchor="t">
+              <a:noAutofit/>
+            </a:bodyPr>
+            <a:lstStyle/>
+            <a:p>
+              <a:r>
+                <a:rPr lang="en-US" sz="1200" dirty="0">
+                  <a:latin typeface="Calibri"/>
+                  <a:ea typeface="Segoe UI" pitchFamily="34" charset="0"/>
+                  <a:cs typeface="Calibri"/>
+                </a:rPr>
+                <a:t>Application Insights</a:t>
+              </a:r>
+            </a:p>
+            <a:p>
+              <a:r>
+                <a:rPr lang="en-US" sz="1200" dirty="0">
+                  <a:latin typeface="Calibri"/>
+                  <a:ea typeface="Segoe UI" pitchFamily="34" charset="0"/>
+                  <a:cs typeface="Calibri"/>
+                </a:rPr>
+                <a:t>For telemetry</a:t>
+              </a:r>
+            </a:p>
+          </p:txBody>
+        </p:sp>
+      </p:grpSp>
+      <p:grpSp>
+        <p:nvGrpSpPr>
+          <p:cNvPr id="135" name="Group 134">
+            <a:extLst>
+              <a:ext uri="{FF2B5EF4-FFF2-40B4-BE49-F238E27FC236}">
+                <a16:creationId xmlns:a16="http://schemas.microsoft.com/office/drawing/2014/main" id="{30BFDCC6-B6F9-4676-9784-212B837B0781}"/>
+              </a:ext>
+            </a:extLst>
+          </p:cNvPr>
+          <p:cNvGrpSpPr/>
+          <p:nvPr/>
+        </p:nvGrpSpPr>
+        <p:grpSpPr>
+          <a:xfrm>
+            <a:off x="6297165" y="5951805"/>
+            <a:ext cx="1714611" cy="457200"/>
+            <a:chOff x="4683102" y="6105971"/>
+            <a:chExt cx="1714611" cy="457200"/>
+          </a:xfrm>
+        </p:grpSpPr>
+        <p:sp>
+          <p:nvSpPr>
+            <p:cNvPr id="170" name="TextBox 169"/>
+            <p:cNvSpPr txBox="1"/>
+            <p:nvPr/>
+          </p:nvSpPr>
+          <p:spPr>
+            <a:xfrm>
+              <a:off x="5204720" y="6119866"/>
+              <a:ext cx="1192993" cy="429410"/>
+            </a:xfrm>
+            <a:prstGeom prst="rect">
+              <a:avLst/>
+            </a:prstGeom>
+            <a:ln>
+              <a:noFill/>
+            </a:ln>
+          </p:spPr>
+          <p:txBody>
+            <a:bodyPr vert="horz" wrap="none" lIns="91440" tIns="91440" rIns="91440" bIns="91440" rtlCol="0" anchor="t">
+              <a:noAutofit/>
+            </a:bodyPr>
+            <a:lstStyle/>
+            <a:p>
+              <a:r>
+                <a:rPr lang="en-US" sz="1200" dirty="0">
+                  <a:latin typeface="Calibri"/>
+                  <a:ea typeface="Segoe UI" pitchFamily="34" charset="0"/>
+                  <a:cs typeface="Calibri"/>
+                </a:rPr>
+                <a:t>Azure DevOps</a:t>
+              </a:r>
+            </a:p>
+            <a:p>
+              <a:r>
+                <a:rPr lang="en-US" sz="1200" dirty="0">
+                  <a:latin typeface="Calibri"/>
+                  <a:ea typeface="Segoe UI" pitchFamily="34" charset="0"/>
+                  <a:cs typeface="Calibri"/>
+                </a:rPr>
+                <a:t>CI/CD</a:t>
+              </a:r>
+            </a:p>
+          </p:txBody>
+        </p:sp>
+        <p:pic>
+          <p:nvPicPr>
+            <p:cNvPr id="171" name="Picture 170"/>
             <p:cNvPicPr>
               <a:picLocks noChangeAspect="1"/>
             </p:cNvPicPr>
@@ -17536,7 +17212,181 @@
           </p:blipFill>
           <p:spPr>
             <a:xfrm>
-              <a:off x="1586138" y="1908864"/>
+              <a:off x="4683102" y="6105971"/>
+              <a:ext cx="457200" cy="457200"/>
+            </a:xfrm>
+            <a:prstGeom prst="rect">
+              <a:avLst/>
+            </a:prstGeom>
+          </p:spPr>
+        </p:pic>
+      </p:grpSp>
+      <p:grpSp>
+        <p:nvGrpSpPr>
+          <p:cNvPr id="19" name="Group 18">
+            <a:extLst>
+              <a:ext uri="{FF2B5EF4-FFF2-40B4-BE49-F238E27FC236}">
+                <a16:creationId xmlns:a16="http://schemas.microsoft.com/office/drawing/2014/main" id="{46ED8AC6-F270-485B-8251-246A8366F72A}"/>
+              </a:ext>
+            </a:extLst>
+          </p:cNvPr>
+          <p:cNvGrpSpPr/>
+          <p:nvPr/>
+        </p:nvGrpSpPr>
+        <p:grpSpPr>
+          <a:xfrm>
+            <a:off x="513654" y="1632101"/>
+            <a:ext cx="933688" cy="823236"/>
+            <a:chOff x="434397" y="2910566"/>
+            <a:chExt cx="933688" cy="823236"/>
+          </a:xfrm>
+        </p:grpSpPr>
+        <p:sp>
+          <p:nvSpPr>
+            <p:cNvPr id="179" name="TextBox 178"/>
+            <p:cNvSpPr txBox="1"/>
+            <p:nvPr/>
+          </p:nvSpPr>
+          <p:spPr>
+            <a:xfrm>
+              <a:off x="434397" y="3304392"/>
+              <a:ext cx="933688" cy="429410"/>
+            </a:xfrm>
+            <a:prstGeom prst="rect">
+              <a:avLst/>
+            </a:prstGeom>
+            <a:ln>
+              <a:noFill/>
+            </a:ln>
+          </p:spPr>
+          <p:txBody>
+            <a:bodyPr vert="horz" wrap="none" lIns="91440" tIns="91440" rIns="91440" bIns="91440" rtlCol="0" anchor="t">
+              <a:noAutofit/>
+            </a:bodyPr>
+            <a:lstStyle/>
+            <a:p>
+              <a:pPr algn="ctr"/>
+              <a:r>
+                <a:rPr lang="en-US" sz="1200" dirty="0">
+                  <a:latin typeface="Calibri"/>
+                  <a:ea typeface="Segoe UI" pitchFamily="34" charset="0"/>
+                  <a:cs typeface="Calibri"/>
+                </a:rPr>
+                <a:t>Customer</a:t>
+              </a:r>
+            </a:p>
+          </p:txBody>
+        </p:sp>
+        <p:pic>
+          <p:nvPicPr>
+            <p:cNvPr id="180" name="Picture 179"/>
+            <p:cNvPicPr>
+              <a:picLocks noChangeAspect="1"/>
+            </p:cNvPicPr>
+            <p:nvPr/>
+          </p:nvPicPr>
+          <p:blipFill>
+            <a:blip r:embed="rId7" cstate="print">
+              <a:extLst>
+                <a:ext uri="{28A0092B-C50C-407E-A947-70E740481C1C}">
+                  <a14:useLocalDpi xmlns:a14="http://schemas.microsoft.com/office/drawing/2010/main" val="0"/>
+                </a:ext>
+              </a:extLst>
+            </a:blip>
+            <a:stretch>
+              <a:fillRect/>
+            </a:stretch>
+          </p:blipFill>
+          <p:spPr>
+            <a:xfrm>
+              <a:off x="672641" y="2910566"/>
+              <a:ext cx="457200" cy="457200"/>
+            </a:xfrm>
+            <a:prstGeom prst="rect">
+              <a:avLst/>
+            </a:prstGeom>
+          </p:spPr>
+        </p:pic>
+      </p:grpSp>
+      <p:cxnSp>
+        <p:nvCxnSpPr>
+          <p:cNvPr id="182" name="Elbow Connector 181"/>
+          <p:cNvCxnSpPr>
+            <a:stCxn id="180" idx="3"/>
+            <a:endCxn id="9" idx="1"/>
+          </p:cNvCxnSpPr>
+          <p:nvPr/>
+        </p:nvCxnSpPr>
+        <p:spPr>
+          <a:xfrm>
+            <a:off x="1209098" y="1860701"/>
+            <a:ext cx="2649442" cy="190074"/>
+          </a:xfrm>
+          <a:prstGeom prst="bentConnector3">
+            <a:avLst/>
+          </a:prstGeom>
+          <a:ln>
+            <a:tailEnd type="triangle"/>
+          </a:ln>
+        </p:spPr>
+        <p:style>
+          <a:lnRef idx="1">
+            <a:schemeClr val="accent2"/>
+          </a:lnRef>
+          <a:fillRef idx="0">
+            <a:schemeClr val="accent2"/>
+          </a:fillRef>
+          <a:effectRef idx="0">
+            <a:schemeClr val="accent2"/>
+          </a:effectRef>
+          <a:fontRef idx="minor">
+            <a:schemeClr val="tx1"/>
+          </a:fontRef>
+        </p:style>
+      </p:cxnSp>
+      <p:grpSp>
+        <p:nvGrpSpPr>
+          <p:cNvPr id="29" name="Group 28">
+            <a:extLst>
+              <a:ext uri="{FF2B5EF4-FFF2-40B4-BE49-F238E27FC236}">
+                <a16:creationId xmlns:a16="http://schemas.microsoft.com/office/drawing/2014/main" id="{B9AF495F-21ED-41FF-BF55-FA03F8C4A2D3}"/>
+              </a:ext>
+            </a:extLst>
+          </p:cNvPr>
+          <p:cNvGrpSpPr/>
+          <p:nvPr/>
+        </p:nvGrpSpPr>
+        <p:grpSpPr>
+          <a:xfrm>
+            <a:off x="2954091" y="4481263"/>
+            <a:ext cx="548640" cy="992082"/>
+            <a:chOff x="6828299" y="5704631"/>
+            <a:chExt cx="548640" cy="992082"/>
+          </a:xfrm>
+        </p:grpSpPr>
+        <p:pic>
+          <p:nvPicPr>
+            <p:cNvPr id="14" name="Picture 13"/>
+            <p:cNvPicPr>
+              <a:picLocks noChangeAspect="1"/>
+            </p:cNvPicPr>
+            <p:nvPr/>
+          </p:nvPicPr>
+          <p:blipFill>
+            <a:blip r:embed="rId8" cstate="print">
+              <a:extLst>
+                <a:ext uri="{28A0092B-C50C-407E-A947-70E740481C1C}">
+                  <a14:useLocalDpi xmlns:a14="http://schemas.microsoft.com/office/drawing/2010/main" val="0"/>
+                </a:ext>
+              </a:extLst>
+            </a:blip>
+            <a:stretch>
+              <a:fillRect/>
+            </a:stretch>
+          </p:blipFill>
+          <p:spPr>
+            <a:xfrm>
+              <a:off x="6874019" y="5704631"/>
               <a:ext cx="457200" cy="457200"/>
             </a:xfrm>
             <a:prstGeom prst="rect">
@@ -17546,14 +17396,174 @@
         </p:pic>
         <p:sp>
           <p:nvSpPr>
-            <p:cNvPr id="122" name="Rounded Rectangle 121"/>
+            <p:cNvPr id="188" name="TextBox 187"/>
+            <p:cNvSpPr txBox="1"/>
+            <p:nvPr/>
+          </p:nvSpPr>
+          <p:spPr>
+            <a:xfrm>
+              <a:off x="6828299" y="6129785"/>
+              <a:ext cx="548640" cy="566928"/>
+            </a:xfrm>
+            <a:prstGeom prst="rect">
+              <a:avLst/>
+            </a:prstGeom>
+            <a:ln>
+              <a:noFill/>
+            </a:ln>
+          </p:spPr>
+          <p:txBody>
+            <a:bodyPr vert="horz" wrap="none" lIns="91440" tIns="91440" rIns="91440" bIns="91440" rtlCol="0" anchor="t">
+              <a:noAutofit/>
+            </a:bodyPr>
+            <a:lstStyle/>
+            <a:p>
+              <a:pPr algn="ctr"/>
+              <a:r>
+                <a:rPr lang="en-US" sz="1200" dirty="0">
+                  <a:latin typeface="Calibri"/>
+                  <a:ea typeface="Segoe UI" pitchFamily="34" charset="0"/>
+                  <a:cs typeface="Calibri"/>
+                </a:rPr>
+                <a:t>Staff</a:t>
+              </a:r>
+            </a:p>
+            <a:p>
+              <a:pPr algn="ctr"/>
+              <a:r>
+                <a:rPr lang="en-US" sz="1200" dirty="0">
+                  <a:latin typeface="Calibri"/>
+                  <a:ea typeface="Segoe UI" pitchFamily="34" charset="0"/>
+                  <a:cs typeface="Calibri"/>
+                </a:rPr>
+                <a:t>AAD</a:t>
+              </a:r>
+            </a:p>
+          </p:txBody>
+        </p:sp>
+      </p:grpSp>
+      <p:cxnSp>
+        <p:nvCxnSpPr>
+          <p:cNvPr id="189" name="Elbow Connector 188"/>
+          <p:cNvCxnSpPr>
+            <a:cxnSpLocks/>
+            <a:stCxn id="193" idx="2"/>
+            <a:endCxn id="14" idx="1"/>
+          </p:cNvCxnSpPr>
+          <p:nvPr/>
+        </p:nvCxnSpPr>
+        <p:spPr>
+          <a:xfrm rot="16200000" flipH="1">
+            <a:off x="1534927" y="3244979"/>
+            <a:ext cx="684898" cy="2244869"/>
+          </a:xfrm>
+          <a:prstGeom prst="bentConnector2">
+            <a:avLst/>
+          </a:prstGeom>
+          <a:ln>
+            <a:headEnd type="triangle" w="med" len="med"/>
+            <a:tailEnd type="none" w="med" len="med"/>
+          </a:ln>
+        </p:spPr>
+        <p:style>
+          <a:lnRef idx="1">
+            <a:schemeClr val="accent1"/>
+          </a:lnRef>
+          <a:fillRef idx="0">
+            <a:schemeClr val="accent1"/>
+          </a:fillRef>
+          <a:effectRef idx="0">
+            <a:schemeClr val="accent1"/>
+          </a:effectRef>
+          <a:fontRef idx="minor">
+            <a:schemeClr val="tx1"/>
+          </a:fontRef>
+        </p:style>
+      </p:cxnSp>
+      <p:grpSp>
+        <p:nvGrpSpPr>
+          <p:cNvPr id="21" name="Group 20">
+            <a:extLst>
+              <a:ext uri="{FF2B5EF4-FFF2-40B4-BE49-F238E27FC236}">
+                <a16:creationId xmlns:a16="http://schemas.microsoft.com/office/drawing/2014/main" id="{3D16BA78-B416-487B-921D-84DB25E2C9CF}"/>
+              </a:ext>
+            </a:extLst>
+          </p:cNvPr>
+          <p:cNvGrpSpPr/>
+          <p:nvPr/>
+        </p:nvGrpSpPr>
+        <p:grpSpPr>
+          <a:xfrm>
+            <a:off x="317896" y="2867475"/>
+            <a:ext cx="2103120" cy="1294650"/>
+            <a:chOff x="9315130" y="3978515"/>
+            <a:chExt cx="2103120" cy="1294650"/>
+          </a:xfrm>
+        </p:grpSpPr>
+        <p:pic>
+          <p:nvPicPr>
+            <p:cNvPr id="129" name="Picture 5"/>
+            <p:cNvPicPr>
+              <a:picLocks noChangeAspect="1"/>
+            </p:cNvPicPr>
+            <p:nvPr/>
+          </p:nvPicPr>
+          <p:blipFill>
+            <a:blip r:embed="rId9">
+              <a:extLst>
+                <a:ext uri="{28A0092B-C50C-407E-A947-70E740481C1C}">
+                  <a14:useLocalDpi xmlns:a14="http://schemas.microsoft.com/office/drawing/2010/main" val="0"/>
+                </a:ext>
+              </a:extLst>
+            </a:blip>
+            <a:srcRect/>
+            <a:stretch>
+              <a:fillRect/>
+            </a:stretch>
+          </p:blipFill>
+          <p:spPr bwMode="auto">
+            <a:xfrm>
+              <a:off x="9315131" y="3978515"/>
+              <a:ext cx="352849" cy="548600"/>
+            </a:xfrm>
+            <a:prstGeom prst="rect">
+              <a:avLst/>
+            </a:prstGeom>
+            <a:noFill/>
+            <a:ln>
+              <a:noFill/>
+            </a:ln>
+            <a:extLst>
+              <a:ext uri="{909E8E84-426E-40DD-AFC4-6F175D3DCCD1}">
+                <a14:hiddenFill xmlns:a14="http://schemas.microsoft.com/office/drawing/2010/main">
+                  <a:solidFill>
+                    <a:srgbClr val="FFFFFF"/>
+                  </a:solidFill>
+                </a14:hiddenFill>
+              </a:ext>
+              <a:ext uri="{91240B29-F687-4F45-9708-019B960494DF}">
+                <a14:hiddenLine xmlns:a14="http://schemas.microsoft.com/office/drawing/2010/main" w="9525">
+                  <a:solidFill>
+                    <a:srgbClr val="000000"/>
+                  </a:solidFill>
+                  <a:miter lim="800000"/>
+                  <a:headEnd/>
+                  <a:tailEnd/>
+                </a14:hiddenLine>
+              </a:ext>
+            </a:extLst>
+          </p:spPr>
+        </p:pic>
+        <p:sp>
+          <p:nvSpPr>
+            <p:cNvPr id="119" name="Rounded Rectangle 118"/>
             <p:cNvSpPr/>
             <p:nvPr/>
           </p:nvSpPr>
           <p:spPr>
             <a:xfrm>
-              <a:off x="1373436" y="1885897"/>
-              <a:ext cx="4423791" cy="4592313"/>
+              <a:off x="9315130" y="4541645"/>
+              <a:ext cx="2103120" cy="731520"/>
             </a:xfrm>
             <a:prstGeom prst="roundRect">
               <a:avLst>
@@ -17561,7 +17571,7 @@
               </a:avLst>
             </a:prstGeom>
             <a:noFill/>
-            <a:ln w="28575">
+            <a:ln w="53975">
               <a:solidFill>
                 <a:schemeClr val="accent5">
                   <a:lumMod val="90000"/>
@@ -17609,14 +17619,14 @@
         </p:sp>
         <p:sp>
           <p:nvSpPr>
-            <p:cNvPr id="128" name="TextBox 127"/>
+            <p:cNvPr id="142" name="TextBox 141"/>
             <p:cNvSpPr txBox="1"/>
             <p:nvPr/>
           </p:nvSpPr>
           <p:spPr>
             <a:xfrm>
-              <a:off x="2060932" y="1895606"/>
-              <a:ext cx="635573" cy="447682"/>
+              <a:off x="9840958" y="4079433"/>
+              <a:ext cx="1336102" cy="447682"/>
             </a:xfrm>
             <a:prstGeom prst="rect">
               <a:avLst/>
@@ -17644,17 +17654,17 @@
                   <a:ea typeface="Segoe UI" pitchFamily="34" charset="0"/>
                   <a:cs typeface="Calibri"/>
                 </a:rPr>
-                <a:t>VNET</a:t>
+                <a:t>On-premises</a:t>
               </a:r>
             </a:p>
           </p:txBody>
         </p:sp>
         <p:grpSp>
           <p:nvGrpSpPr>
-            <p:cNvPr id="21" name="Group 20">
+            <p:cNvPr id="18" name="Group 17">
               <a:extLst>
                 <a:ext uri="{FF2B5EF4-FFF2-40B4-BE49-F238E27FC236}">
-                  <a16:creationId xmlns:a16="http://schemas.microsoft.com/office/drawing/2014/main" id="{56BD19C4-9E43-4D2B-9199-5125DA4887E2}"/>
+                  <a16:creationId xmlns:a16="http://schemas.microsoft.com/office/drawing/2014/main" id="{756488F0-DD25-410F-9A47-4E1981ABDEFF}"/>
                 </a:ext>
               </a:extLst>
             </p:cNvPr>
@@ -17663,15 +17673,50 @@
           </p:nvGrpSpPr>
           <p:grpSpPr>
             <a:xfrm>
-              <a:off x="2329026" y="3490397"/>
-              <a:ext cx="3679888" cy="2907435"/>
-              <a:chOff x="3202507" y="2906012"/>
-              <a:chExt cx="3679888" cy="2907435"/>
+              <a:off x="9523576" y="4678805"/>
+              <a:ext cx="1686228" cy="457200"/>
+              <a:chOff x="9681678" y="4737871"/>
+              <a:chExt cx="1686228" cy="457200"/>
             </a:xfrm>
           </p:grpSpPr>
+          <p:sp>
+            <p:nvSpPr>
+              <p:cNvPr id="192" name="TextBox 191"/>
+              <p:cNvSpPr txBox="1"/>
+              <p:nvPr/>
+            </p:nvSpPr>
+            <p:spPr>
+              <a:xfrm>
+                <a:off x="10174913" y="4751766"/>
+                <a:ext cx="1192993" cy="429410"/>
+              </a:xfrm>
+              <a:prstGeom prst="rect">
+                <a:avLst/>
+              </a:prstGeom>
+              <a:ln>
+                <a:noFill/>
+              </a:ln>
+            </p:spPr>
+            <p:txBody>
+              <a:bodyPr vert="horz" wrap="none" lIns="91440" tIns="91440" rIns="91440" bIns="91440" rtlCol="0" anchor="t">
+                <a:noAutofit/>
+              </a:bodyPr>
+              <a:lstStyle/>
+              <a:p>
+                <a:r>
+                  <a:rPr lang="en-US" sz="1200" dirty="0">
+                    <a:latin typeface="Calibri"/>
+                    <a:ea typeface="Segoe UI" pitchFamily="34" charset="0"/>
+                    <a:cs typeface="Calibri"/>
+                  </a:rPr>
+                  <a:t>Call Center App</a:t>
+                </a:r>
+              </a:p>
+            </p:txBody>
+          </p:sp>
           <p:pic>
             <p:nvPicPr>
-              <p:cNvPr id="9" name="Picture 8"/>
+              <p:cNvPr id="193" name="Picture 192"/>
               <p:cNvPicPr>
                 <a:picLocks noChangeAspect="1"/>
               </p:cNvPicPr>
@@ -17691,7 +17736,79 @@
             </p:blipFill>
             <p:spPr>
               <a:xfrm>
-                <a:off x="3726179" y="3842649"/>
+                <a:off x="9681678" y="4737871"/>
+                <a:ext cx="457200" cy="457200"/>
+              </a:xfrm>
+              <a:prstGeom prst="rect">
+                <a:avLst/>
+              </a:prstGeom>
+            </p:spPr>
+          </p:pic>
+        </p:grpSp>
+      </p:grpSp>
+      <p:grpSp>
+        <p:nvGrpSpPr>
+          <p:cNvPr id="181" name="Group 180">
+            <a:extLst>
+              <a:ext uri="{FF2B5EF4-FFF2-40B4-BE49-F238E27FC236}">
+                <a16:creationId xmlns:a16="http://schemas.microsoft.com/office/drawing/2014/main" id="{02865F5A-6208-401D-B838-1F0053042197}"/>
+              </a:ext>
+            </a:extLst>
+          </p:cNvPr>
+          <p:cNvGrpSpPr/>
+          <p:nvPr/>
+        </p:nvGrpSpPr>
+        <p:grpSpPr>
+          <a:xfrm>
+            <a:off x="3591185" y="1180074"/>
+            <a:ext cx="2483945" cy="2465839"/>
+            <a:chOff x="3591185" y="1180074"/>
+            <a:chExt cx="2483945" cy="2465839"/>
+          </a:xfrm>
+        </p:grpSpPr>
+        <p:grpSp>
+          <p:nvGrpSpPr>
+            <p:cNvPr id="174" name="Group 173">
+              <a:extLst>
+                <a:ext uri="{FF2B5EF4-FFF2-40B4-BE49-F238E27FC236}">
+                  <a16:creationId xmlns:a16="http://schemas.microsoft.com/office/drawing/2014/main" id="{1856E735-D8D7-4B99-822E-5EEEF7AF41ED}"/>
+                </a:ext>
+              </a:extLst>
+            </p:cNvPr>
+            <p:cNvGrpSpPr/>
+            <p:nvPr/>
+          </p:nvGrpSpPr>
+          <p:grpSpPr>
+            <a:xfrm>
+              <a:off x="3858540" y="1767436"/>
+              <a:ext cx="1934316" cy="566679"/>
+              <a:chOff x="3595464" y="2172328"/>
+              <a:chExt cx="1934316" cy="566679"/>
+            </a:xfrm>
+          </p:grpSpPr>
+          <p:pic>
+            <p:nvPicPr>
+              <p:cNvPr id="9" name="Picture 8"/>
+              <p:cNvPicPr>
+                <a:picLocks noChangeAspect="1"/>
+              </p:cNvPicPr>
+              <p:nvPr/>
+            </p:nvPicPr>
+            <p:blipFill>
+              <a:blip r:embed="rId10" cstate="print">
+                <a:extLst>
+                  <a:ext uri="{28A0092B-C50C-407E-A947-70E740481C1C}">
+                    <a14:useLocalDpi xmlns:a14="http://schemas.microsoft.com/office/drawing/2010/main" val="0"/>
+                  </a:ext>
+                </a:extLst>
+              </a:blip>
+              <a:stretch>
+                <a:fillRect/>
+              </a:stretch>
+            </p:blipFill>
+            <p:spPr>
+              <a:xfrm>
+                <a:off x="3595464" y="2227067"/>
                 <a:ext cx="457200" cy="457200"/>
               </a:xfrm>
               <a:prstGeom prst="rect">
@@ -17707,7 +17824,7 @@
             </p:nvSpPr>
             <p:spPr>
               <a:xfrm>
-                <a:off x="4211692" y="3770598"/>
+                <a:off x="4080977" y="2172328"/>
                 <a:ext cx="1448803" cy="566679"/>
               </a:xfrm>
               <a:prstGeom prst="rect">
@@ -17724,7 +17841,7 @@
               <a:lstStyle/>
               <a:p>
                 <a:r>
-                  <a:rPr lang="en-US" sz="1200">
+                  <a:rPr lang="en-US" sz="1200" dirty="0">
                     <a:latin typeface="Calibri"/>
                     <a:ea typeface="Segoe UI" pitchFamily="34" charset="0"/>
                     <a:cs typeface="Calibri"/>
@@ -17734,7 +17851,7 @@
               </a:p>
               <a:p>
                 <a:r>
-                  <a:rPr lang="en-US" sz="1200">
+                  <a:rPr lang="en-US" sz="1200" dirty="0">
                     <a:latin typeface="Calibri"/>
                     <a:ea typeface="Segoe UI" pitchFamily="34" charset="0"/>
                     <a:cs typeface="Calibri"/>
@@ -17743,7 +17860,7 @@
                 </a:r>
               </a:p>
               <a:p>
-                <a:endParaRPr lang="en-US" sz="1200" err="1">
+                <a:endParaRPr lang="en-US" sz="1200" dirty="0">
                   <a:latin typeface="Calibri"/>
                   <a:ea typeface="Segoe UI" pitchFamily="34" charset="0"/>
                   <a:cs typeface="Calibri"/>
@@ -17751,47 +17868,27 @@
               </a:p>
             </p:txBody>
           </p:sp>
-          <p:sp>
-            <p:nvSpPr>
-              <p:cNvPr id="123" name="TextBox 122"/>
-              <p:cNvSpPr txBox="1"/>
-              <p:nvPr/>
-            </p:nvSpPr>
-            <p:spPr>
-              <a:xfrm>
-                <a:off x="3599730" y="3361756"/>
-                <a:ext cx="2284804" cy="447682"/>
-              </a:xfrm>
-              <a:prstGeom prst="rect">
-                <a:avLst/>
-              </a:prstGeom>
-              <a:ln>
-                <a:noFill/>
-              </a:ln>
-            </p:spPr>
-            <p:txBody>
-              <a:bodyPr vert="horz" wrap="none" lIns="91440" tIns="91440" rIns="91440" bIns="91440" rtlCol="0" anchor="t">
-                <a:noAutofit/>
-              </a:bodyPr>
-              <a:lstStyle/>
-              <a:p>
-                <a:r>
-                  <a:rPr lang="en-US" sz="1600" dirty="0">
-                    <a:solidFill>
-                      <a:schemeClr val="tx1">
-                        <a:lumMod val="60000"/>
-                        <a:lumOff val="40000"/>
-                      </a:schemeClr>
-                    </a:solidFill>
-                    <a:latin typeface="Calibri"/>
-                    <a:ea typeface="Segoe UI" pitchFamily="34" charset="0"/>
-                    <a:cs typeface="Calibri"/>
-                  </a:rPr>
-                  <a:t>ILB App Service Environment</a:t>
-                </a:r>
-              </a:p>
-            </p:txBody>
-          </p:sp>
+        </p:grpSp>
+        <p:grpSp>
+          <p:nvGrpSpPr>
+            <p:cNvPr id="172" name="Group 171">
+              <a:extLst>
+                <a:ext uri="{FF2B5EF4-FFF2-40B4-BE49-F238E27FC236}">
+                  <a16:creationId xmlns:a16="http://schemas.microsoft.com/office/drawing/2014/main" id="{61581891-92A3-4501-A632-46EDFA82616F}"/>
+                </a:ext>
+              </a:extLst>
+            </p:cNvPr>
+            <p:cNvGrpSpPr/>
+            <p:nvPr/>
+          </p:nvGrpSpPr>
+          <p:grpSpPr>
+            <a:xfrm>
+              <a:off x="3591185" y="1180074"/>
+              <a:ext cx="2483945" cy="2465839"/>
+              <a:chOff x="3414062" y="1606582"/>
+              <a:chExt cx="2483945" cy="2465839"/>
+            </a:xfrm>
+          </p:grpSpPr>
           <p:sp>
             <p:nvSpPr>
               <p:cNvPr id="124" name="Rounded Rectangle 123"/>
@@ -17800,8 +17897,8 @@
             </p:nvSpPr>
             <p:spPr>
               <a:xfrm>
-                <a:off x="3380552" y="3353695"/>
-                <a:ext cx="2721533" cy="2316996"/>
+                <a:off x="3414062" y="2063987"/>
+                <a:ext cx="2483945" cy="2008434"/>
               </a:xfrm>
               <a:prstGeom prst="roundRect">
                 <a:avLst>
@@ -17855,16 +17952,129 @@
               </a:p>
             </p:txBody>
           </p:sp>
+          <p:grpSp>
+            <p:nvGrpSpPr>
+              <p:cNvPr id="165" name="Group 164">
+                <a:extLst>
+                  <a:ext uri="{FF2B5EF4-FFF2-40B4-BE49-F238E27FC236}">
+                    <a16:creationId xmlns:a16="http://schemas.microsoft.com/office/drawing/2014/main" id="{1E97F662-2B2C-4A3A-8950-1B3881CD267B}"/>
+                  </a:ext>
+                </a:extLst>
+              </p:cNvPr>
+              <p:cNvGrpSpPr/>
+              <p:nvPr/>
+            </p:nvGrpSpPr>
+            <p:grpSpPr>
+              <a:xfrm>
+                <a:off x="3414328" y="1606582"/>
+                <a:ext cx="2483412" cy="447682"/>
+                <a:chOff x="3420385" y="1763486"/>
+                <a:chExt cx="2483412" cy="447682"/>
+              </a:xfrm>
+            </p:grpSpPr>
+            <p:sp>
+              <p:nvSpPr>
+                <p:cNvPr id="123" name="TextBox 122"/>
+                <p:cNvSpPr txBox="1"/>
+                <p:nvPr/>
+              </p:nvSpPr>
+              <p:spPr>
+                <a:xfrm>
+                  <a:off x="3618993" y="1763486"/>
+                  <a:ext cx="2284804" cy="447682"/>
+                </a:xfrm>
+                <a:prstGeom prst="rect">
+                  <a:avLst/>
+                </a:prstGeom>
+                <a:ln>
+                  <a:noFill/>
+                </a:ln>
+              </p:spPr>
+              <p:txBody>
+                <a:bodyPr vert="horz" wrap="none" lIns="91440" tIns="91440" rIns="91440" bIns="91440" rtlCol="0" anchor="t">
+                  <a:noAutofit/>
+                </a:bodyPr>
+                <a:lstStyle/>
+                <a:p>
+                  <a:r>
+                    <a:rPr lang="en-US" sz="1600" dirty="0">
+                      <a:solidFill>
+                        <a:schemeClr val="tx1">
+                          <a:lumMod val="60000"/>
+                          <a:lumOff val="40000"/>
+                        </a:schemeClr>
+                      </a:solidFill>
+                      <a:latin typeface="Calibri"/>
+                      <a:ea typeface="Segoe UI" pitchFamily="34" charset="0"/>
+                      <a:cs typeface="Calibri"/>
+                    </a:rPr>
+                    <a:t>App Service Environment</a:t>
+                  </a:r>
+                </a:p>
+              </p:txBody>
+            </p:sp>
+            <p:pic>
+              <p:nvPicPr>
+                <p:cNvPr id="127" name="Picture 126"/>
+                <p:cNvPicPr>
+                  <a:picLocks noChangeAspect="1"/>
+                </p:cNvPicPr>
+                <p:nvPr/>
+              </p:nvPicPr>
+              <p:blipFill>
+                <a:blip r:embed="rId11" cstate="print">
+                  <a:extLst>
+                    <a:ext uri="{28A0092B-C50C-407E-A947-70E740481C1C}">
+                      <a14:useLocalDpi xmlns:a14="http://schemas.microsoft.com/office/drawing/2010/main" val="0"/>
+                    </a:ext>
+                  </a:extLst>
+                </a:blip>
+                <a:stretch>
+                  <a:fillRect/>
+                </a:stretch>
+              </p:blipFill>
+              <p:spPr>
+                <a:xfrm>
+                  <a:off x="3420385" y="1873027"/>
+                  <a:ext cx="228600" cy="228600"/>
+                </a:xfrm>
+                <a:prstGeom prst="rect">
+                  <a:avLst/>
+                </a:prstGeom>
+              </p:spPr>
+            </p:pic>
+          </p:grpSp>
+        </p:grpSp>
+        <p:grpSp>
+          <p:nvGrpSpPr>
+            <p:cNvPr id="177" name="Group 176">
+              <a:extLst>
+                <a:ext uri="{FF2B5EF4-FFF2-40B4-BE49-F238E27FC236}">
+                  <a16:creationId xmlns:a16="http://schemas.microsoft.com/office/drawing/2014/main" id="{8D0A9D7F-F0BE-4B4D-ACDC-7C63B912AFAA}"/>
+                </a:ext>
+              </a:extLst>
+            </p:cNvPr>
+            <p:cNvGrpSpPr/>
+            <p:nvPr/>
+          </p:nvGrpSpPr>
+          <p:grpSpPr>
+            <a:xfrm>
+              <a:off x="3863063" y="2943227"/>
+              <a:ext cx="1883756" cy="566679"/>
+              <a:chOff x="3599987" y="3348119"/>
+              <a:chExt cx="1883756" cy="566679"/>
+            </a:xfrm>
+          </p:grpSpPr>
           <p:pic>
             <p:nvPicPr>
-              <p:cNvPr id="127" name="Picture 126"/>
+              <p:cNvPr id="175" name="Picture 174"/>
               <p:cNvPicPr>
                 <a:picLocks noChangeAspect="1"/>
               </p:cNvPicPr>
               <p:nvPr/>
             </p:nvPicPr>
             <p:blipFill>
-              <a:blip r:embed="rId8" cstate="print">
+              <a:blip r:embed="rId10" cstate="print">
                 <a:extLst>
                   <a:ext uri="{28A0092B-C50C-407E-A947-70E740481C1C}">
                     <a14:useLocalDpi xmlns:a14="http://schemas.microsoft.com/office/drawing/2010/main" val="0"/>
@@ -17877,8 +18087,8 @@
             </p:blipFill>
             <p:spPr>
               <a:xfrm>
-                <a:off x="3401122" y="3460539"/>
-                <a:ext cx="228600" cy="228600"/>
+                <a:off x="3599987" y="3402858"/>
+                <a:ext cx="457200" cy="457200"/>
               </a:xfrm>
               <a:prstGeom prst="rect">
                 <a:avLst/>
@@ -17887,14 +18097,1081 @@
           </p:pic>
           <p:sp>
             <p:nvSpPr>
-              <p:cNvPr id="130" name="Rounded Rectangle 129"/>
+              <p:cNvPr id="176" name="TextBox 175"/>
+              <p:cNvSpPr txBox="1"/>
+              <p:nvPr/>
+            </p:nvSpPr>
+            <p:spPr>
+              <a:xfrm>
+                <a:off x="4085501" y="3348119"/>
+                <a:ext cx="1398242" cy="566679"/>
+              </a:xfrm>
+              <a:prstGeom prst="rect">
+                <a:avLst/>
+              </a:prstGeom>
+              <a:ln>
+                <a:noFill/>
+              </a:ln>
+            </p:spPr>
+            <p:txBody>
+              <a:bodyPr vert="horz" wrap="none" lIns="91440" tIns="91440" rIns="91440" bIns="91440" rtlCol="0" anchor="t">
+                <a:noAutofit/>
+              </a:bodyPr>
+              <a:lstStyle/>
+              <a:p>
+                <a:r>
+                  <a:rPr lang="en-US" sz="1200" dirty="0">
+                    <a:latin typeface="Calibri"/>
+                    <a:ea typeface="Segoe UI" pitchFamily="34" charset="0"/>
+                    <a:cs typeface="Calibri"/>
+                  </a:rPr>
+                  <a:t>Call Center Website</a:t>
+                </a:r>
+              </a:p>
+              <a:p>
+                <a:r>
+                  <a:rPr lang="en-US" sz="1200" dirty="0">
+                    <a:latin typeface="Calibri"/>
+                    <a:ea typeface="Segoe UI" pitchFamily="34" charset="0"/>
+                    <a:cs typeface="Calibri"/>
+                  </a:rPr>
+                  <a:t>Web App</a:t>
+                </a:r>
+              </a:p>
+              <a:p>
+                <a:endParaRPr lang="en-US" sz="1200" dirty="0">
+                  <a:latin typeface="Calibri"/>
+                  <a:ea typeface="Segoe UI" pitchFamily="34" charset="0"/>
+                  <a:cs typeface="Calibri"/>
+                </a:endParaRPr>
+              </a:p>
+            </p:txBody>
+          </p:sp>
+        </p:grpSp>
+        <p:grpSp>
+          <p:nvGrpSpPr>
+            <p:cNvPr id="178" name="Group 177">
+              <a:extLst>
+                <a:ext uri="{FF2B5EF4-FFF2-40B4-BE49-F238E27FC236}">
+                  <a16:creationId xmlns:a16="http://schemas.microsoft.com/office/drawing/2014/main" id="{C553A25B-D092-43B4-90DC-3CADC73C71B8}"/>
+                </a:ext>
+              </a:extLst>
+            </p:cNvPr>
+            <p:cNvGrpSpPr/>
+            <p:nvPr/>
+          </p:nvGrpSpPr>
+          <p:grpSpPr>
+            <a:xfrm>
+              <a:off x="4266863" y="2355331"/>
+              <a:ext cx="1567417" cy="566679"/>
+              <a:chOff x="4003787" y="2760223"/>
+              <a:chExt cx="1567417" cy="566679"/>
+            </a:xfrm>
+          </p:grpSpPr>
+          <p:sp>
+            <p:nvSpPr>
+              <p:cNvPr id="68" name="TextBox 67"/>
+              <p:cNvSpPr txBox="1"/>
+              <p:nvPr/>
+            </p:nvSpPr>
+            <p:spPr>
+              <a:xfrm>
+                <a:off x="4478886" y="2760223"/>
+                <a:ext cx="1092318" cy="566679"/>
+              </a:xfrm>
+              <a:prstGeom prst="rect">
+                <a:avLst/>
+              </a:prstGeom>
+              <a:ln>
+                <a:noFill/>
+              </a:ln>
+            </p:spPr>
+            <p:txBody>
+              <a:bodyPr vert="horz" wrap="none" lIns="91440" tIns="91440" rIns="91440" bIns="91440" rtlCol="0" anchor="t">
+                <a:noAutofit/>
+              </a:bodyPr>
+              <a:lstStyle/>
+              <a:p>
+                <a:r>
+                  <a:rPr lang="en-US" sz="1200" dirty="0">
+                    <a:latin typeface="Calibri"/>
+                    <a:ea typeface="Segoe UI" pitchFamily="34" charset="0"/>
+                    <a:cs typeface="Calibri"/>
+                  </a:rPr>
+                  <a:t>Offers Service</a:t>
+                </a:r>
+              </a:p>
+              <a:p>
+                <a:r>
+                  <a:rPr lang="en-US" sz="1200" dirty="0">
+                    <a:latin typeface="Calibri"/>
+                    <a:ea typeface="Segoe UI" pitchFamily="34" charset="0"/>
+                    <a:cs typeface="Calibri"/>
+                  </a:rPr>
+                  <a:t>API App</a:t>
+                </a:r>
+              </a:p>
+              <a:p>
+                <a:endParaRPr lang="en-US" sz="1200" dirty="0">
+                  <a:latin typeface="Calibri"/>
+                  <a:ea typeface="Segoe UI" pitchFamily="34" charset="0"/>
+                  <a:cs typeface="Calibri"/>
+                </a:endParaRPr>
+              </a:p>
+            </p:txBody>
+          </p:sp>
+          <p:pic>
+            <p:nvPicPr>
+              <p:cNvPr id="17" name="Picture 16"/>
+              <p:cNvPicPr>
+                <a:picLocks noChangeAspect="1"/>
+              </p:cNvPicPr>
+              <p:nvPr/>
+            </p:nvPicPr>
+            <p:blipFill>
+              <a:blip r:embed="rId12" cstate="print">
+                <a:extLst>
+                  <a:ext uri="{28A0092B-C50C-407E-A947-70E740481C1C}">
+                    <a14:useLocalDpi xmlns:a14="http://schemas.microsoft.com/office/drawing/2010/main" val="0"/>
+                  </a:ext>
+                </a:extLst>
+              </a:blip>
+              <a:stretch>
+                <a:fillRect/>
+              </a:stretch>
+            </p:blipFill>
+            <p:spPr>
+              <a:xfrm>
+                <a:off x="4003787" y="2802706"/>
+                <a:ext cx="481713" cy="481713"/>
+              </a:xfrm>
+              <a:prstGeom prst="rect">
+                <a:avLst/>
+              </a:prstGeom>
+            </p:spPr>
+          </p:pic>
+        </p:grpSp>
+      </p:grpSp>
+      <p:cxnSp>
+        <p:nvCxnSpPr>
+          <p:cNvPr id="11" name="Straight Arrow Connector 10"/>
+          <p:cNvCxnSpPr>
+            <a:cxnSpLocks/>
+            <a:stCxn id="8" idx="2"/>
+            <a:endCxn id="64" idx="0"/>
+          </p:cNvCxnSpPr>
+          <p:nvPr/>
+        </p:nvCxnSpPr>
+        <p:spPr>
+          <a:xfrm>
+            <a:off x="7016976" y="2329988"/>
+            <a:ext cx="62563" cy="563995"/>
+          </a:xfrm>
+          <a:prstGeom prst="straightConnector1">
+            <a:avLst/>
+          </a:prstGeom>
+          <a:ln>
+            <a:solidFill>
+              <a:schemeClr val="accent4"/>
+            </a:solidFill>
+            <a:prstDash val="dash"/>
+            <a:tailEnd type="triangle"/>
+          </a:ln>
+        </p:spPr>
+        <p:style>
+          <a:lnRef idx="1">
+            <a:schemeClr val="accent1"/>
+          </a:lnRef>
+          <a:fillRef idx="0">
+            <a:schemeClr val="accent1"/>
+          </a:fillRef>
+          <a:effectRef idx="0">
+            <a:schemeClr val="accent1"/>
+          </a:effectRef>
+          <a:fontRef idx="minor">
+            <a:schemeClr val="tx1"/>
+          </a:fontRef>
+        </p:style>
+      </p:cxnSp>
+      <p:grpSp>
+        <p:nvGrpSpPr>
+          <p:cNvPr id="4" name="Group 3">
+            <a:extLst>
+              <a:ext uri="{FF2B5EF4-FFF2-40B4-BE49-F238E27FC236}">
+                <a16:creationId xmlns:a16="http://schemas.microsoft.com/office/drawing/2014/main" id="{8399E207-3845-4925-AC95-5AC167F89483}"/>
+              </a:ext>
+            </a:extLst>
+          </p:cNvPr>
+          <p:cNvGrpSpPr/>
+          <p:nvPr/>
+        </p:nvGrpSpPr>
+        <p:grpSpPr>
+          <a:xfrm>
+            <a:off x="5521417" y="5007051"/>
+            <a:ext cx="904198" cy="537003"/>
+            <a:chOff x="4016540" y="5460146"/>
+            <a:chExt cx="904198" cy="537003"/>
+          </a:xfrm>
+        </p:grpSpPr>
+        <p:pic>
+          <p:nvPicPr>
+            <p:cNvPr id="22" name="Picture 21"/>
+            <p:cNvPicPr>
+              <a:picLocks noChangeAspect="1"/>
+            </p:cNvPicPr>
+            <p:nvPr/>
+          </p:nvPicPr>
+          <p:blipFill>
+            <a:blip r:embed="rId13" cstate="print">
+              <a:extLst>
+                <a:ext uri="{28A0092B-C50C-407E-A947-70E740481C1C}">
+                  <a14:useLocalDpi xmlns:a14="http://schemas.microsoft.com/office/drawing/2010/main" val="0"/>
+                </a:ext>
+              </a:extLst>
+            </a:blip>
+            <a:stretch>
+              <a:fillRect/>
+            </a:stretch>
+          </p:blipFill>
+          <p:spPr>
+            <a:xfrm>
+              <a:off x="4346689" y="5460146"/>
+              <a:ext cx="390697" cy="390697"/>
+            </a:xfrm>
+            <a:prstGeom prst="rect">
+              <a:avLst/>
+            </a:prstGeom>
+          </p:spPr>
+        </p:pic>
+        <p:sp>
+          <p:nvSpPr>
+            <p:cNvPr id="86" name="TextBox 85"/>
+            <p:cNvSpPr txBox="1"/>
+            <p:nvPr/>
+          </p:nvSpPr>
+          <p:spPr>
+            <a:xfrm>
+              <a:off x="4016540" y="5735724"/>
+              <a:ext cx="904198" cy="261425"/>
+            </a:xfrm>
+            <a:prstGeom prst="rect">
+              <a:avLst/>
+            </a:prstGeom>
+            <a:ln>
+              <a:noFill/>
+            </a:ln>
+          </p:spPr>
+          <p:txBody>
+            <a:bodyPr vert="horz" wrap="none" lIns="91440" tIns="91440" rIns="91440" bIns="91440" rtlCol="0" anchor="t">
+              <a:noAutofit/>
+            </a:bodyPr>
+            <a:lstStyle/>
+            <a:p>
+              <a:r>
+                <a:rPr lang="en-US" sz="1200" dirty="0">
+                  <a:latin typeface="Calibri"/>
+                  <a:ea typeface="Segoe UI" pitchFamily="34" charset="0"/>
+                  <a:cs typeface="Calibri"/>
+                </a:rPr>
+                <a:t>Azure Function</a:t>
+              </a:r>
+            </a:p>
+            <a:p>
+              <a:r>
+                <a:rPr lang="en-US" sz="1200" dirty="0">
+                  <a:latin typeface="Calibri"/>
+                  <a:ea typeface="Segoe UI" pitchFamily="34" charset="0"/>
+                  <a:cs typeface="Calibri"/>
+                </a:rPr>
+                <a:t>PDF creation</a:t>
+              </a:r>
+            </a:p>
+            <a:p>
+              <a:endParaRPr lang="en-US" sz="1200" dirty="0">
+                <a:latin typeface="Calibri"/>
+                <a:ea typeface="Segoe UI" pitchFamily="34" charset="0"/>
+                <a:cs typeface="Calibri"/>
+              </a:endParaRPr>
+            </a:p>
+          </p:txBody>
+        </p:sp>
+      </p:grpSp>
+      <p:grpSp>
+        <p:nvGrpSpPr>
+          <p:cNvPr id="87" name="Group 86">
+            <a:extLst>
+              <a:ext uri="{FF2B5EF4-FFF2-40B4-BE49-F238E27FC236}">
+                <a16:creationId xmlns:a16="http://schemas.microsoft.com/office/drawing/2014/main" id="{9DEC4E28-9375-44C5-8D7A-462B7CD1A18E}"/>
+              </a:ext>
+            </a:extLst>
+          </p:cNvPr>
+          <p:cNvGrpSpPr/>
+          <p:nvPr/>
+        </p:nvGrpSpPr>
+        <p:grpSpPr>
+          <a:xfrm>
+            <a:off x="3692734" y="4992213"/>
+            <a:ext cx="1408003" cy="566679"/>
+            <a:chOff x="9772616" y="4761258"/>
+            <a:chExt cx="1408003" cy="566679"/>
+          </a:xfrm>
+        </p:grpSpPr>
+        <p:sp>
+          <p:nvSpPr>
+            <p:cNvPr id="76" name="TextBox 75"/>
+            <p:cNvSpPr txBox="1"/>
+            <p:nvPr/>
+          </p:nvSpPr>
+          <p:spPr>
+            <a:xfrm>
+              <a:off x="10248765" y="4761258"/>
+              <a:ext cx="931854" cy="566679"/>
+            </a:xfrm>
+            <a:prstGeom prst="rect">
+              <a:avLst/>
+            </a:prstGeom>
+            <a:ln>
+              <a:noFill/>
+            </a:ln>
+          </p:spPr>
+          <p:txBody>
+            <a:bodyPr vert="horz" wrap="none" lIns="91440" tIns="91440" rIns="91440" bIns="91440" rtlCol="0" anchor="t">
+              <a:noAutofit/>
+            </a:bodyPr>
+            <a:lstStyle/>
+            <a:p>
+              <a:r>
+                <a:rPr lang="en-US" sz="1200" dirty="0">
+                  <a:latin typeface="Calibri"/>
+                  <a:ea typeface="Segoe UI" pitchFamily="34" charset="0"/>
+                  <a:cs typeface="Calibri"/>
+                </a:rPr>
+                <a:t>Logic App</a:t>
+              </a:r>
+            </a:p>
+            <a:p>
+              <a:r>
+                <a:rPr lang="en-US" sz="1200" dirty="0">
+                  <a:latin typeface="Calibri"/>
+                  <a:ea typeface="Segoe UI" pitchFamily="34" charset="0"/>
+                  <a:cs typeface="Calibri"/>
+                </a:rPr>
+                <a:t>SMS Process</a:t>
+              </a:r>
+            </a:p>
+            <a:p>
+              <a:endParaRPr lang="en-US" sz="1200" dirty="0">
+                <a:latin typeface="Calibri"/>
+                <a:ea typeface="Segoe UI" pitchFamily="34" charset="0"/>
+                <a:cs typeface="Calibri"/>
+              </a:endParaRPr>
+            </a:p>
+            <a:p>
+              <a:endParaRPr lang="en-US" sz="1200" dirty="0">
+                <a:latin typeface="Calibri"/>
+                <a:ea typeface="Segoe UI" pitchFamily="34" charset="0"/>
+                <a:cs typeface="Calibri"/>
+              </a:endParaRPr>
+            </a:p>
+          </p:txBody>
+        </p:sp>
+        <p:pic>
+          <p:nvPicPr>
+            <p:cNvPr id="28" name="Picture 27">
+              <a:extLst>
+                <a:ext uri="{FF2B5EF4-FFF2-40B4-BE49-F238E27FC236}">
+                  <a16:creationId xmlns:a16="http://schemas.microsoft.com/office/drawing/2014/main" id="{FA3769FA-CDFD-494A-A34E-7B6C34C81DCD}"/>
+                </a:ext>
+              </a:extLst>
+            </p:cNvPr>
+            <p:cNvPicPr>
+              <a:picLocks noChangeAspect="1"/>
+            </p:cNvPicPr>
+            <p:nvPr/>
+          </p:nvPicPr>
+          <p:blipFill>
+            <a:blip r:embed="rId14" cstate="print">
+              <a:extLst>
+                <a:ext uri="{28A0092B-C50C-407E-A947-70E740481C1C}">
+                  <a14:useLocalDpi xmlns:a14="http://schemas.microsoft.com/office/drawing/2010/main" val="0"/>
+                </a:ext>
+              </a:extLst>
+            </a:blip>
+            <a:stretch>
+              <a:fillRect/>
+            </a:stretch>
+          </p:blipFill>
+          <p:spPr>
+            <a:xfrm>
+              <a:off x="9772616" y="4803741"/>
+              <a:ext cx="481713" cy="481713"/>
+            </a:xfrm>
+            <a:prstGeom prst="rect">
+              <a:avLst/>
+            </a:prstGeom>
+          </p:spPr>
+        </p:pic>
+      </p:grpSp>
+      <p:grpSp>
+        <p:nvGrpSpPr>
+          <p:cNvPr id="23" name="Group 22">
+            <a:extLst>
+              <a:ext uri="{FF2B5EF4-FFF2-40B4-BE49-F238E27FC236}">
+                <a16:creationId xmlns:a16="http://schemas.microsoft.com/office/drawing/2014/main" id="{481BB91D-ECFC-4550-B95F-D0F3CCA3FF5F}"/>
+              </a:ext>
+            </a:extLst>
+          </p:cNvPr>
+          <p:cNvGrpSpPr/>
+          <p:nvPr/>
+        </p:nvGrpSpPr>
+        <p:grpSpPr>
+          <a:xfrm>
+            <a:off x="2921026" y="1442935"/>
+            <a:ext cx="547845" cy="985855"/>
+            <a:chOff x="2246232" y="4503558"/>
+            <a:chExt cx="547845" cy="985855"/>
+          </a:xfrm>
+        </p:grpSpPr>
+        <p:pic>
+          <p:nvPicPr>
+            <p:cNvPr id="31" name="Picture 30" descr="A picture containing object&#10;&#10;Description generated with high confidence">
+              <a:extLst>
+                <a:ext uri="{FF2B5EF4-FFF2-40B4-BE49-F238E27FC236}">
+                  <a16:creationId xmlns:a16="http://schemas.microsoft.com/office/drawing/2014/main" id="{8214AF11-78B3-4838-86E1-7832C6D08766}"/>
+                </a:ext>
+              </a:extLst>
+            </p:cNvPr>
+            <p:cNvPicPr>
+              <a:picLocks noChangeAspect="1"/>
+            </p:cNvPicPr>
+            <p:nvPr/>
+          </p:nvPicPr>
+          <p:blipFill>
+            <a:blip r:embed="rId8" cstate="print">
+              <a:extLst>
+                <a:ext uri="{28A0092B-C50C-407E-A947-70E740481C1C}">
+                  <a14:useLocalDpi xmlns:a14="http://schemas.microsoft.com/office/drawing/2010/main" val="0"/>
+                </a:ext>
+              </a:extLst>
+            </a:blip>
+            <a:stretch>
+              <a:fillRect/>
+            </a:stretch>
+          </p:blipFill>
+          <p:spPr>
+            <a:xfrm>
+              <a:off x="2279297" y="4503558"/>
+              <a:ext cx="481714" cy="481714"/>
+            </a:xfrm>
+            <a:prstGeom prst="rect">
+              <a:avLst/>
+            </a:prstGeom>
+          </p:spPr>
+        </p:pic>
+        <p:sp>
+          <p:nvSpPr>
+            <p:cNvPr id="95" name="TextBox 94">
+              <a:extLst>
+                <a:ext uri="{FF2B5EF4-FFF2-40B4-BE49-F238E27FC236}">
+                  <a16:creationId xmlns:a16="http://schemas.microsoft.com/office/drawing/2014/main" id="{0E9B7FDA-DDF8-4B17-AE4E-AA6AD81E7D75}"/>
+                </a:ext>
+              </a:extLst>
+            </p:cNvPr>
+            <p:cNvSpPr txBox="1"/>
+            <p:nvPr/>
+          </p:nvSpPr>
+          <p:spPr>
+            <a:xfrm>
+              <a:off x="2246232" y="4922734"/>
+              <a:ext cx="547845" cy="566679"/>
+            </a:xfrm>
+            <a:prstGeom prst="rect">
+              <a:avLst/>
+            </a:prstGeom>
+            <a:ln>
+              <a:noFill/>
+            </a:ln>
+          </p:spPr>
+          <p:txBody>
+            <a:bodyPr vert="horz" wrap="none" lIns="91440" tIns="91440" rIns="91440" bIns="91440" rtlCol="0" anchor="t">
+              <a:noAutofit/>
+            </a:bodyPr>
+            <a:lstStyle/>
+            <a:p>
+              <a:pPr algn="ctr"/>
+              <a:r>
+                <a:rPr lang="en-US" sz="1200" dirty="0">
+                  <a:latin typeface="Calibri"/>
+                  <a:ea typeface="Segoe UI" pitchFamily="34" charset="0"/>
+                  <a:cs typeface="Calibri"/>
+                </a:rPr>
+                <a:t>AAD</a:t>
+              </a:r>
+              <a:br>
+                <a:rPr lang="en-US" sz="1200" dirty="0">
+                  <a:latin typeface="Calibri"/>
+                  <a:ea typeface="Segoe UI" pitchFamily="34" charset="0"/>
+                  <a:cs typeface="Calibri"/>
+                </a:rPr>
+              </a:br>
+              <a:r>
+                <a:rPr lang="en-US" sz="1200" dirty="0">
+                  <a:latin typeface="Calibri"/>
+                  <a:ea typeface="Segoe UI" pitchFamily="34" charset="0"/>
+                  <a:cs typeface="Calibri"/>
+                </a:rPr>
+                <a:t>B2C</a:t>
+              </a:r>
+            </a:p>
+            <a:p>
+              <a:endParaRPr lang="en-US" sz="1200" dirty="0">
+                <a:latin typeface="Calibri"/>
+                <a:ea typeface="Segoe UI" pitchFamily="34" charset="0"/>
+                <a:cs typeface="Calibri"/>
+              </a:endParaRPr>
+            </a:p>
+          </p:txBody>
+        </p:sp>
+      </p:grpSp>
+      <p:cxnSp>
+        <p:nvCxnSpPr>
+          <p:cNvPr id="97" name="Elbow Connector 142">
+            <a:extLst>
+              <a:ext uri="{FF2B5EF4-FFF2-40B4-BE49-F238E27FC236}">
+                <a16:creationId xmlns:a16="http://schemas.microsoft.com/office/drawing/2014/main" id="{4AE9D6ED-EDC7-439D-A57C-A4C0652B3BB4}"/>
+              </a:ext>
+            </a:extLst>
+          </p:cNvPr>
+          <p:cNvCxnSpPr>
+            <a:cxnSpLocks/>
+            <a:stCxn id="31" idx="3"/>
+            <a:endCxn id="9" idx="0"/>
+          </p:cNvCxnSpPr>
+          <p:nvPr/>
+        </p:nvCxnSpPr>
+        <p:spPr>
+          <a:xfrm>
+            <a:off x="3435805" y="1683792"/>
+            <a:ext cx="651335" cy="138383"/>
+          </a:xfrm>
+          <a:prstGeom prst="bentConnector2">
+            <a:avLst/>
+          </a:prstGeom>
+          <a:ln>
+            <a:tailEnd type="triangle"/>
+          </a:ln>
+        </p:spPr>
+        <p:style>
+          <a:lnRef idx="1">
+            <a:schemeClr val="accent1"/>
+          </a:lnRef>
+          <a:fillRef idx="0">
+            <a:schemeClr val="accent1"/>
+          </a:fillRef>
+          <a:effectRef idx="0">
+            <a:schemeClr val="accent1"/>
+          </a:effectRef>
+          <a:fontRef idx="minor">
+            <a:schemeClr val="tx1"/>
+          </a:fontRef>
+        </p:style>
+      </p:cxnSp>
+      <p:cxnSp>
+        <p:nvCxnSpPr>
+          <p:cNvPr id="81" name="Elbow Connector 142">
+            <a:extLst>
+              <a:ext uri="{FF2B5EF4-FFF2-40B4-BE49-F238E27FC236}">
+                <a16:creationId xmlns:a16="http://schemas.microsoft.com/office/drawing/2014/main" id="{EF2FF7EF-AC20-4D91-B205-C8611BF2F61A}"/>
+              </a:ext>
+            </a:extLst>
+          </p:cNvPr>
+          <p:cNvCxnSpPr>
+            <a:cxnSpLocks/>
+            <a:stCxn id="124" idx="2"/>
+            <a:endCxn id="80" idx="0"/>
+          </p:cNvCxnSpPr>
+          <p:nvPr/>
+        </p:nvCxnSpPr>
+        <p:spPr>
+          <a:xfrm rot="5400000">
+            <a:off x="4169671" y="3624338"/>
+            <a:ext cx="641912" cy="685063"/>
+          </a:xfrm>
+          <a:prstGeom prst="bentConnector3">
+            <a:avLst>
+              <a:gd name="adj1" fmla="val 50000"/>
+            </a:avLst>
+          </a:prstGeom>
+          <a:ln>
+            <a:tailEnd type="triangle"/>
+          </a:ln>
+        </p:spPr>
+        <p:style>
+          <a:lnRef idx="1">
+            <a:schemeClr val="accent1"/>
+          </a:lnRef>
+          <a:fillRef idx="0">
+            <a:schemeClr val="accent1"/>
+          </a:fillRef>
+          <a:effectRef idx="0">
+            <a:schemeClr val="accent1"/>
+          </a:effectRef>
+          <a:fontRef idx="minor">
+            <a:schemeClr val="tx1"/>
+          </a:fontRef>
+        </p:style>
+      </p:cxnSp>
+      <p:grpSp>
+        <p:nvGrpSpPr>
+          <p:cNvPr id="78" name="Group 77">
+            <a:extLst>
+              <a:ext uri="{FF2B5EF4-FFF2-40B4-BE49-F238E27FC236}">
+                <a16:creationId xmlns:a16="http://schemas.microsoft.com/office/drawing/2014/main" id="{EF1D7B8B-33C6-4BED-8AA9-E3D13D794FD9}"/>
+              </a:ext>
+            </a:extLst>
+          </p:cNvPr>
+          <p:cNvGrpSpPr/>
+          <p:nvPr/>
+        </p:nvGrpSpPr>
+        <p:grpSpPr>
+          <a:xfrm>
+            <a:off x="3919495" y="4273443"/>
+            <a:ext cx="1827324" cy="485965"/>
+            <a:chOff x="6631162" y="2038892"/>
+            <a:chExt cx="1827324" cy="485965"/>
+          </a:xfrm>
+        </p:grpSpPr>
+        <p:pic>
+          <p:nvPicPr>
+            <p:cNvPr id="80" name="Picture 79">
+              <a:extLst>
+                <a:ext uri="{FF2B5EF4-FFF2-40B4-BE49-F238E27FC236}">
+                  <a16:creationId xmlns:a16="http://schemas.microsoft.com/office/drawing/2014/main" id="{E1CD49D1-9998-4766-A331-3585CA8ACD02}"/>
+                </a:ext>
+              </a:extLst>
+            </p:cNvPr>
+            <p:cNvPicPr>
+              <a:picLocks noChangeAspect="1"/>
+            </p:cNvPicPr>
+            <p:nvPr/>
+          </p:nvPicPr>
+          <p:blipFill>
+            <a:blip r:embed="rId15" cstate="print">
+              <a:extLst>
+                <a:ext uri="{28A0092B-C50C-407E-A947-70E740481C1C}">
+                  <a14:useLocalDpi xmlns:a14="http://schemas.microsoft.com/office/drawing/2010/main" val="0"/>
+                </a:ext>
+              </a:extLst>
+            </a:blip>
+            <a:stretch>
+              <a:fillRect/>
+            </a:stretch>
+          </p:blipFill>
+          <p:spPr>
+            <a:xfrm>
+              <a:off x="6631162" y="2053274"/>
+              <a:ext cx="457200" cy="457200"/>
+            </a:xfrm>
+            <a:prstGeom prst="rect">
+              <a:avLst/>
+            </a:prstGeom>
+          </p:spPr>
+        </p:pic>
+        <p:sp>
+          <p:nvSpPr>
+            <p:cNvPr id="83" name="TextBox 82">
+              <a:extLst>
+                <a:ext uri="{FF2B5EF4-FFF2-40B4-BE49-F238E27FC236}">
+                  <a16:creationId xmlns:a16="http://schemas.microsoft.com/office/drawing/2014/main" id="{B4CE492F-800F-4E16-92C9-B1C762B7A1AC}"/>
+                </a:ext>
+              </a:extLst>
+            </p:cNvPr>
+            <p:cNvSpPr txBox="1"/>
+            <p:nvPr/>
+          </p:nvSpPr>
+          <p:spPr>
+            <a:xfrm>
+              <a:off x="7044235" y="2038892"/>
+              <a:ext cx="1414251" cy="485965"/>
+            </a:xfrm>
+            <a:prstGeom prst="rect">
+              <a:avLst/>
+            </a:prstGeom>
+            <a:ln>
+              <a:noFill/>
+            </a:ln>
+          </p:spPr>
+          <p:txBody>
+            <a:bodyPr vert="horz" wrap="none" lIns="91440" tIns="91440" rIns="91440" bIns="91440" rtlCol="0" anchor="t">
+              <a:noAutofit/>
+            </a:bodyPr>
+            <a:lstStyle/>
+            <a:p>
+              <a:r>
+                <a:rPr lang="en-US" sz="1200" dirty="0">
+                  <a:latin typeface="Calibri"/>
+                  <a:ea typeface="Segoe UI" pitchFamily="34" charset="0"/>
+                  <a:cs typeface="Calibri"/>
+                </a:rPr>
+                <a:t>Storage Queues</a:t>
+              </a:r>
+            </a:p>
+            <a:p>
+              <a:r>
+                <a:rPr lang="en-US" sz="1200" dirty="0">
+                  <a:latin typeface="Calibri"/>
+                  <a:ea typeface="Segoe UI" pitchFamily="34" charset="0"/>
+                  <a:cs typeface="Calibri"/>
+                </a:rPr>
+                <a:t>Unprocessed orders</a:t>
+              </a:r>
+            </a:p>
+          </p:txBody>
+        </p:sp>
+      </p:grpSp>
+      <p:cxnSp>
+        <p:nvCxnSpPr>
+          <p:cNvPr id="100" name="Elbow Connector 181">
+            <a:extLst>
+              <a:ext uri="{FF2B5EF4-FFF2-40B4-BE49-F238E27FC236}">
+                <a16:creationId xmlns:a16="http://schemas.microsoft.com/office/drawing/2014/main" id="{6CACD044-EF96-41CA-806E-C8D7EE2FDA42}"/>
+              </a:ext>
+            </a:extLst>
+          </p:cNvPr>
+          <p:cNvCxnSpPr>
+            <a:cxnSpLocks/>
+            <a:stCxn id="119" idx="3"/>
+            <a:endCxn id="175" idx="1"/>
+          </p:cNvCxnSpPr>
+          <p:nvPr/>
+        </p:nvCxnSpPr>
+        <p:spPr>
+          <a:xfrm flipV="1">
+            <a:off x="2421016" y="3226566"/>
+            <a:ext cx="1442047" cy="569799"/>
+          </a:xfrm>
+          <a:prstGeom prst="bentConnector3">
+            <a:avLst>
+              <a:gd name="adj1" fmla="val 50000"/>
+            </a:avLst>
+          </a:prstGeom>
+          <a:ln>
+            <a:tailEnd type="triangle"/>
+          </a:ln>
+        </p:spPr>
+        <p:style>
+          <a:lnRef idx="1">
+            <a:schemeClr val="accent2"/>
+          </a:lnRef>
+          <a:fillRef idx="0">
+            <a:schemeClr val="accent2"/>
+          </a:fillRef>
+          <a:effectRef idx="0">
+            <a:schemeClr val="accent2"/>
+          </a:effectRef>
+          <a:fontRef idx="minor">
+            <a:schemeClr val="tx1"/>
+          </a:fontRef>
+        </p:style>
+      </p:cxnSp>
+      <p:grpSp>
+        <p:nvGrpSpPr>
+          <p:cNvPr id="206" name="Group 205">
+            <a:extLst>
+              <a:ext uri="{FF2B5EF4-FFF2-40B4-BE49-F238E27FC236}">
+                <a16:creationId xmlns:a16="http://schemas.microsoft.com/office/drawing/2014/main" id="{FA9B2BD9-A6B8-4634-8C98-1A60D2E0AE5C}"/>
+              </a:ext>
+            </a:extLst>
+          </p:cNvPr>
+          <p:cNvGrpSpPr/>
+          <p:nvPr/>
+        </p:nvGrpSpPr>
+        <p:grpSpPr>
+          <a:xfrm>
+            <a:off x="6613228" y="1180074"/>
+            <a:ext cx="1643759" cy="2473562"/>
+            <a:chOff x="6613228" y="1180074"/>
+            <a:chExt cx="1643759" cy="2473562"/>
+          </a:xfrm>
+        </p:grpSpPr>
+        <p:grpSp>
+          <p:nvGrpSpPr>
+            <p:cNvPr id="203" name="Group 202">
+              <a:extLst>
+                <a:ext uri="{FF2B5EF4-FFF2-40B4-BE49-F238E27FC236}">
+                  <a16:creationId xmlns:a16="http://schemas.microsoft.com/office/drawing/2014/main" id="{3252B24B-0B45-4F89-8CA1-119282A5E4D5}"/>
+                </a:ext>
+              </a:extLst>
+            </p:cNvPr>
+            <p:cNvGrpSpPr/>
+            <p:nvPr/>
+          </p:nvGrpSpPr>
+          <p:grpSpPr>
+            <a:xfrm>
+              <a:off x="6788376" y="1685722"/>
+              <a:ext cx="1294012" cy="831333"/>
+              <a:chOff x="7115515" y="1873794"/>
+              <a:chExt cx="1294012" cy="831333"/>
+            </a:xfrm>
+          </p:grpSpPr>
+          <p:pic>
+            <p:nvPicPr>
+              <p:cNvPr id="8" name="Picture 7"/>
+              <p:cNvPicPr>
+                <a:picLocks noChangeAspect="1"/>
+              </p:cNvPicPr>
+              <p:nvPr/>
+            </p:nvPicPr>
+            <p:blipFill>
+              <a:blip r:embed="rId16" cstate="print">
+                <a:extLst>
+                  <a:ext uri="{28A0092B-C50C-407E-A947-70E740481C1C}">
+                    <a14:useLocalDpi xmlns:a14="http://schemas.microsoft.com/office/drawing/2010/main" val="0"/>
+                  </a:ext>
+                </a:extLst>
+              </a:blip>
+              <a:stretch>
+                <a:fillRect/>
+              </a:stretch>
+            </p:blipFill>
+            <p:spPr>
+              <a:xfrm>
+                <a:off x="7115515" y="2060860"/>
+                <a:ext cx="457200" cy="457200"/>
+              </a:xfrm>
+              <a:prstGeom prst="rect">
+                <a:avLst/>
+              </a:prstGeom>
+            </p:spPr>
+          </p:pic>
+          <p:sp>
+            <p:nvSpPr>
+              <p:cNvPr id="137" name="TextBox 136"/>
+              <p:cNvSpPr txBox="1"/>
+              <p:nvPr/>
+            </p:nvSpPr>
+            <p:spPr>
+              <a:xfrm>
+                <a:off x="7588743" y="1873794"/>
+                <a:ext cx="820784" cy="831333"/>
+              </a:xfrm>
+              <a:prstGeom prst="rect">
+                <a:avLst/>
+              </a:prstGeom>
+              <a:ln>
+                <a:noFill/>
+              </a:ln>
+            </p:spPr>
+            <p:txBody>
+              <a:bodyPr vert="horz" wrap="none" lIns="91440" tIns="91440" rIns="91440" bIns="91440" rtlCol="0" anchor="t">
+                <a:noAutofit/>
+              </a:bodyPr>
+              <a:lstStyle/>
+              <a:p>
+                <a:r>
+                  <a:rPr lang="en-US" sz="1200" dirty="0">
+                    <a:latin typeface="Calibri"/>
+                    <a:ea typeface="Segoe UI" pitchFamily="34" charset="0"/>
+                    <a:cs typeface="Calibri"/>
+                  </a:rPr>
+                  <a:t>Region 1:</a:t>
+                </a:r>
+                <a:br>
+                  <a:rPr lang="en-US" sz="1200" dirty="0">
+                    <a:latin typeface="Calibri"/>
+                    <a:ea typeface="Segoe UI" pitchFamily="34" charset="0"/>
+                    <a:cs typeface="Calibri"/>
+                  </a:rPr>
+                </a:br>
+                <a:r>
+                  <a:rPr lang="en-US" sz="1200" dirty="0">
+                    <a:latin typeface="Calibri"/>
+                    <a:ea typeface="Segoe UI" pitchFamily="34" charset="0"/>
+                    <a:cs typeface="Calibri"/>
+                  </a:rPr>
+                  <a:t>Primary</a:t>
+                </a:r>
+                <a:br>
+                  <a:rPr lang="en-US" sz="1200" dirty="0">
+                    <a:latin typeface="Calibri"/>
+                    <a:ea typeface="Segoe UI" pitchFamily="34" charset="0"/>
+                    <a:cs typeface="Calibri"/>
+                  </a:rPr>
+                </a:br>
+                <a:r>
+                  <a:rPr lang="en-US" sz="1200" dirty="0">
+                    <a:latin typeface="Calibri"/>
+                    <a:ea typeface="Segoe UI" pitchFamily="34" charset="0"/>
+                    <a:cs typeface="Calibri"/>
+                  </a:rPr>
+                  <a:t>Order Data</a:t>
+                </a:r>
+              </a:p>
+              <a:p>
+                <a:r>
+                  <a:rPr lang="en-US" sz="1200" dirty="0">
+                    <a:latin typeface="Calibri"/>
+                    <a:ea typeface="Segoe UI" pitchFamily="34" charset="0"/>
+                    <a:cs typeface="Calibri"/>
+                  </a:rPr>
+                  <a:t>SQL DB</a:t>
+                </a:r>
+              </a:p>
+            </p:txBody>
+          </p:sp>
+        </p:grpSp>
+        <p:grpSp>
+          <p:nvGrpSpPr>
+            <p:cNvPr id="202" name="Group 201">
+              <a:extLst>
+                <a:ext uri="{FF2B5EF4-FFF2-40B4-BE49-F238E27FC236}">
+                  <a16:creationId xmlns:a16="http://schemas.microsoft.com/office/drawing/2014/main" id="{A7F88369-D49F-4923-9D7C-CA5657D7A877}"/>
+                </a:ext>
+              </a:extLst>
+            </p:cNvPr>
+            <p:cNvGrpSpPr/>
+            <p:nvPr/>
+          </p:nvGrpSpPr>
+          <p:grpSpPr>
+            <a:xfrm>
+              <a:off x="6850939" y="2707355"/>
+              <a:ext cx="1168886" cy="830456"/>
+              <a:chOff x="7115515" y="3112604"/>
+              <a:chExt cx="1168886" cy="830456"/>
+            </a:xfrm>
+          </p:grpSpPr>
+          <p:pic>
+            <p:nvPicPr>
+              <p:cNvPr id="64" name="Picture 63"/>
+              <p:cNvPicPr>
+                <a:picLocks noChangeAspect="1"/>
+              </p:cNvPicPr>
+              <p:nvPr/>
+            </p:nvPicPr>
+            <p:blipFill>
+              <a:blip r:embed="rId16" cstate="print">
+                <a:extLst>
+                  <a:ext uri="{28A0092B-C50C-407E-A947-70E740481C1C}">
+                    <a14:useLocalDpi xmlns:a14="http://schemas.microsoft.com/office/drawing/2010/main" val="0"/>
+                  </a:ext>
+                </a:extLst>
+              </a:blip>
+              <a:stretch>
+                <a:fillRect/>
+              </a:stretch>
+            </p:blipFill>
+            <p:spPr>
+              <a:xfrm>
+                <a:off x="7115515" y="3299232"/>
+                <a:ext cx="457200" cy="457200"/>
+              </a:xfrm>
+              <a:prstGeom prst="rect">
+                <a:avLst/>
+              </a:prstGeom>
+            </p:spPr>
+          </p:pic>
+          <p:sp>
+            <p:nvSpPr>
+              <p:cNvPr id="65" name="TextBox 64"/>
+              <p:cNvSpPr txBox="1"/>
+              <p:nvPr/>
+            </p:nvSpPr>
+            <p:spPr>
+              <a:xfrm>
+                <a:off x="7606067" y="3112604"/>
+                <a:ext cx="678334" cy="830456"/>
+              </a:xfrm>
+              <a:prstGeom prst="rect">
+                <a:avLst/>
+              </a:prstGeom>
+              <a:ln>
+                <a:noFill/>
+              </a:ln>
+            </p:spPr>
+            <p:txBody>
+              <a:bodyPr vert="horz" wrap="none" lIns="91440" tIns="91440" rIns="91440" bIns="91440" rtlCol="0" anchor="t">
+                <a:noAutofit/>
+              </a:bodyPr>
+              <a:lstStyle/>
+              <a:p>
+                <a:r>
+                  <a:rPr lang="en-US" sz="1200" dirty="0">
+                    <a:latin typeface="Calibri"/>
+                    <a:ea typeface="Segoe UI" pitchFamily="34" charset="0"/>
+                    <a:cs typeface="Calibri"/>
+                  </a:rPr>
+                  <a:t>Region 2:</a:t>
+                </a:r>
+              </a:p>
+              <a:p>
+                <a:r>
+                  <a:rPr lang="en-US" sz="1200" dirty="0">
+                    <a:latin typeface="Calibri"/>
+                    <a:ea typeface="Segoe UI" pitchFamily="34" charset="0"/>
+                    <a:cs typeface="Calibri"/>
+                  </a:rPr>
+                  <a:t>Secondary</a:t>
+                </a:r>
+              </a:p>
+              <a:p>
+                <a:r>
+                  <a:rPr lang="en-US" sz="1200" dirty="0">
+                    <a:latin typeface="Calibri"/>
+                    <a:ea typeface="Segoe UI" pitchFamily="34" charset="0"/>
+                    <a:cs typeface="Calibri"/>
+                  </a:rPr>
+                  <a:t>Order Data</a:t>
+                </a:r>
+              </a:p>
+              <a:p>
+                <a:r>
+                  <a:rPr lang="en-US" sz="1200" dirty="0">
+                    <a:latin typeface="Calibri"/>
+                    <a:ea typeface="Segoe UI" pitchFamily="34" charset="0"/>
+                    <a:cs typeface="Calibri"/>
+                  </a:rPr>
+                  <a:t>SQL DB</a:t>
+                </a:r>
+              </a:p>
+            </p:txBody>
+          </p:sp>
+        </p:grpSp>
+        <p:grpSp>
+          <p:nvGrpSpPr>
+            <p:cNvPr id="205" name="Group 204">
+              <a:extLst>
+                <a:ext uri="{FF2B5EF4-FFF2-40B4-BE49-F238E27FC236}">
+                  <a16:creationId xmlns:a16="http://schemas.microsoft.com/office/drawing/2014/main" id="{90280034-E998-4D4F-94C5-2518A4E57DA3}"/>
+                </a:ext>
+              </a:extLst>
+            </p:cNvPr>
+            <p:cNvGrpSpPr/>
+            <p:nvPr/>
+          </p:nvGrpSpPr>
+          <p:grpSpPr>
+            <a:xfrm>
+              <a:off x="6613228" y="1180074"/>
+              <a:ext cx="1643759" cy="2473562"/>
+              <a:chOff x="6613228" y="1322803"/>
+              <a:chExt cx="1643759" cy="2473562"/>
+            </a:xfrm>
+          </p:grpSpPr>
+          <p:sp>
+            <p:nvSpPr>
+              <p:cNvPr id="111" name="Rounded Rectangle 129">
+                <a:extLst>
+                  <a:ext uri="{FF2B5EF4-FFF2-40B4-BE49-F238E27FC236}">
+                    <a16:creationId xmlns:a16="http://schemas.microsoft.com/office/drawing/2014/main" id="{4ADE7CF0-DEE2-4102-95D7-95103088C400}"/>
+                  </a:ext>
+                </a:extLst>
+              </p:cNvPr>
               <p:cNvSpPr/>
               <p:nvPr/>
             </p:nvSpPr>
             <p:spPr>
               <a:xfrm>
-                <a:off x="3202507" y="3219754"/>
-                <a:ext cx="3058028" cy="2593693"/>
+                <a:off x="6615483" y="1690251"/>
+                <a:ext cx="1641504" cy="2106114"/>
               </a:xfrm>
               <a:prstGeom prst="roundRect">
                 <a:avLst>
@@ -17950,14 +19227,20 @@
           </p:sp>
           <p:sp>
             <p:nvSpPr>
-              <p:cNvPr id="131" name="TextBox 130"/>
+              <p:cNvPr id="114" name="TextBox 113">
+                <a:extLst>
+                  <a:ext uri="{FF2B5EF4-FFF2-40B4-BE49-F238E27FC236}">
+                    <a16:creationId xmlns:a16="http://schemas.microsoft.com/office/drawing/2014/main" id="{44C333CF-3C8D-449C-AECD-FD09A3194E3C}"/>
+                  </a:ext>
+                </a:extLst>
+              </p:cNvPr>
               <p:cNvSpPr txBox="1"/>
               <p:nvPr/>
             </p:nvSpPr>
             <p:spPr>
               <a:xfrm>
-                <a:off x="3388878" y="2906012"/>
-                <a:ext cx="635573" cy="447682"/>
+                <a:off x="6613228" y="1322803"/>
+                <a:ext cx="1641504" cy="447682"/>
               </a:xfrm>
               <a:prstGeom prst="rect">
                 <a:avLst/>
@@ -17985,1977 +19268,7 @@
                     <a:ea typeface="Segoe UI" pitchFamily="34" charset="0"/>
                     <a:cs typeface="Calibri"/>
                   </a:rPr>
-                  <a:t>Subnet B</a:t>
-                </a:r>
-              </a:p>
-            </p:txBody>
-          </p:sp>
-          <p:pic>
-            <p:nvPicPr>
-              <p:cNvPr id="166" name="Picture 165"/>
-              <p:cNvPicPr>
-                <a:picLocks noChangeAspect="1"/>
-              </p:cNvPicPr>
-              <p:nvPr/>
-            </p:nvPicPr>
-            <p:blipFill>
-              <a:blip r:embed="rId9" cstate="print">
-                <a:duotone>
-                  <a:schemeClr val="accent6">
-                    <a:shade val="45000"/>
-                    <a:satMod val="135000"/>
-                  </a:schemeClr>
-                  <a:prstClr val="white"/>
-                </a:duotone>
-                <a:extLst>
-                  <a:ext uri="{28A0092B-C50C-407E-A947-70E740481C1C}">
-                    <a14:useLocalDpi xmlns:a14="http://schemas.microsoft.com/office/drawing/2010/main" val="0"/>
-                  </a:ext>
-                </a:extLst>
-              </a:blip>
-              <a:stretch>
-                <a:fillRect/>
-              </a:stretch>
-            </p:blipFill>
-            <p:spPr>
-              <a:xfrm>
-                <a:off x="5974122" y="3084522"/>
-                <a:ext cx="267441" cy="267441"/>
-              </a:xfrm>
-              <a:prstGeom prst="rect">
-                <a:avLst/>
-              </a:prstGeom>
-            </p:spPr>
-          </p:pic>
-          <p:sp>
-            <p:nvSpPr>
-              <p:cNvPr id="167" name="TextBox 166"/>
-              <p:cNvSpPr txBox="1"/>
-              <p:nvPr/>
-            </p:nvSpPr>
-            <p:spPr>
-              <a:xfrm>
-                <a:off x="6190403" y="3049913"/>
-                <a:ext cx="691992" cy="447682"/>
-              </a:xfrm>
-              <a:prstGeom prst="rect">
-                <a:avLst/>
-              </a:prstGeom>
-              <a:ln>
-                <a:noFill/>
-              </a:ln>
-            </p:spPr>
-            <p:txBody>
-              <a:bodyPr vert="horz" wrap="none" lIns="91440" tIns="91440" rIns="91440" bIns="91440" rtlCol="0" anchor="t">
-                <a:noAutofit/>
-              </a:bodyPr>
-              <a:lstStyle/>
-              <a:p>
-                <a:r>
-                  <a:rPr lang="en-US" sz="1100" dirty="0">
-                    <a:solidFill>
-                      <a:schemeClr val="tx1">
-                        <a:lumMod val="60000"/>
-                        <a:lumOff val="40000"/>
-                      </a:schemeClr>
-                    </a:solidFill>
-                    <a:latin typeface="Calibri"/>
-                    <a:ea typeface="Segoe UI" pitchFamily="34" charset="0"/>
-                    <a:cs typeface="Calibri"/>
-                  </a:rPr>
-                  <a:t>NSG</a:t>
-                </a:r>
-              </a:p>
-            </p:txBody>
-          </p:sp>
-          <p:pic>
-            <p:nvPicPr>
-              <p:cNvPr id="175" name="Picture 174"/>
-              <p:cNvPicPr>
-                <a:picLocks noChangeAspect="1"/>
-              </p:cNvPicPr>
-              <p:nvPr/>
-            </p:nvPicPr>
-            <p:blipFill>
-              <a:blip r:embed="rId7" cstate="print">
-                <a:extLst>
-                  <a:ext uri="{28A0092B-C50C-407E-A947-70E740481C1C}">
-                    <a14:useLocalDpi xmlns:a14="http://schemas.microsoft.com/office/drawing/2010/main" val="0"/>
-                  </a:ext>
-                </a:extLst>
-              </a:blip>
-              <a:stretch>
-                <a:fillRect/>
-              </a:stretch>
-            </p:blipFill>
-            <p:spPr>
-              <a:xfrm>
-                <a:off x="3739467" y="4446293"/>
-                <a:ext cx="457200" cy="457200"/>
-              </a:xfrm>
-              <a:prstGeom prst="rect">
-                <a:avLst/>
-              </a:prstGeom>
-            </p:spPr>
-          </p:pic>
-          <p:sp>
-            <p:nvSpPr>
-              <p:cNvPr id="176" name="TextBox 175"/>
-              <p:cNvSpPr txBox="1"/>
-              <p:nvPr/>
-            </p:nvSpPr>
-            <p:spPr>
-              <a:xfrm>
-                <a:off x="4224980" y="4374242"/>
-                <a:ext cx="1448803" cy="566679"/>
-              </a:xfrm>
-              <a:prstGeom prst="rect">
-                <a:avLst/>
-              </a:prstGeom>
-              <a:ln>
-                <a:noFill/>
-              </a:ln>
-            </p:spPr>
-            <p:txBody>
-              <a:bodyPr vert="horz" wrap="none" lIns="91440" tIns="91440" rIns="91440" bIns="91440" rtlCol="0" anchor="t">
-                <a:noAutofit/>
-              </a:bodyPr>
-              <a:lstStyle/>
-              <a:p>
-                <a:r>
-                  <a:rPr lang="en-US" sz="1200">
-                    <a:latin typeface="Calibri"/>
-                    <a:ea typeface="Segoe UI" pitchFamily="34" charset="0"/>
-                    <a:cs typeface="Calibri"/>
-                  </a:rPr>
-                  <a:t>Call Center Website</a:t>
-                </a:r>
-              </a:p>
-              <a:p>
-                <a:r>
-                  <a:rPr lang="en-US" sz="1200">
-                    <a:latin typeface="Calibri"/>
-                    <a:ea typeface="Segoe UI" pitchFamily="34" charset="0"/>
-                    <a:cs typeface="Calibri"/>
-                  </a:rPr>
-                  <a:t>Web App</a:t>
-                </a:r>
-              </a:p>
-              <a:p>
-                <a:endParaRPr lang="en-US" sz="1200" err="1">
-                  <a:latin typeface="Calibri"/>
-                  <a:ea typeface="Segoe UI" pitchFamily="34" charset="0"/>
-                  <a:cs typeface="Calibri"/>
-                </a:endParaRPr>
-              </a:p>
-            </p:txBody>
-          </p:sp>
-          <p:sp>
-            <p:nvSpPr>
-              <p:cNvPr id="68" name="TextBox 67"/>
-              <p:cNvSpPr txBox="1"/>
-              <p:nvPr/>
-            </p:nvSpPr>
-            <p:spPr>
-              <a:xfrm>
-                <a:off x="4212421" y="4981294"/>
-                <a:ext cx="1448803" cy="566679"/>
-              </a:xfrm>
-              <a:prstGeom prst="rect">
-                <a:avLst/>
-              </a:prstGeom>
-              <a:ln>
-                <a:noFill/>
-              </a:ln>
-            </p:spPr>
-            <p:txBody>
-              <a:bodyPr vert="horz" wrap="none" lIns="91440" tIns="91440" rIns="91440" bIns="91440" rtlCol="0" anchor="t">
-                <a:noAutofit/>
-              </a:bodyPr>
-              <a:lstStyle/>
-              <a:p>
-                <a:r>
-                  <a:rPr lang="en-US" sz="1200">
-                    <a:latin typeface="Calibri"/>
-                    <a:ea typeface="Segoe UI" pitchFamily="34" charset="0"/>
-                    <a:cs typeface="Calibri"/>
-                  </a:rPr>
-                  <a:t>Offers Service</a:t>
-                </a:r>
-              </a:p>
-              <a:p>
-                <a:r>
-                  <a:rPr lang="en-US" sz="1200">
-                    <a:latin typeface="Calibri"/>
-                    <a:ea typeface="Segoe UI" pitchFamily="34" charset="0"/>
-                    <a:cs typeface="Calibri"/>
-                  </a:rPr>
-                  <a:t>API App</a:t>
-                </a:r>
-              </a:p>
-              <a:p>
-                <a:endParaRPr lang="en-US" sz="1200" err="1">
-                  <a:latin typeface="Calibri"/>
-                  <a:ea typeface="Segoe UI" pitchFamily="34" charset="0"/>
-                  <a:cs typeface="Calibri"/>
-                </a:endParaRPr>
-              </a:p>
-            </p:txBody>
-          </p:sp>
-          <p:pic>
-            <p:nvPicPr>
-              <p:cNvPr id="17" name="Picture 16"/>
-              <p:cNvPicPr>
-                <a:picLocks noChangeAspect="1"/>
-              </p:cNvPicPr>
-              <p:nvPr/>
-            </p:nvPicPr>
-            <p:blipFill>
-              <a:blip r:embed="rId10" cstate="print">
-                <a:extLst>
-                  <a:ext uri="{28A0092B-C50C-407E-A947-70E740481C1C}">
-                    <a14:useLocalDpi xmlns:a14="http://schemas.microsoft.com/office/drawing/2010/main" val="0"/>
-                  </a:ext>
-                </a:extLst>
-              </a:blip>
-              <a:stretch>
-                <a:fillRect/>
-              </a:stretch>
-            </p:blipFill>
-            <p:spPr>
-              <a:xfrm>
-                <a:off x="3737323" y="5067135"/>
-                <a:ext cx="481713" cy="481713"/>
-              </a:xfrm>
-              <a:prstGeom prst="rect">
-                <a:avLst/>
-              </a:prstGeom>
-            </p:spPr>
-          </p:pic>
-        </p:grpSp>
-        <p:cxnSp>
-          <p:nvCxnSpPr>
-            <p:cNvPr id="125" name="Elbow Connector 181">
-              <a:extLst>
-                <a:ext uri="{FF2B5EF4-FFF2-40B4-BE49-F238E27FC236}">
-                  <a16:creationId xmlns:a16="http://schemas.microsoft.com/office/drawing/2014/main" id="{C323FB05-BEE2-4E9C-9E47-ABAC6438B69E}"/>
-                </a:ext>
-              </a:extLst>
-            </p:cNvPr>
-            <p:cNvCxnSpPr>
-              <a:cxnSpLocks/>
-              <a:stCxn id="114" idx="1"/>
-              <a:endCxn id="9" idx="1"/>
-            </p:cNvCxnSpPr>
-            <p:nvPr/>
-          </p:nvCxnSpPr>
-          <p:spPr>
-            <a:xfrm rot="10800000" flipV="1">
-              <a:off x="2852698" y="2563838"/>
-              <a:ext cx="855266" cy="2091795"/>
-            </a:xfrm>
-            <a:prstGeom prst="bentConnector3">
-              <a:avLst>
-                <a:gd name="adj1" fmla="val 199702"/>
-              </a:avLst>
-            </a:prstGeom>
-            <a:ln>
-              <a:tailEnd type="triangle"/>
-            </a:ln>
-          </p:spPr>
-          <p:style>
-            <a:lnRef idx="1">
-              <a:schemeClr val="accent2"/>
-            </a:lnRef>
-            <a:fillRef idx="0">
-              <a:schemeClr val="accent2"/>
-            </a:fillRef>
-            <a:effectRef idx="0">
-              <a:schemeClr val="accent2"/>
-            </a:effectRef>
-            <a:fontRef idx="minor">
-              <a:schemeClr val="tx1"/>
-            </a:fontRef>
-          </p:style>
-        </p:cxnSp>
-        <p:grpSp>
-          <p:nvGrpSpPr>
-            <p:cNvPr id="20" name="Group 19">
-              <a:extLst>
-                <a:ext uri="{FF2B5EF4-FFF2-40B4-BE49-F238E27FC236}">
-                  <a16:creationId xmlns:a16="http://schemas.microsoft.com/office/drawing/2014/main" id="{79A59724-DDA1-4FD0-9CDC-CF0385769D83}"/>
-                </a:ext>
-              </a:extLst>
-            </p:cNvPr>
-            <p:cNvGrpSpPr/>
-            <p:nvPr/>
-          </p:nvGrpSpPr>
-          <p:grpSpPr>
-            <a:xfrm>
-              <a:off x="3150368" y="1861507"/>
-              <a:ext cx="1950273" cy="1972327"/>
-              <a:chOff x="1410056" y="3723088"/>
-              <a:chExt cx="1950273" cy="1972327"/>
-            </a:xfrm>
-          </p:grpSpPr>
-          <p:pic>
-            <p:nvPicPr>
-              <p:cNvPr id="114" name="Picture 113" descr="A picture containing text&#10;&#10;Description generated with high confidence">
-                <a:extLst>
-                  <a:ext uri="{FF2B5EF4-FFF2-40B4-BE49-F238E27FC236}">
-                    <a16:creationId xmlns:a16="http://schemas.microsoft.com/office/drawing/2014/main" id="{E4B7027C-CD32-48AE-9225-5D152C9212B9}"/>
-                  </a:ext>
-                </a:extLst>
-              </p:cNvPr>
-              <p:cNvPicPr>
-                <a:picLocks noChangeAspect="1"/>
-              </p:cNvPicPr>
-              <p:nvPr/>
-            </p:nvPicPr>
-            <p:blipFill>
-              <a:blip r:embed="rId11" cstate="print">
-                <a:extLst>
-                  <a:ext uri="{28A0092B-C50C-407E-A947-70E740481C1C}">
-                    <a14:useLocalDpi xmlns:a14="http://schemas.microsoft.com/office/drawing/2010/main" val="0"/>
-                  </a:ext>
-                </a:extLst>
-              </a:blip>
-              <a:stretch>
-                <a:fillRect/>
-              </a:stretch>
-            </p:blipFill>
-            <p:spPr>
-              <a:xfrm>
-                <a:off x="1967652" y="4196820"/>
-                <a:ext cx="457200" cy="457200"/>
-              </a:xfrm>
-              <a:prstGeom prst="rect">
-                <a:avLst/>
-              </a:prstGeom>
-            </p:spPr>
-          </p:pic>
-          <p:sp>
-            <p:nvSpPr>
-              <p:cNvPr id="115" name="TextBox 114">
-                <a:extLst>
-                  <a:ext uri="{FF2B5EF4-FFF2-40B4-BE49-F238E27FC236}">
-                    <a16:creationId xmlns:a16="http://schemas.microsoft.com/office/drawing/2014/main" id="{4DAB1B9F-B6B9-47F2-941D-4B1E67105AAE}"/>
-                  </a:ext>
-                </a:extLst>
-              </p:cNvPr>
-              <p:cNvSpPr txBox="1"/>
-              <p:nvPr/>
-            </p:nvSpPr>
-            <p:spPr>
-              <a:xfrm>
-                <a:off x="1470412" y="4565977"/>
-                <a:ext cx="1451681" cy="462269"/>
-              </a:xfrm>
-              <a:prstGeom prst="rect">
-                <a:avLst/>
-              </a:prstGeom>
-              <a:ln>
-                <a:noFill/>
-              </a:ln>
-            </p:spPr>
-            <p:txBody>
-              <a:bodyPr vert="horz" wrap="none" lIns="91440" tIns="91440" rIns="91440" bIns="91440" rtlCol="0" anchor="t">
-                <a:noAutofit/>
-              </a:bodyPr>
-              <a:lstStyle/>
-              <a:p>
-                <a:pPr algn="ctr"/>
-                <a:r>
-                  <a:rPr lang="en-US" sz="1200" dirty="0">
-                    <a:latin typeface="Calibri"/>
-                    <a:ea typeface="Segoe UI" pitchFamily="34" charset="0"/>
-                    <a:cs typeface="Calibri"/>
-                  </a:rPr>
-                  <a:t>App Gateway w/WAF</a:t>
-                </a:r>
-              </a:p>
-              <a:p>
-                <a:pPr algn="ctr"/>
-                <a:r>
-                  <a:rPr lang="en-US" sz="1000" dirty="0">
-                    <a:latin typeface="Calibri"/>
-                    <a:ea typeface="Segoe UI" pitchFamily="34" charset="0"/>
-                    <a:cs typeface="Calibri"/>
-                  </a:rPr>
-                  <a:t>Secure Web Traffic</a:t>
-                </a:r>
-                <a:br>
-                  <a:rPr lang="en-US" sz="1000" dirty="0">
-                    <a:latin typeface="Calibri"/>
-                    <a:ea typeface="Segoe UI" pitchFamily="34" charset="0"/>
-                    <a:cs typeface="Calibri"/>
-                  </a:rPr>
-                </a:br>
-                <a:r>
-                  <a:rPr lang="en-US" sz="1000" dirty="0">
-                    <a:latin typeface="Calibri"/>
-                    <a:ea typeface="Segoe UI" pitchFamily="34" charset="0"/>
-                    <a:cs typeface="Calibri"/>
-                  </a:rPr>
-                  <a:t>(HTTP/S, Web Sockets)</a:t>
-                </a:r>
-              </a:p>
-              <a:p>
-                <a:pPr algn="ctr"/>
-                <a:endParaRPr lang="en-US" sz="1200" dirty="0">
-                  <a:latin typeface="Calibri"/>
-                  <a:ea typeface="Segoe UI" pitchFamily="34" charset="0"/>
-                  <a:cs typeface="Calibri"/>
-                </a:endParaRPr>
-              </a:p>
-            </p:txBody>
-          </p:sp>
-          <p:sp>
-            <p:nvSpPr>
-              <p:cNvPr id="117" name="Rounded Rectangle 129">
-                <a:extLst>
-                  <a:ext uri="{FF2B5EF4-FFF2-40B4-BE49-F238E27FC236}">
-                    <a16:creationId xmlns:a16="http://schemas.microsoft.com/office/drawing/2014/main" id="{E71B5B07-AC4E-47F2-8305-F5A7BC1C2F58}"/>
-                  </a:ext>
-                </a:extLst>
-              </p:cNvPr>
-              <p:cNvSpPr/>
-              <p:nvPr/>
-            </p:nvSpPr>
-            <p:spPr>
-              <a:xfrm>
-                <a:off x="1460093" y="4086241"/>
-                <a:ext cx="1459103" cy="1158222"/>
-              </a:xfrm>
-              <a:prstGeom prst="roundRect">
-                <a:avLst>
-                  <a:gd name="adj" fmla="val 5638"/>
-                </a:avLst>
-              </a:prstGeom>
-              <a:noFill/>
-              <a:ln w="28575">
-                <a:solidFill>
-                  <a:schemeClr val="bg2"/>
-                </a:solidFill>
-                <a:prstDash val="sysDot"/>
-              </a:ln>
-            </p:spPr>
-            <p:style>
-              <a:lnRef idx="2">
-                <a:schemeClr val="accent1">
-                  <a:shade val="50000"/>
-                </a:schemeClr>
-              </a:lnRef>
-              <a:fillRef idx="1">
-                <a:schemeClr val="accent1"/>
-              </a:fillRef>
-              <a:effectRef idx="0">
-                <a:schemeClr val="accent1"/>
-              </a:effectRef>
-              <a:fontRef idx="minor">
-                <a:schemeClr val="lt1"/>
-              </a:fontRef>
-            </p:style>
-            <p:txBody>
-              <a:bodyPr rot="0" spcFirstLastPara="0" vertOverflow="overflow" horzOverflow="overflow" vert="horz" wrap="square" lIns="91427" tIns="91427" rIns="91427" bIns="91427" numCol="1" spcCol="0" rtlCol="0" fromWordArt="0" anchor="b" anchorCtr="0" forceAA="0" compatLnSpc="1">
-                <a:prstTxWarp prst="textNoShape">
-                  <a:avLst/>
-                </a:prstTxWarp>
-                <a:noAutofit/>
-              </a:bodyPr>
-              <a:lstStyle/>
-              <a:p>
-                <a:pPr algn="r" defTabSz="914225"/>
-                <a:r>
-                  <a:rPr lang="en-US" sz="1200" err="1">
-                    <a:solidFill>
-                      <a:prstClr val="white"/>
-                    </a:solidFill>
-                  </a:rPr>
-                  <a:t> </a:t>
-                </a:r>
-              </a:p>
-            </p:txBody>
-          </p:sp>
-          <p:sp>
-            <p:nvSpPr>
-              <p:cNvPr id="118" name="TextBox 117">
-                <a:extLst>
-                  <a:ext uri="{FF2B5EF4-FFF2-40B4-BE49-F238E27FC236}">
-                    <a16:creationId xmlns:a16="http://schemas.microsoft.com/office/drawing/2014/main" id="{3559A281-4CF1-4354-99B7-0B208772D299}"/>
-                  </a:ext>
-                </a:extLst>
-              </p:cNvPr>
-              <p:cNvSpPr txBox="1"/>
-              <p:nvPr/>
-            </p:nvSpPr>
-            <p:spPr>
-              <a:xfrm>
-                <a:off x="2196841" y="3723088"/>
-                <a:ext cx="1028813" cy="447682"/>
-              </a:xfrm>
-              <a:prstGeom prst="rect">
-                <a:avLst/>
-              </a:prstGeom>
-              <a:ln>
-                <a:noFill/>
-              </a:ln>
-            </p:spPr>
-            <p:txBody>
-              <a:bodyPr vert="horz" wrap="none" lIns="91440" tIns="91440" rIns="91440" bIns="91440" rtlCol="0" anchor="t">
-                <a:noAutofit/>
-              </a:bodyPr>
-              <a:lstStyle/>
-              <a:p>
-                <a:pPr algn="r"/>
-                <a:r>
-                  <a:rPr lang="en-US" sz="1600" dirty="0">
-                    <a:solidFill>
-                      <a:schemeClr val="tx1">
-                        <a:lumMod val="60000"/>
-                        <a:lumOff val="40000"/>
-                      </a:schemeClr>
-                    </a:solidFill>
-                    <a:latin typeface="Calibri"/>
-                    <a:ea typeface="Segoe UI" pitchFamily="34" charset="0"/>
-                    <a:cs typeface="Calibri"/>
-                  </a:rPr>
-                  <a:t>SubnetA </a:t>
-                </a:r>
-              </a:p>
-            </p:txBody>
-          </p:sp>
-          <p:pic>
-            <p:nvPicPr>
-              <p:cNvPr id="148" name="Picture 147">
-                <a:extLst>
-                  <a:ext uri="{FF2B5EF4-FFF2-40B4-BE49-F238E27FC236}">
-                    <a16:creationId xmlns:a16="http://schemas.microsoft.com/office/drawing/2014/main" id="{F13B96E4-5ABC-4C4C-BC18-F903D1968F2B}"/>
-                  </a:ext>
-                </a:extLst>
-              </p:cNvPr>
-              <p:cNvPicPr>
-                <a:picLocks noChangeAspect="1"/>
-              </p:cNvPicPr>
-              <p:nvPr/>
-            </p:nvPicPr>
-            <p:blipFill>
-              <a:blip r:embed="rId9" cstate="print">
-                <a:duotone>
-                  <a:schemeClr val="accent6">
-                    <a:shade val="45000"/>
-                    <a:satMod val="135000"/>
-                  </a:schemeClr>
-                  <a:prstClr val="white"/>
-                </a:duotone>
-                <a:extLst>
-                  <a:ext uri="{28A0092B-C50C-407E-A947-70E740481C1C}">
-                    <a14:useLocalDpi xmlns:a14="http://schemas.microsoft.com/office/drawing/2010/main" val="0"/>
-                  </a:ext>
-                </a:extLst>
-              </a:blip>
-              <a:stretch>
-                <a:fillRect/>
-              </a:stretch>
-            </p:blipFill>
-            <p:spPr>
-              <a:xfrm>
-                <a:off x="1410056" y="5199374"/>
-                <a:ext cx="267441" cy="267441"/>
-              </a:xfrm>
-              <a:prstGeom prst="rect">
-                <a:avLst/>
-              </a:prstGeom>
-            </p:spPr>
-          </p:pic>
-          <p:sp>
-            <p:nvSpPr>
-              <p:cNvPr id="149" name="TextBox 148">
-                <a:extLst>
-                  <a:ext uri="{FF2B5EF4-FFF2-40B4-BE49-F238E27FC236}">
-                    <a16:creationId xmlns:a16="http://schemas.microsoft.com/office/drawing/2014/main" id="{0A70E977-B822-4378-9E3F-E61953C755B2}"/>
-                  </a:ext>
-                </a:extLst>
-              </p:cNvPr>
-              <p:cNvSpPr txBox="1"/>
-              <p:nvPr/>
-            </p:nvSpPr>
-            <p:spPr>
-              <a:xfrm>
-                <a:off x="1626626" y="5247733"/>
-                <a:ext cx="1733703" cy="447682"/>
-              </a:xfrm>
-              <a:prstGeom prst="rect">
-                <a:avLst/>
-              </a:prstGeom>
-              <a:ln>
-                <a:noFill/>
-              </a:ln>
-            </p:spPr>
-            <p:txBody>
-              <a:bodyPr vert="horz" wrap="none" lIns="91440" tIns="91440" rIns="91440" bIns="91440" rtlCol="0" anchor="t">
-                <a:noAutofit/>
-              </a:bodyPr>
-              <a:lstStyle/>
-              <a:p>
-                <a:r>
-                  <a:rPr lang="en-US" sz="1100" dirty="0">
-                    <a:solidFill>
-                      <a:schemeClr val="tx1">
-                        <a:lumMod val="60000"/>
-                        <a:lumOff val="40000"/>
-                      </a:schemeClr>
-                    </a:solidFill>
-                    <a:latin typeface="Calibri"/>
-                    <a:ea typeface="Segoe UI" pitchFamily="34" charset="0"/>
-                    <a:cs typeface="Calibri"/>
-                  </a:rPr>
-                  <a:t>Restricted by NSG</a:t>
-                </a:r>
-              </a:p>
-            </p:txBody>
-          </p:sp>
-        </p:grpSp>
-        <p:sp>
-          <p:nvSpPr>
-            <p:cNvPr id="98" name="TextBox 97">
-              <a:extLst>
-                <a:ext uri="{FF2B5EF4-FFF2-40B4-BE49-F238E27FC236}">
-                  <a16:creationId xmlns:a16="http://schemas.microsoft.com/office/drawing/2014/main" id="{8CEA0FAD-FB6B-48E5-93F8-26561B4A7B8C}"/>
-                </a:ext>
-              </a:extLst>
-            </p:cNvPr>
-            <p:cNvSpPr txBox="1"/>
-            <p:nvPr/>
-          </p:nvSpPr>
-          <p:spPr>
-            <a:xfrm>
-              <a:off x="2258113" y="1326081"/>
-              <a:ext cx="635573" cy="447682"/>
-            </a:xfrm>
-            <a:prstGeom prst="rect">
-              <a:avLst/>
-            </a:prstGeom>
-            <a:ln>
-              <a:noFill/>
-            </a:ln>
-          </p:spPr>
-          <p:txBody>
-            <a:bodyPr vert="horz" wrap="none" lIns="91440" tIns="91440" rIns="91440" bIns="91440" rtlCol="0" anchor="t">
-              <a:noAutofit/>
-            </a:bodyPr>
-            <a:lstStyle/>
-            <a:p>
-              <a:pPr algn="r"/>
-              <a:r>
-                <a:rPr lang="en-US" sz="1600" dirty="0">
-                  <a:solidFill>
-                    <a:schemeClr val="tx1">
-                      <a:lumMod val="60000"/>
-                      <a:lumOff val="40000"/>
-                    </a:schemeClr>
-                  </a:solidFill>
-                  <a:latin typeface="Calibri"/>
-                  <a:ea typeface="Segoe UI" pitchFamily="34" charset="0"/>
-                  <a:cs typeface="Calibri"/>
-                </a:rPr>
-                <a:t>Region 1</a:t>
-              </a:r>
-            </a:p>
-          </p:txBody>
-        </p:sp>
-        <p:pic>
-          <p:nvPicPr>
-            <p:cNvPr id="26" name="Graphic 25" descr="Earth Globe Americas">
-              <a:extLst>
-                <a:ext uri="{FF2B5EF4-FFF2-40B4-BE49-F238E27FC236}">
-                  <a16:creationId xmlns:a16="http://schemas.microsoft.com/office/drawing/2014/main" id="{CEB77539-96A4-406B-A992-1FC72760EE6D}"/>
-                </a:ext>
-              </a:extLst>
-            </p:cNvPr>
-            <p:cNvPicPr>
-              <a:picLocks noChangeAspect="1"/>
-            </p:cNvPicPr>
-            <p:nvPr/>
-          </p:nvPicPr>
-          <p:blipFill>
-            <a:blip r:embed="rId12">
-              <a:extLst>
-                <a:ext uri="{28A0092B-C50C-407E-A947-70E740481C1C}">
-                  <a14:useLocalDpi xmlns:a14="http://schemas.microsoft.com/office/drawing/2010/main" val="0"/>
-                </a:ext>
-                <a:ext uri="{96DAC541-7B7A-43D3-8B79-37D633B846F1}">
-                  <asvg:svgBlip xmlns:asvg="http://schemas.microsoft.com/office/drawing/2016/SVG/main" r:embed="rId13"/>
-                </a:ext>
-              </a:extLst>
-            </a:blip>
-            <a:stretch>
-              <a:fillRect/>
-            </a:stretch>
-          </p:blipFill>
-          <p:spPr>
-            <a:xfrm>
-              <a:off x="1536667" y="1279245"/>
-              <a:ext cx="525756" cy="525756"/>
-            </a:xfrm>
-            <a:prstGeom prst="rect">
-              <a:avLst/>
-            </a:prstGeom>
-          </p:spPr>
-        </p:pic>
-      </p:grpSp>
-      <p:pic>
-        <p:nvPicPr>
-          <p:cNvPr id="29" name="Graphic 28" descr="Earth Globe Europe-Africa">
-            <a:extLst>
-              <a:ext uri="{FF2B5EF4-FFF2-40B4-BE49-F238E27FC236}">
-                <a16:creationId xmlns:a16="http://schemas.microsoft.com/office/drawing/2014/main" id="{0C2874F2-C3C3-493F-89E3-3C1EF56D91C1}"/>
-              </a:ext>
-            </a:extLst>
-          </p:cNvPr>
-          <p:cNvPicPr>
-            <a:picLocks noChangeAspect="1"/>
-          </p:cNvPicPr>
-          <p:nvPr/>
-        </p:nvPicPr>
-        <p:blipFill>
-          <a:blip r:embed="rId14">
-            <a:extLst>
-              <a:ext uri="{28A0092B-C50C-407E-A947-70E740481C1C}">
-                <a14:useLocalDpi xmlns:a14="http://schemas.microsoft.com/office/drawing/2010/main" val="0"/>
-              </a:ext>
-              <a:ext uri="{96DAC541-7B7A-43D3-8B79-37D633B846F1}">
-                <asvg:svgBlip xmlns:asvg="http://schemas.microsoft.com/office/drawing/2016/SVG/main" r:embed="rId15"/>
-              </a:ext>
-            </a:extLst>
-          </a:blip>
-          <a:stretch>
-            <a:fillRect/>
-          </a:stretch>
-        </p:blipFill>
-        <p:spPr>
-          <a:xfrm>
-            <a:off x="11178143" y="1282411"/>
-            <a:ext cx="525757" cy="525757"/>
-          </a:xfrm>
-          <a:prstGeom prst="rect">
-            <a:avLst/>
-          </a:prstGeom>
-        </p:spPr>
-      </p:pic>
-      <p:grpSp>
-        <p:nvGrpSpPr>
-          <p:cNvPr id="104" name="Group 103">
-            <a:extLst>
-              <a:ext uri="{FF2B5EF4-FFF2-40B4-BE49-F238E27FC236}">
-                <a16:creationId xmlns:a16="http://schemas.microsoft.com/office/drawing/2014/main" id="{3104C630-2D2E-498C-9084-508B96C23BFF}"/>
-              </a:ext>
-            </a:extLst>
-          </p:cNvPr>
-          <p:cNvGrpSpPr/>
-          <p:nvPr/>
-        </p:nvGrpSpPr>
-        <p:grpSpPr>
-          <a:xfrm>
-            <a:off x="7427404" y="1861507"/>
-            <a:ext cx="4391947" cy="4613485"/>
-            <a:chOff x="1373436" y="1864725"/>
-            <a:chExt cx="4391947" cy="4613485"/>
-          </a:xfrm>
-        </p:grpSpPr>
-        <p:pic>
-          <p:nvPicPr>
-            <p:cNvPr id="105" name="Picture 104">
-              <a:extLst>
-                <a:ext uri="{FF2B5EF4-FFF2-40B4-BE49-F238E27FC236}">
-                  <a16:creationId xmlns:a16="http://schemas.microsoft.com/office/drawing/2014/main" id="{151E8268-0ACC-431E-A0BC-035590B9E575}"/>
-                </a:ext>
-              </a:extLst>
-            </p:cNvPr>
-            <p:cNvPicPr>
-              <a:picLocks noChangeAspect="1"/>
-            </p:cNvPicPr>
-            <p:nvPr/>
-          </p:nvPicPr>
-          <p:blipFill>
-            <a:blip r:embed="rId6" cstate="print">
-              <a:extLst>
-                <a:ext uri="{28A0092B-C50C-407E-A947-70E740481C1C}">
-                  <a14:useLocalDpi xmlns:a14="http://schemas.microsoft.com/office/drawing/2010/main" val="0"/>
-                </a:ext>
-              </a:extLst>
-            </a:blip>
-            <a:stretch>
-              <a:fillRect/>
-            </a:stretch>
-          </p:blipFill>
-          <p:spPr>
-            <a:xfrm>
-              <a:off x="1586138" y="1908864"/>
-              <a:ext cx="457200" cy="457200"/>
-            </a:xfrm>
-            <a:prstGeom prst="rect">
-              <a:avLst/>
-            </a:prstGeom>
-          </p:spPr>
-        </p:pic>
-        <p:sp>
-          <p:nvSpPr>
-            <p:cNvPr id="107" name="Rounded Rectangle 121">
-              <a:extLst>
-                <a:ext uri="{FF2B5EF4-FFF2-40B4-BE49-F238E27FC236}">
-                  <a16:creationId xmlns:a16="http://schemas.microsoft.com/office/drawing/2014/main" id="{0B66CB98-4A8F-4A67-95DD-CA9E3088866B}"/>
-                </a:ext>
-              </a:extLst>
-            </p:cNvPr>
-            <p:cNvSpPr/>
-            <p:nvPr/>
-          </p:nvSpPr>
-          <p:spPr>
-            <a:xfrm>
-              <a:off x="1373436" y="1885897"/>
-              <a:ext cx="4391947" cy="4592313"/>
-            </a:xfrm>
-            <a:prstGeom prst="roundRect">
-              <a:avLst>
-                <a:gd name="adj" fmla="val 5638"/>
-              </a:avLst>
-            </a:prstGeom>
-            <a:noFill/>
-            <a:ln w="28575">
-              <a:solidFill>
-                <a:schemeClr val="accent5">
-                  <a:lumMod val="90000"/>
-                </a:schemeClr>
-              </a:solidFill>
-              <a:prstDash val="sysDot"/>
-            </a:ln>
-          </p:spPr>
-          <p:style>
-            <a:lnRef idx="2">
-              <a:schemeClr val="accent1">
-                <a:shade val="50000"/>
-              </a:schemeClr>
-            </a:lnRef>
-            <a:fillRef idx="1">
-              <a:schemeClr val="accent1"/>
-            </a:fillRef>
-            <a:effectRef idx="0">
-              <a:schemeClr val="accent1"/>
-            </a:effectRef>
-            <a:fontRef idx="minor">
-              <a:schemeClr val="lt1"/>
-            </a:fontRef>
-          </p:style>
-          <p:txBody>
-            <a:bodyPr rot="0" spcFirstLastPara="0" vertOverflow="overflow" horzOverflow="overflow" vert="horz" wrap="square" lIns="91427" tIns="91427" rIns="91427" bIns="91427" numCol="1" spcCol="0" rtlCol="0" fromWordArt="0" anchor="b" anchorCtr="0" forceAA="0" compatLnSpc="1">
-              <a:prstTxWarp prst="textNoShape">
-                <a:avLst/>
-              </a:prstTxWarp>
-              <a:noAutofit/>
-            </a:bodyPr>
-            <a:lstStyle/>
-            <a:p>
-              <a:pPr algn="r" defTabSz="914225"/>
-              <a:r>
-                <a:rPr lang="en-US" sz="1200" err="1">
-                  <a:solidFill>
-                    <a:prstClr val="white"/>
-                  </a:solidFill>
-                </a:rPr>
-                <a:t> </a:t>
-              </a:r>
-            </a:p>
-          </p:txBody>
-        </p:sp>
-        <p:sp>
-          <p:nvSpPr>
-            <p:cNvPr id="108" name="TextBox 107">
-              <a:extLst>
-                <a:ext uri="{FF2B5EF4-FFF2-40B4-BE49-F238E27FC236}">
-                  <a16:creationId xmlns:a16="http://schemas.microsoft.com/office/drawing/2014/main" id="{386BD4D4-C59D-4E19-AD8D-BB41245A9F0B}"/>
-                </a:ext>
-              </a:extLst>
-            </p:cNvPr>
-            <p:cNvSpPr txBox="1"/>
-            <p:nvPr/>
-          </p:nvSpPr>
-          <p:spPr>
-            <a:xfrm>
-              <a:off x="2060932" y="1895606"/>
-              <a:ext cx="635573" cy="447682"/>
-            </a:xfrm>
-            <a:prstGeom prst="rect">
-              <a:avLst/>
-            </a:prstGeom>
-            <a:ln>
-              <a:noFill/>
-            </a:ln>
-          </p:spPr>
-          <p:txBody>
-            <a:bodyPr vert="horz" wrap="none" lIns="91440" tIns="91440" rIns="91440" bIns="91440" rtlCol="0" anchor="t">
-              <a:noAutofit/>
-            </a:bodyPr>
-            <a:lstStyle/>
-            <a:p>
-              <a:pPr algn="r"/>
-              <a:r>
-                <a:rPr lang="en-US" sz="1600" dirty="0">
-                  <a:solidFill>
-                    <a:schemeClr val="tx1">
-                      <a:lumMod val="60000"/>
-                      <a:lumOff val="40000"/>
-                    </a:schemeClr>
-                  </a:solidFill>
-                  <a:latin typeface="Calibri"/>
-                  <a:ea typeface="Segoe UI" pitchFamily="34" charset="0"/>
-                  <a:cs typeface="Calibri"/>
-                </a:rPr>
-                <a:t>VNET</a:t>
-              </a:r>
-            </a:p>
-          </p:txBody>
-        </p:sp>
-        <p:grpSp>
-          <p:nvGrpSpPr>
-            <p:cNvPr id="109" name="Group 108">
-              <a:extLst>
-                <a:ext uri="{FF2B5EF4-FFF2-40B4-BE49-F238E27FC236}">
-                  <a16:creationId xmlns:a16="http://schemas.microsoft.com/office/drawing/2014/main" id="{ABDFA628-6936-4575-AADF-EE57F8E5164D}"/>
-                </a:ext>
-              </a:extLst>
-            </p:cNvPr>
-            <p:cNvGrpSpPr/>
-            <p:nvPr/>
-          </p:nvGrpSpPr>
-          <p:grpSpPr>
-            <a:xfrm>
-              <a:off x="2329026" y="3490397"/>
-              <a:ext cx="3436357" cy="2907435"/>
-              <a:chOff x="3202507" y="2906012"/>
-              <a:chExt cx="3436357" cy="2907435"/>
-            </a:xfrm>
-          </p:grpSpPr>
-          <p:pic>
-            <p:nvPicPr>
-              <p:cNvPr id="154" name="Picture 153">
-                <a:extLst>
-                  <a:ext uri="{FF2B5EF4-FFF2-40B4-BE49-F238E27FC236}">
-                    <a16:creationId xmlns:a16="http://schemas.microsoft.com/office/drawing/2014/main" id="{581FC42A-CF8A-4712-B272-116F4EFB9FEE}"/>
-                  </a:ext>
-                </a:extLst>
-              </p:cNvPr>
-              <p:cNvPicPr>
-                <a:picLocks noChangeAspect="1"/>
-              </p:cNvPicPr>
-              <p:nvPr/>
-            </p:nvPicPr>
-            <p:blipFill>
-              <a:blip r:embed="rId7" cstate="print">
-                <a:extLst>
-                  <a:ext uri="{28A0092B-C50C-407E-A947-70E740481C1C}">
-                    <a14:useLocalDpi xmlns:a14="http://schemas.microsoft.com/office/drawing/2010/main" val="0"/>
-                  </a:ext>
-                </a:extLst>
-              </a:blip>
-              <a:stretch>
-                <a:fillRect/>
-              </a:stretch>
-            </p:blipFill>
-            <p:spPr>
-              <a:xfrm>
-                <a:off x="3726179" y="3842649"/>
-                <a:ext cx="457200" cy="457200"/>
-              </a:xfrm>
-              <a:prstGeom prst="rect">
-                <a:avLst/>
-              </a:prstGeom>
-            </p:spPr>
-          </p:pic>
-          <p:sp>
-            <p:nvSpPr>
-              <p:cNvPr id="155" name="TextBox 154">
-                <a:extLst>
-                  <a:ext uri="{FF2B5EF4-FFF2-40B4-BE49-F238E27FC236}">
-                    <a16:creationId xmlns:a16="http://schemas.microsoft.com/office/drawing/2014/main" id="{7B001591-164C-47F4-97E5-2E63645F482C}"/>
-                  </a:ext>
-                </a:extLst>
-              </p:cNvPr>
-              <p:cNvSpPr txBox="1"/>
-              <p:nvPr/>
-            </p:nvSpPr>
-            <p:spPr>
-              <a:xfrm>
-                <a:off x="4211692" y="3770598"/>
-                <a:ext cx="1448803" cy="566679"/>
-              </a:xfrm>
-              <a:prstGeom prst="rect">
-                <a:avLst/>
-              </a:prstGeom>
-              <a:ln>
-                <a:noFill/>
-              </a:ln>
-            </p:spPr>
-            <p:txBody>
-              <a:bodyPr vert="horz" wrap="none" lIns="91440" tIns="91440" rIns="91440" bIns="91440" rtlCol="0" anchor="t">
-                <a:noAutofit/>
-              </a:bodyPr>
-              <a:lstStyle/>
-              <a:p>
-                <a:r>
-                  <a:rPr lang="en-US" sz="1200">
-                    <a:latin typeface="Calibri"/>
-                    <a:ea typeface="Segoe UI" pitchFamily="34" charset="0"/>
-                    <a:cs typeface="Calibri"/>
-                  </a:rPr>
-                  <a:t>E-commerce Website</a:t>
-                </a:r>
-              </a:p>
-              <a:p>
-                <a:r>
-                  <a:rPr lang="en-US" sz="1200">
-                    <a:latin typeface="Calibri"/>
-                    <a:ea typeface="Segoe UI" pitchFamily="34" charset="0"/>
-                    <a:cs typeface="Calibri"/>
-                  </a:rPr>
-                  <a:t>Web App</a:t>
-                </a:r>
-              </a:p>
-              <a:p>
-                <a:endParaRPr lang="en-US" sz="1200" err="1">
-                  <a:latin typeface="Calibri"/>
-                  <a:ea typeface="Segoe UI" pitchFamily="34" charset="0"/>
-                  <a:cs typeface="Calibri"/>
-                </a:endParaRPr>
-              </a:p>
-            </p:txBody>
-          </p:sp>
-          <p:sp>
-            <p:nvSpPr>
-              <p:cNvPr id="156" name="TextBox 155">
-                <a:extLst>
-                  <a:ext uri="{FF2B5EF4-FFF2-40B4-BE49-F238E27FC236}">
-                    <a16:creationId xmlns:a16="http://schemas.microsoft.com/office/drawing/2014/main" id="{242B75E2-3FC1-409B-948E-5314E6D7F927}"/>
-                  </a:ext>
-                </a:extLst>
-              </p:cNvPr>
-              <p:cNvSpPr txBox="1"/>
-              <p:nvPr/>
-            </p:nvSpPr>
-            <p:spPr>
-              <a:xfrm>
-                <a:off x="3599730" y="3361756"/>
-                <a:ext cx="2284804" cy="447682"/>
-              </a:xfrm>
-              <a:prstGeom prst="rect">
-                <a:avLst/>
-              </a:prstGeom>
-              <a:ln>
-                <a:noFill/>
-              </a:ln>
-            </p:spPr>
-            <p:txBody>
-              <a:bodyPr vert="horz" wrap="none" lIns="91440" tIns="91440" rIns="91440" bIns="91440" rtlCol="0" anchor="t">
-                <a:noAutofit/>
-              </a:bodyPr>
-              <a:lstStyle/>
-              <a:p>
-                <a:r>
-                  <a:rPr lang="en-US" sz="1600" dirty="0">
-                    <a:solidFill>
-                      <a:schemeClr val="tx1">
-                        <a:lumMod val="60000"/>
-                        <a:lumOff val="40000"/>
-                      </a:schemeClr>
-                    </a:solidFill>
-                    <a:latin typeface="Calibri"/>
-                    <a:ea typeface="Segoe UI" pitchFamily="34" charset="0"/>
-                    <a:cs typeface="Calibri"/>
-                  </a:rPr>
-                  <a:t>ILB App Service Environment</a:t>
-                </a:r>
-              </a:p>
-            </p:txBody>
-          </p:sp>
-          <p:sp>
-            <p:nvSpPr>
-              <p:cNvPr id="157" name="Rounded Rectangle 123">
-                <a:extLst>
-                  <a:ext uri="{FF2B5EF4-FFF2-40B4-BE49-F238E27FC236}">
-                    <a16:creationId xmlns:a16="http://schemas.microsoft.com/office/drawing/2014/main" id="{49963508-9009-4835-BB51-C34DB891B853}"/>
-                  </a:ext>
-                </a:extLst>
-              </p:cNvPr>
-              <p:cNvSpPr/>
-              <p:nvPr/>
-            </p:nvSpPr>
-            <p:spPr>
-              <a:xfrm>
-                <a:off x="3380552" y="3353695"/>
-                <a:ext cx="2721533" cy="2316996"/>
-              </a:xfrm>
-              <a:prstGeom prst="roundRect">
-                <a:avLst>
-                  <a:gd name="adj" fmla="val 5638"/>
-                </a:avLst>
-              </a:prstGeom>
-              <a:noFill/>
-              <a:ln w="19050">
-                <a:solidFill>
-                  <a:schemeClr val="accent5">
-                    <a:lumMod val="90000"/>
-                  </a:schemeClr>
-                </a:solidFill>
-                <a:prstDash val="solid"/>
-              </a:ln>
-            </p:spPr>
-            <p:style>
-              <a:lnRef idx="2">
-                <a:schemeClr val="accent1">
-                  <a:shade val="50000"/>
-                </a:schemeClr>
-              </a:lnRef>
-              <a:fillRef idx="1">
-                <a:schemeClr val="accent1"/>
-              </a:fillRef>
-              <a:effectRef idx="0">
-                <a:schemeClr val="accent1"/>
-              </a:effectRef>
-              <a:fontRef idx="minor">
-                <a:schemeClr val="lt1"/>
-              </a:fontRef>
-            </p:style>
-            <p:txBody>
-              <a:bodyPr rot="0" spcFirstLastPara="0" vertOverflow="overflow" horzOverflow="overflow" vert="horz" wrap="square" lIns="91427" tIns="91427" rIns="91427" bIns="91427" numCol="1" spcCol="0" rtlCol="0" fromWordArt="0" anchor="b" anchorCtr="0" forceAA="0" compatLnSpc="1">
-                <a:prstTxWarp prst="textNoShape">
-                  <a:avLst/>
-                </a:prstTxWarp>
-                <a:noAutofit/>
-              </a:bodyPr>
-              <a:lstStyle/>
-              <a:p>
-                <a:pPr algn="r" defTabSz="914225"/>
-                <a:r>
-                  <a:rPr lang="en-US" sz="1200" err="1">
-                    <a:solidFill>
-                      <a:prstClr val="white"/>
-                    </a:solidFill>
-                  </a:rPr>
-                  <a:t> </a:t>
-                </a:r>
-              </a:p>
-            </p:txBody>
-          </p:sp>
-          <p:pic>
-            <p:nvPicPr>
-              <p:cNvPr id="159" name="Picture 158">
-                <a:extLst>
-                  <a:ext uri="{FF2B5EF4-FFF2-40B4-BE49-F238E27FC236}">
-                    <a16:creationId xmlns:a16="http://schemas.microsoft.com/office/drawing/2014/main" id="{FA0B7470-0480-4E92-B73A-D6CF6221661D}"/>
-                  </a:ext>
-                </a:extLst>
-              </p:cNvPr>
-              <p:cNvPicPr>
-                <a:picLocks noChangeAspect="1"/>
-              </p:cNvPicPr>
-              <p:nvPr/>
-            </p:nvPicPr>
-            <p:blipFill>
-              <a:blip r:embed="rId8" cstate="print">
-                <a:extLst>
-                  <a:ext uri="{28A0092B-C50C-407E-A947-70E740481C1C}">
-                    <a14:useLocalDpi xmlns:a14="http://schemas.microsoft.com/office/drawing/2010/main" val="0"/>
-                  </a:ext>
-                </a:extLst>
-              </a:blip>
-              <a:stretch>
-                <a:fillRect/>
-              </a:stretch>
-            </p:blipFill>
-            <p:spPr>
-              <a:xfrm>
-                <a:off x="3401122" y="3460539"/>
-                <a:ext cx="228600" cy="228600"/>
-              </a:xfrm>
-              <a:prstGeom prst="rect">
-                <a:avLst/>
-              </a:prstGeom>
-            </p:spPr>
-          </p:pic>
-          <p:sp>
-            <p:nvSpPr>
-              <p:cNvPr id="160" name="Rounded Rectangle 129">
-                <a:extLst>
-                  <a:ext uri="{FF2B5EF4-FFF2-40B4-BE49-F238E27FC236}">
-                    <a16:creationId xmlns:a16="http://schemas.microsoft.com/office/drawing/2014/main" id="{9E2A5D31-E7D6-4735-9871-68AC016F9053}"/>
-                  </a:ext>
-                </a:extLst>
-              </p:cNvPr>
-              <p:cNvSpPr/>
-              <p:nvPr/>
-            </p:nvSpPr>
-            <p:spPr>
-              <a:xfrm>
-                <a:off x="3202507" y="3219754"/>
-                <a:ext cx="3058028" cy="2593693"/>
-              </a:xfrm>
-              <a:prstGeom prst="roundRect">
-                <a:avLst>
-                  <a:gd name="adj" fmla="val 5638"/>
-                </a:avLst>
-              </a:prstGeom>
-              <a:noFill/>
-              <a:ln w="28575">
-                <a:solidFill>
-                  <a:schemeClr val="accent5">
-                    <a:lumMod val="90000"/>
-                  </a:schemeClr>
-                </a:solidFill>
-                <a:prstDash val="sysDot"/>
-              </a:ln>
-            </p:spPr>
-            <p:style>
-              <a:lnRef idx="2">
-                <a:schemeClr val="accent1">
-                  <a:shade val="50000"/>
-                </a:schemeClr>
-              </a:lnRef>
-              <a:fillRef idx="1">
-                <a:schemeClr val="accent1"/>
-              </a:fillRef>
-              <a:effectRef idx="0">
-                <a:schemeClr val="accent1"/>
-              </a:effectRef>
-              <a:fontRef idx="minor">
-                <a:schemeClr val="lt1"/>
-              </a:fontRef>
-            </p:style>
-            <p:txBody>
-              <a:bodyPr rot="0" spcFirstLastPara="0" vertOverflow="overflow" horzOverflow="overflow" vert="horz" wrap="square" lIns="91427" tIns="91427" rIns="91427" bIns="91427" numCol="1" spcCol="0" rtlCol="0" fromWordArt="0" anchor="b" anchorCtr="0" forceAA="0" compatLnSpc="1">
-                <a:prstTxWarp prst="textNoShape">
-                  <a:avLst/>
-                </a:prstTxWarp>
-                <a:noAutofit/>
-              </a:bodyPr>
-              <a:lstStyle/>
-              <a:p>
-                <a:pPr algn="r" defTabSz="914225"/>
-                <a:r>
-                  <a:rPr lang="en-US" sz="1200" err="1">
-                    <a:solidFill>
-                      <a:prstClr val="white"/>
-                    </a:solidFill>
-                  </a:rPr>
-                  <a:t> </a:t>
-                </a:r>
-              </a:p>
-            </p:txBody>
-          </p:sp>
-          <p:sp>
-            <p:nvSpPr>
-              <p:cNvPr id="164" name="TextBox 163">
-                <a:extLst>
-                  <a:ext uri="{FF2B5EF4-FFF2-40B4-BE49-F238E27FC236}">
-                    <a16:creationId xmlns:a16="http://schemas.microsoft.com/office/drawing/2014/main" id="{CAE5D432-C9FF-4688-BBFD-78D5E5B28288}"/>
-                  </a:ext>
-                </a:extLst>
-              </p:cNvPr>
-              <p:cNvSpPr txBox="1"/>
-              <p:nvPr/>
-            </p:nvSpPr>
-            <p:spPr>
-              <a:xfrm>
-                <a:off x="3388878" y="2906012"/>
-                <a:ext cx="635573" cy="447682"/>
-              </a:xfrm>
-              <a:prstGeom prst="rect">
-                <a:avLst/>
-              </a:prstGeom>
-              <a:ln>
-                <a:noFill/>
-              </a:ln>
-            </p:spPr>
-            <p:txBody>
-              <a:bodyPr vert="horz" wrap="none" lIns="91440" tIns="91440" rIns="91440" bIns="91440" rtlCol="0" anchor="t">
-                <a:noAutofit/>
-              </a:bodyPr>
-              <a:lstStyle/>
-              <a:p>
-                <a:pPr algn="r"/>
-                <a:r>
-                  <a:rPr lang="en-US" sz="1600" dirty="0">
-                    <a:solidFill>
-                      <a:schemeClr val="tx1">
-                        <a:lumMod val="60000"/>
-                        <a:lumOff val="40000"/>
-                      </a:schemeClr>
-                    </a:solidFill>
-                    <a:latin typeface="Calibri"/>
-                    <a:ea typeface="Segoe UI" pitchFamily="34" charset="0"/>
-                    <a:cs typeface="Calibri"/>
-                  </a:rPr>
-                  <a:t>Subnet B</a:t>
-                </a:r>
-              </a:p>
-            </p:txBody>
-          </p:sp>
-          <p:pic>
-            <p:nvPicPr>
-              <p:cNvPr id="165" name="Picture 164">
-                <a:extLst>
-                  <a:ext uri="{FF2B5EF4-FFF2-40B4-BE49-F238E27FC236}">
-                    <a16:creationId xmlns:a16="http://schemas.microsoft.com/office/drawing/2014/main" id="{A804D244-9CB9-425F-9EF2-E58D823FA39F}"/>
-                  </a:ext>
-                </a:extLst>
-              </p:cNvPr>
-              <p:cNvPicPr>
-                <a:picLocks noChangeAspect="1"/>
-              </p:cNvPicPr>
-              <p:nvPr/>
-            </p:nvPicPr>
-            <p:blipFill>
-              <a:blip r:embed="rId9" cstate="print">
-                <a:duotone>
-                  <a:schemeClr val="accent6">
-                    <a:shade val="45000"/>
-                    <a:satMod val="135000"/>
-                  </a:schemeClr>
-                  <a:prstClr val="white"/>
-                </a:duotone>
-                <a:extLst>
-                  <a:ext uri="{28A0092B-C50C-407E-A947-70E740481C1C}">
-                    <a14:useLocalDpi xmlns:a14="http://schemas.microsoft.com/office/drawing/2010/main" val="0"/>
-                  </a:ext>
-                </a:extLst>
-              </a:blip>
-              <a:stretch>
-                <a:fillRect/>
-              </a:stretch>
-            </p:blipFill>
-            <p:spPr>
-              <a:xfrm>
-                <a:off x="5974122" y="3084522"/>
-                <a:ext cx="267441" cy="267441"/>
-              </a:xfrm>
-              <a:prstGeom prst="rect">
-                <a:avLst/>
-              </a:prstGeom>
-            </p:spPr>
-          </p:pic>
-          <p:sp>
-            <p:nvSpPr>
-              <p:cNvPr id="172" name="TextBox 171">
-                <a:extLst>
-                  <a:ext uri="{FF2B5EF4-FFF2-40B4-BE49-F238E27FC236}">
-                    <a16:creationId xmlns:a16="http://schemas.microsoft.com/office/drawing/2014/main" id="{BD8A172A-5063-4D73-ACA3-794C6491767A}"/>
-                  </a:ext>
-                </a:extLst>
-              </p:cNvPr>
-              <p:cNvSpPr txBox="1"/>
-              <p:nvPr/>
-            </p:nvSpPr>
-            <p:spPr>
-              <a:xfrm>
-                <a:off x="6190403" y="3049913"/>
-                <a:ext cx="448461" cy="447682"/>
-              </a:xfrm>
-              <a:prstGeom prst="rect">
-                <a:avLst/>
-              </a:prstGeom>
-              <a:ln>
-                <a:noFill/>
-              </a:ln>
-            </p:spPr>
-            <p:txBody>
-              <a:bodyPr vert="horz" wrap="none" lIns="91440" tIns="91440" rIns="91440" bIns="91440" rtlCol="0" anchor="t">
-                <a:noAutofit/>
-              </a:bodyPr>
-              <a:lstStyle/>
-              <a:p>
-                <a:r>
-                  <a:rPr lang="en-US" sz="1100" dirty="0">
-                    <a:solidFill>
-                      <a:schemeClr val="tx1">
-                        <a:lumMod val="60000"/>
-                        <a:lumOff val="40000"/>
-                      </a:schemeClr>
-                    </a:solidFill>
-                    <a:latin typeface="Calibri"/>
-                    <a:ea typeface="Segoe UI" pitchFamily="34" charset="0"/>
-                    <a:cs typeface="Calibri"/>
-                  </a:rPr>
-                  <a:t>NSG</a:t>
-                </a:r>
-              </a:p>
-            </p:txBody>
-          </p:sp>
-          <p:pic>
-            <p:nvPicPr>
-              <p:cNvPr id="173" name="Picture 172">
-                <a:extLst>
-                  <a:ext uri="{FF2B5EF4-FFF2-40B4-BE49-F238E27FC236}">
-                    <a16:creationId xmlns:a16="http://schemas.microsoft.com/office/drawing/2014/main" id="{1DA59353-CD0A-4B94-8AF6-28524E4EDDD4}"/>
-                  </a:ext>
-                </a:extLst>
-              </p:cNvPr>
-              <p:cNvPicPr>
-                <a:picLocks noChangeAspect="1"/>
-              </p:cNvPicPr>
-              <p:nvPr/>
-            </p:nvPicPr>
-            <p:blipFill>
-              <a:blip r:embed="rId7" cstate="print">
-                <a:extLst>
-                  <a:ext uri="{28A0092B-C50C-407E-A947-70E740481C1C}">
-                    <a14:useLocalDpi xmlns:a14="http://schemas.microsoft.com/office/drawing/2010/main" val="0"/>
-                  </a:ext>
-                </a:extLst>
-              </a:blip>
-              <a:stretch>
-                <a:fillRect/>
-              </a:stretch>
-            </p:blipFill>
-            <p:spPr>
-              <a:xfrm>
-                <a:off x="3739467" y="4446293"/>
-                <a:ext cx="457200" cy="457200"/>
-              </a:xfrm>
-              <a:prstGeom prst="rect">
-                <a:avLst/>
-              </a:prstGeom>
-            </p:spPr>
-          </p:pic>
-          <p:sp>
-            <p:nvSpPr>
-              <p:cNvPr id="174" name="TextBox 173">
-                <a:extLst>
-                  <a:ext uri="{FF2B5EF4-FFF2-40B4-BE49-F238E27FC236}">
-                    <a16:creationId xmlns:a16="http://schemas.microsoft.com/office/drawing/2014/main" id="{6A2EEF52-2419-4B42-B81B-6E326B7F4AA3}"/>
-                  </a:ext>
-                </a:extLst>
-              </p:cNvPr>
-              <p:cNvSpPr txBox="1"/>
-              <p:nvPr/>
-            </p:nvSpPr>
-            <p:spPr>
-              <a:xfrm>
-                <a:off x="4224980" y="4374242"/>
-                <a:ext cx="1448803" cy="566679"/>
-              </a:xfrm>
-              <a:prstGeom prst="rect">
-                <a:avLst/>
-              </a:prstGeom>
-              <a:ln>
-                <a:noFill/>
-              </a:ln>
-            </p:spPr>
-            <p:txBody>
-              <a:bodyPr vert="horz" wrap="none" lIns="91440" tIns="91440" rIns="91440" bIns="91440" rtlCol="0" anchor="t">
-                <a:noAutofit/>
-              </a:bodyPr>
-              <a:lstStyle/>
-              <a:p>
-                <a:r>
-                  <a:rPr lang="en-US" sz="1200">
-                    <a:latin typeface="Calibri"/>
-                    <a:ea typeface="Segoe UI" pitchFamily="34" charset="0"/>
-                    <a:cs typeface="Calibri"/>
-                  </a:rPr>
-                  <a:t>Call Center Website</a:t>
-                </a:r>
-              </a:p>
-              <a:p>
-                <a:r>
-                  <a:rPr lang="en-US" sz="1200">
-                    <a:latin typeface="Calibri"/>
-                    <a:ea typeface="Segoe UI" pitchFamily="34" charset="0"/>
-                    <a:cs typeface="Calibri"/>
-                  </a:rPr>
-                  <a:t>Web App</a:t>
-                </a:r>
-              </a:p>
-              <a:p>
-                <a:endParaRPr lang="en-US" sz="1200" err="1">
-                  <a:latin typeface="Calibri"/>
-                  <a:ea typeface="Segoe UI" pitchFamily="34" charset="0"/>
-                  <a:cs typeface="Calibri"/>
-                </a:endParaRPr>
-              </a:p>
-            </p:txBody>
-          </p:sp>
-          <p:sp>
-            <p:nvSpPr>
-              <p:cNvPr id="177" name="TextBox 176">
-                <a:extLst>
-                  <a:ext uri="{FF2B5EF4-FFF2-40B4-BE49-F238E27FC236}">
-                    <a16:creationId xmlns:a16="http://schemas.microsoft.com/office/drawing/2014/main" id="{CEA96CE9-F7C7-49C0-BD62-853AEF83810B}"/>
-                  </a:ext>
-                </a:extLst>
-              </p:cNvPr>
-              <p:cNvSpPr txBox="1"/>
-              <p:nvPr/>
-            </p:nvSpPr>
-            <p:spPr>
-              <a:xfrm>
-                <a:off x="4212421" y="4981294"/>
-                <a:ext cx="1448803" cy="566679"/>
-              </a:xfrm>
-              <a:prstGeom prst="rect">
-                <a:avLst/>
-              </a:prstGeom>
-              <a:ln>
-                <a:noFill/>
-              </a:ln>
-            </p:spPr>
-            <p:txBody>
-              <a:bodyPr vert="horz" wrap="none" lIns="91440" tIns="91440" rIns="91440" bIns="91440" rtlCol="0" anchor="t">
-                <a:noAutofit/>
-              </a:bodyPr>
-              <a:lstStyle/>
-              <a:p>
-                <a:r>
-                  <a:rPr lang="en-US" sz="1200">
-                    <a:latin typeface="Calibri"/>
-                    <a:ea typeface="Segoe UI" pitchFamily="34" charset="0"/>
-                    <a:cs typeface="Calibri"/>
-                  </a:rPr>
-                  <a:t>Offers Service</a:t>
-                </a:r>
-              </a:p>
-              <a:p>
-                <a:r>
-                  <a:rPr lang="en-US" sz="1200">
-                    <a:latin typeface="Calibri"/>
-                    <a:ea typeface="Segoe UI" pitchFamily="34" charset="0"/>
-                    <a:cs typeface="Calibri"/>
-                  </a:rPr>
-                  <a:t>API App</a:t>
-                </a:r>
-              </a:p>
-              <a:p>
-                <a:endParaRPr lang="en-US" sz="1200" err="1">
-                  <a:latin typeface="Calibri"/>
-                  <a:ea typeface="Segoe UI" pitchFamily="34" charset="0"/>
-                  <a:cs typeface="Calibri"/>
-                </a:endParaRPr>
-              </a:p>
-            </p:txBody>
-          </p:sp>
-          <p:pic>
-            <p:nvPicPr>
-              <p:cNvPr id="178" name="Picture 177">
-                <a:extLst>
-                  <a:ext uri="{FF2B5EF4-FFF2-40B4-BE49-F238E27FC236}">
-                    <a16:creationId xmlns:a16="http://schemas.microsoft.com/office/drawing/2014/main" id="{FC1672AA-1357-4020-A4A2-C5F2BBFE3D43}"/>
-                  </a:ext>
-                </a:extLst>
-              </p:cNvPr>
-              <p:cNvPicPr>
-                <a:picLocks noChangeAspect="1"/>
-              </p:cNvPicPr>
-              <p:nvPr/>
-            </p:nvPicPr>
-            <p:blipFill>
-              <a:blip r:embed="rId10" cstate="print">
-                <a:extLst>
-                  <a:ext uri="{28A0092B-C50C-407E-A947-70E740481C1C}">
-                    <a14:useLocalDpi xmlns:a14="http://schemas.microsoft.com/office/drawing/2010/main" val="0"/>
-                  </a:ext>
-                </a:extLst>
-              </a:blip>
-              <a:stretch>
-                <a:fillRect/>
-              </a:stretch>
-            </p:blipFill>
-            <p:spPr>
-              <a:xfrm>
-                <a:off x="3737323" y="5067135"/>
-                <a:ext cx="481713" cy="481713"/>
-              </a:xfrm>
-              <a:prstGeom prst="rect">
-                <a:avLst/>
-              </a:prstGeom>
-            </p:spPr>
-          </p:pic>
-        </p:grpSp>
-        <p:cxnSp>
-          <p:nvCxnSpPr>
-            <p:cNvPr id="110" name="Elbow Connector 181">
-              <a:extLst>
-                <a:ext uri="{FF2B5EF4-FFF2-40B4-BE49-F238E27FC236}">
-                  <a16:creationId xmlns:a16="http://schemas.microsoft.com/office/drawing/2014/main" id="{EB6BE8AE-C963-4E9F-A0D0-F1DCAA91D98F}"/>
-                </a:ext>
-              </a:extLst>
-            </p:cNvPr>
-            <p:cNvCxnSpPr>
-              <a:cxnSpLocks/>
-              <a:stCxn id="135" idx="1"/>
-              <a:endCxn id="154" idx="1"/>
-            </p:cNvCxnSpPr>
-            <p:nvPr/>
-          </p:nvCxnSpPr>
-          <p:spPr>
-            <a:xfrm rot="10800000" flipV="1">
-              <a:off x="2852698" y="2563838"/>
-              <a:ext cx="855266" cy="2091795"/>
-            </a:xfrm>
-            <a:prstGeom prst="bentConnector3">
-              <a:avLst>
-                <a:gd name="adj1" fmla="val 199702"/>
-              </a:avLst>
-            </a:prstGeom>
-            <a:ln>
-              <a:tailEnd type="triangle"/>
-            </a:ln>
-          </p:spPr>
-          <p:style>
-            <a:lnRef idx="1">
-              <a:schemeClr val="accent2"/>
-            </a:lnRef>
-            <a:fillRef idx="0">
-              <a:schemeClr val="accent2"/>
-            </a:fillRef>
-            <a:effectRef idx="0">
-              <a:schemeClr val="accent2"/>
-            </a:effectRef>
-            <a:fontRef idx="minor">
-              <a:schemeClr val="tx1"/>
-            </a:fontRef>
-          </p:style>
-        </p:cxnSp>
-        <p:grpSp>
-          <p:nvGrpSpPr>
-            <p:cNvPr id="111" name="Group 110">
-              <a:extLst>
-                <a:ext uri="{FF2B5EF4-FFF2-40B4-BE49-F238E27FC236}">
-                  <a16:creationId xmlns:a16="http://schemas.microsoft.com/office/drawing/2014/main" id="{92D140C5-29BE-4777-B78A-FF6EF6C9694D}"/>
-                </a:ext>
-              </a:extLst>
-            </p:cNvPr>
-            <p:cNvGrpSpPr/>
-            <p:nvPr/>
-          </p:nvGrpSpPr>
-          <p:grpSpPr>
-            <a:xfrm>
-              <a:off x="3150368" y="1864725"/>
-              <a:ext cx="1950273" cy="1969109"/>
-              <a:chOff x="1410056" y="3726306"/>
-              <a:chExt cx="1950273" cy="1969109"/>
-            </a:xfrm>
-          </p:grpSpPr>
-          <p:pic>
-            <p:nvPicPr>
-              <p:cNvPr id="135" name="Picture 134" descr="A picture containing text&#10;&#10;Description generated with high confidence">
-                <a:extLst>
-                  <a:ext uri="{FF2B5EF4-FFF2-40B4-BE49-F238E27FC236}">
-                    <a16:creationId xmlns:a16="http://schemas.microsoft.com/office/drawing/2014/main" id="{91D36B90-92D9-4517-A374-74D5C265B750}"/>
-                  </a:ext>
-                </a:extLst>
-              </p:cNvPr>
-              <p:cNvPicPr>
-                <a:picLocks noChangeAspect="1"/>
-              </p:cNvPicPr>
-              <p:nvPr/>
-            </p:nvPicPr>
-            <p:blipFill>
-              <a:blip r:embed="rId11" cstate="print">
-                <a:extLst>
-                  <a:ext uri="{28A0092B-C50C-407E-A947-70E740481C1C}">
-                    <a14:useLocalDpi xmlns:a14="http://schemas.microsoft.com/office/drawing/2010/main" val="0"/>
-                  </a:ext>
-                </a:extLst>
-              </a:blip>
-              <a:stretch>
-                <a:fillRect/>
-              </a:stretch>
-            </p:blipFill>
-            <p:spPr>
-              <a:xfrm>
-                <a:off x="1967652" y="4196820"/>
-                <a:ext cx="457200" cy="457200"/>
-              </a:xfrm>
-              <a:prstGeom prst="rect">
-                <a:avLst/>
-              </a:prstGeom>
-            </p:spPr>
-          </p:pic>
-          <p:sp>
-            <p:nvSpPr>
-              <p:cNvPr id="144" name="TextBox 143">
-                <a:extLst>
-                  <a:ext uri="{FF2B5EF4-FFF2-40B4-BE49-F238E27FC236}">
-                    <a16:creationId xmlns:a16="http://schemas.microsoft.com/office/drawing/2014/main" id="{1733DBF5-4D8E-44F6-B4B6-1407057D658A}"/>
-                  </a:ext>
-                </a:extLst>
-              </p:cNvPr>
-              <p:cNvSpPr txBox="1"/>
-              <p:nvPr/>
-            </p:nvSpPr>
-            <p:spPr>
-              <a:xfrm>
-                <a:off x="1470412" y="4565977"/>
-                <a:ext cx="1451681" cy="462269"/>
-              </a:xfrm>
-              <a:prstGeom prst="rect">
-                <a:avLst/>
-              </a:prstGeom>
-              <a:ln>
-                <a:noFill/>
-              </a:ln>
-            </p:spPr>
-            <p:txBody>
-              <a:bodyPr vert="horz" wrap="none" lIns="91440" tIns="91440" rIns="91440" bIns="91440" rtlCol="0" anchor="t">
-                <a:noAutofit/>
-              </a:bodyPr>
-              <a:lstStyle/>
-              <a:p>
-                <a:pPr algn="ctr"/>
-                <a:r>
-                  <a:rPr lang="en-US" sz="1200" dirty="0">
-                    <a:latin typeface="Calibri"/>
-                    <a:ea typeface="Segoe UI" pitchFamily="34" charset="0"/>
-                    <a:cs typeface="Calibri"/>
-                  </a:rPr>
-                  <a:t>App Gateway w/WAF</a:t>
-                </a:r>
-              </a:p>
-              <a:p>
-                <a:pPr algn="ctr"/>
-                <a:r>
-                  <a:rPr lang="en-US" sz="1000" dirty="0">
-                    <a:latin typeface="Calibri"/>
-                    <a:ea typeface="Segoe UI" pitchFamily="34" charset="0"/>
-                    <a:cs typeface="Calibri"/>
-                  </a:rPr>
-                  <a:t>Secure Web Traffic</a:t>
-                </a:r>
-                <a:br>
-                  <a:rPr lang="en-US" sz="1000" dirty="0">
-                    <a:latin typeface="Calibri"/>
-                    <a:ea typeface="Segoe UI" pitchFamily="34" charset="0"/>
-                    <a:cs typeface="Calibri"/>
-                  </a:rPr>
-                </a:br>
-                <a:r>
-                  <a:rPr lang="en-US" sz="1000" dirty="0">
-                    <a:latin typeface="Calibri"/>
-                    <a:ea typeface="Segoe UI" pitchFamily="34" charset="0"/>
-                    <a:cs typeface="Calibri"/>
-                  </a:rPr>
-                  <a:t>(HTTP/S, Web Sockets)</a:t>
-                </a:r>
-              </a:p>
-              <a:p>
-                <a:pPr algn="ctr"/>
-                <a:endParaRPr lang="en-US" sz="1200" dirty="0">
-                  <a:latin typeface="Calibri"/>
-                  <a:ea typeface="Segoe UI" pitchFamily="34" charset="0"/>
-                  <a:cs typeface="Calibri"/>
-                </a:endParaRPr>
-              </a:p>
-            </p:txBody>
-          </p:sp>
-          <p:sp>
-            <p:nvSpPr>
-              <p:cNvPr id="147" name="Rounded Rectangle 129">
-                <a:extLst>
-                  <a:ext uri="{FF2B5EF4-FFF2-40B4-BE49-F238E27FC236}">
-                    <a16:creationId xmlns:a16="http://schemas.microsoft.com/office/drawing/2014/main" id="{CDC88908-E1A5-459A-9A4A-0C0F441335B3}"/>
-                  </a:ext>
-                </a:extLst>
-              </p:cNvPr>
-              <p:cNvSpPr/>
-              <p:nvPr/>
-            </p:nvSpPr>
-            <p:spPr>
-              <a:xfrm>
-                <a:off x="1460093" y="4086241"/>
-                <a:ext cx="1459103" cy="1158222"/>
-              </a:xfrm>
-              <a:prstGeom prst="roundRect">
-                <a:avLst>
-                  <a:gd name="adj" fmla="val 5638"/>
-                </a:avLst>
-              </a:prstGeom>
-              <a:noFill/>
-              <a:ln w="28575">
-                <a:solidFill>
-                  <a:schemeClr val="bg2"/>
-                </a:solidFill>
-                <a:prstDash val="sysDot"/>
-              </a:ln>
-            </p:spPr>
-            <p:style>
-              <a:lnRef idx="2">
-                <a:schemeClr val="accent1">
-                  <a:shade val="50000"/>
-                </a:schemeClr>
-              </a:lnRef>
-              <a:fillRef idx="1">
-                <a:schemeClr val="accent1"/>
-              </a:fillRef>
-              <a:effectRef idx="0">
-                <a:schemeClr val="accent1"/>
-              </a:effectRef>
-              <a:fontRef idx="minor">
-                <a:schemeClr val="lt1"/>
-              </a:fontRef>
-            </p:style>
-            <p:txBody>
-              <a:bodyPr rot="0" spcFirstLastPara="0" vertOverflow="overflow" horzOverflow="overflow" vert="horz" wrap="square" lIns="91427" tIns="91427" rIns="91427" bIns="91427" numCol="1" spcCol="0" rtlCol="0" fromWordArt="0" anchor="b" anchorCtr="0" forceAA="0" compatLnSpc="1">
-                <a:prstTxWarp prst="textNoShape">
-                  <a:avLst/>
-                </a:prstTxWarp>
-                <a:noAutofit/>
-              </a:bodyPr>
-              <a:lstStyle/>
-              <a:p>
-                <a:pPr algn="r" defTabSz="914225"/>
-                <a:r>
-                  <a:rPr lang="en-US" sz="1200" err="1">
-                    <a:solidFill>
-                      <a:prstClr val="white"/>
-                    </a:solidFill>
-                  </a:rPr>
-                  <a:t> </a:t>
-                </a:r>
-              </a:p>
-            </p:txBody>
-          </p:sp>
-          <p:sp>
-            <p:nvSpPr>
-              <p:cNvPr id="151" name="TextBox 150">
-                <a:extLst>
-                  <a:ext uri="{FF2B5EF4-FFF2-40B4-BE49-F238E27FC236}">
-                    <a16:creationId xmlns:a16="http://schemas.microsoft.com/office/drawing/2014/main" id="{43EDE06B-511E-4F1D-94AB-4C4E9EF950C3}"/>
-                  </a:ext>
-                </a:extLst>
-              </p:cNvPr>
-              <p:cNvSpPr txBox="1"/>
-              <p:nvPr/>
-            </p:nvSpPr>
-            <p:spPr>
-              <a:xfrm>
-                <a:off x="2216268" y="3726306"/>
-                <a:ext cx="1028813" cy="447682"/>
-              </a:xfrm>
-              <a:prstGeom prst="rect">
-                <a:avLst/>
-              </a:prstGeom>
-              <a:ln>
-                <a:noFill/>
-              </a:ln>
-            </p:spPr>
-            <p:txBody>
-              <a:bodyPr vert="horz" wrap="none" lIns="91440" tIns="91440" rIns="91440" bIns="91440" rtlCol="0" anchor="t">
-                <a:noAutofit/>
-              </a:bodyPr>
-              <a:lstStyle/>
-              <a:p>
-                <a:pPr algn="r"/>
-                <a:r>
-                  <a:rPr lang="en-US" sz="1600" dirty="0">
-                    <a:solidFill>
-                      <a:schemeClr val="tx1">
-                        <a:lumMod val="60000"/>
-                        <a:lumOff val="40000"/>
-                      </a:schemeClr>
-                    </a:solidFill>
-                    <a:latin typeface="Calibri"/>
-                    <a:ea typeface="Segoe UI" pitchFamily="34" charset="0"/>
-                    <a:cs typeface="Calibri"/>
-                  </a:rPr>
-                  <a:t>SubnetA </a:t>
-                </a:r>
-              </a:p>
-            </p:txBody>
-          </p:sp>
-          <p:pic>
-            <p:nvPicPr>
-              <p:cNvPr id="152" name="Picture 151">
-                <a:extLst>
-                  <a:ext uri="{FF2B5EF4-FFF2-40B4-BE49-F238E27FC236}">
-                    <a16:creationId xmlns:a16="http://schemas.microsoft.com/office/drawing/2014/main" id="{D90C54CF-02DF-4DDF-98D8-7BF43099E422}"/>
-                  </a:ext>
-                </a:extLst>
-              </p:cNvPr>
-              <p:cNvPicPr>
-                <a:picLocks noChangeAspect="1"/>
-              </p:cNvPicPr>
-              <p:nvPr/>
-            </p:nvPicPr>
-            <p:blipFill>
-              <a:blip r:embed="rId9" cstate="print">
-                <a:duotone>
-                  <a:schemeClr val="accent6">
-                    <a:shade val="45000"/>
-                    <a:satMod val="135000"/>
-                  </a:schemeClr>
-                  <a:prstClr val="white"/>
-                </a:duotone>
-                <a:extLst>
-                  <a:ext uri="{28A0092B-C50C-407E-A947-70E740481C1C}">
-                    <a14:useLocalDpi xmlns:a14="http://schemas.microsoft.com/office/drawing/2010/main" val="0"/>
-                  </a:ext>
-                </a:extLst>
-              </a:blip>
-              <a:stretch>
-                <a:fillRect/>
-              </a:stretch>
-            </p:blipFill>
-            <p:spPr>
-              <a:xfrm>
-                <a:off x="1410056" y="5199374"/>
-                <a:ext cx="267441" cy="267441"/>
-              </a:xfrm>
-              <a:prstGeom prst="rect">
-                <a:avLst/>
-              </a:prstGeom>
-            </p:spPr>
-          </p:pic>
-          <p:sp>
-            <p:nvSpPr>
-              <p:cNvPr id="153" name="TextBox 152">
-                <a:extLst>
-                  <a:ext uri="{FF2B5EF4-FFF2-40B4-BE49-F238E27FC236}">
-                    <a16:creationId xmlns:a16="http://schemas.microsoft.com/office/drawing/2014/main" id="{09A5347A-119B-43CD-8EFF-BD87194A60F9}"/>
-                  </a:ext>
-                </a:extLst>
-              </p:cNvPr>
-              <p:cNvSpPr txBox="1"/>
-              <p:nvPr/>
-            </p:nvSpPr>
-            <p:spPr>
-              <a:xfrm>
-                <a:off x="1626626" y="5247733"/>
-                <a:ext cx="1733703" cy="447682"/>
-              </a:xfrm>
-              <a:prstGeom prst="rect">
-                <a:avLst/>
-              </a:prstGeom>
-              <a:ln>
-                <a:noFill/>
-              </a:ln>
-            </p:spPr>
-            <p:txBody>
-              <a:bodyPr vert="horz" wrap="none" lIns="91440" tIns="91440" rIns="91440" bIns="91440" rtlCol="0" anchor="t">
-                <a:noAutofit/>
-              </a:bodyPr>
-              <a:lstStyle/>
-              <a:p>
-                <a:r>
-                  <a:rPr lang="en-US" sz="1100" dirty="0">
-                    <a:solidFill>
-                      <a:schemeClr val="tx1">
-                        <a:lumMod val="60000"/>
-                        <a:lumOff val="40000"/>
-                      </a:schemeClr>
-                    </a:solidFill>
-                    <a:latin typeface="Calibri"/>
-                    <a:ea typeface="Segoe UI" pitchFamily="34" charset="0"/>
-                    <a:cs typeface="Calibri"/>
-                  </a:rPr>
-                  <a:t>Restricted by NSG</a:t>
+                  <a:t>SQL failover group</a:t>
                 </a:r>
               </a:p>
             </p:txBody>
@@ -19964,27 +19277,29 @@
       </p:grpSp>
       <p:cxnSp>
         <p:nvCxnSpPr>
-          <p:cNvPr id="181" name="Elbow Connector 181">
+          <p:cNvPr id="125" name="Elbow Connector 149">
             <a:extLst>
               <a:ext uri="{FF2B5EF4-FFF2-40B4-BE49-F238E27FC236}">
-                <a16:creationId xmlns:a16="http://schemas.microsoft.com/office/drawing/2014/main" id="{EC92C9EC-7240-43AE-984E-C13C1C19AFD6}"/>
+                <a16:creationId xmlns:a16="http://schemas.microsoft.com/office/drawing/2014/main" id="{4013AAF1-50CB-4015-8FF1-067AC9A9174D}"/>
               </a:ext>
             </a:extLst>
           </p:cNvPr>
           <p:cNvCxnSpPr>
             <a:cxnSpLocks/>
-            <a:stCxn id="161" idx="3"/>
-            <a:endCxn id="135" idx="0"/>
+            <a:stCxn id="176" idx="3"/>
+            <a:endCxn id="64" idx="1"/>
           </p:cNvCxnSpPr>
           <p:nvPr/>
         </p:nvCxnSpPr>
         <p:spPr>
-          <a:xfrm>
-            <a:off x="6810446" y="1336776"/>
-            <a:ext cx="3180086" cy="995245"/>
-          </a:xfrm>
-          <a:prstGeom prst="bentConnector2">
-            <a:avLst/>
+          <a:xfrm flipV="1">
+            <a:off x="5746819" y="3122583"/>
+            <a:ext cx="1104120" cy="103984"/>
+          </a:xfrm>
+          <a:prstGeom prst="bentConnector3">
+            <a:avLst>
+              <a:gd name="adj1" fmla="val 50000"/>
+            </a:avLst>
           </a:prstGeom>
           <a:ln>
             <a:tailEnd type="triangle"/>
@@ -19992,194 +19307,84 @@
         </p:spPr>
         <p:style>
           <a:lnRef idx="1">
-            <a:schemeClr val="accent2"/>
+            <a:schemeClr val="accent1"/>
           </a:lnRef>
           <a:fillRef idx="0">
-            <a:schemeClr val="accent2"/>
+            <a:schemeClr val="accent1"/>
           </a:fillRef>
           <a:effectRef idx="0">
-            <a:schemeClr val="accent2"/>
+            <a:schemeClr val="accent1"/>
           </a:effectRef>
           <a:fontRef idx="minor">
             <a:schemeClr val="tx1"/>
           </a:fontRef>
         </p:style>
       </p:cxnSp>
-      <p:sp>
-        <p:nvSpPr>
-          <p:cNvPr id="183" name="TextBox 182">
+      <p:cxnSp>
+        <p:nvCxnSpPr>
+          <p:cNvPr id="126" name="Elbow Connector 149">
             <a:extLst>
               <a:ext uri="{FF2B5EF4-FFF2-40B4-BE49-F238E27FC236}">
-                <a16:creationId xmlns:a16="http://schemas.microsoft.com/office/drawing/2014/main" id="{57765D08-2796-4B3F-9916-69316B8A2C90}"/>
+                <a16:creationId xmlns:a16="http://schemas.microsoft.com/office/drawing/2014/main" id="{2665D66A-5A3E-436B-AC11-33CFD5B62A57}"/>
               </a:ext>
             </a:extLst>
           </p:cNvPr>
-          <p:cNvSpPr txBox="1"/>
+          <p:cNvCxnSpPr>
+            <a:cxnSpLocks/>
+            <a:stCxn id="68" idx="3"/>
+            <a:endCxn id="64" idx="1"/>
+          </p:cNvCxnSpPr>
           <p:nvPr/>
-        </p:nvSpPr>
-        <p:spPr>
-          <a:xfrm>
-            <a:off x="10589931" y="1353584"/>
-            <a:ext cx="635573" cy="447682"/>
-          </a:xfrm>
-          <a:prstGeom prst="rect">
-            <a:avLst/>
+        </p:nvCxnSpPr>
+        <p:spPr>
+          <a:xfrm>
+            <a:off x="5834280" y="2638671"/>
+            <a:ext cx="1016659" cy="483912"/>
+          </a:xfrm>
+          <a:prstGeom prst="bentConnector3">
+            <a:avLst>
+              <a:gd name="adj1" fmla="val 50000"/>
+            </a:avLst>
           </a:prstGeom>
           <a:ln>
-            <a:noFill/>
+            <a:tailEnd type="triangle"/>
           </a:ln>
         </p:spPr>
-        <p:txBody>
-          <a:bodyPr vert="horz" wrap="none" lIns="91440" tIns="91440" rIns="91440" bIns="91440" rtlCol="0" anchor="t">
-            <a:noAutofit/>
-          </a:bodyPr>
-          <a:lstStyle/>
-          <a:p>
-            <a:pPr algn="r"/>
-            <a:r>
-              <a:rPr lang="en-US" sz="1600" dirty="0">
-                <a:solidFill>
-                  <a:schemeClr val="tx1">
-                    <a:lumMod val="60000"/>
-                    <a:lumOff val="40000"/>
-                  </a:schemeClr>
-                </a:solidFill>
-                <a:latin typeface="Calibri"/>
-                <a:ea typeface="Segoe UI" pitchFamily="34" charset="0"/>
-                <a:cs typeface="Calibri"/>
-              </a:rPr>
-              <a:t>Region 2</a:t>
-            </a:r>
-          </a:p>
-        </p:txBody>
-      </p:sp>
-      <p:sp>
-        <p:nvSpPr>
-          <p:cNvPr id="83" name="Arrow: Left-Right 82">
-            <a:extLst>
-              <a:ext uri="{FF2B5EF4-FFF2-40B4-BE49-F238E27FC236}">
-                <a16:creationId xmlns:a16="http://schemas.microsoft.com/office/drawing/2014/main" id="{62D881D6-AB93-42D4-ACA6-2A105519B876}"/>
-              </a:ext>
-            </a:extLst>
-          </p:cNvPr>
-          <p:cNvSpPr/>
-          <p:nvPr/>
-        </p:nvSpPr>
-        <p:spPr>
-          <a:xfrm>
-            <a:off x="5830043" y="4178835"/>
-            <a:ext cx="1597361" cy="525756"/>
-          </a:xfrm>
-          <a:prstGeom prst="leftRightArrow">
-            <a:avLst/>
-          </a:prstGeom>
-          <a:solidFill>
-            <a:schemeClr val="bg1">
-              <a:lumMod val="75000"/>
-            </a:schemeClr>
-          </a:solidFill>
-          <a:ln>
-            <a:noFill/>
-          </a:ln>
-        </p:spPr>
         <p:style>
-          <a:lnRef idx="2">
-            <a:schemeClr val="accent1">
-              <a:shade val="50000"/>
-            </a:schemeClr>
+          <a:lnRef idx="1">
+            <a:schemeClr val="accent1"/>
           </a:lnRef>
-          <a:fillRef idx="1">
+          <a:fillRef idx="0">
             <a:schemeClr val="accent1"/>
           </a:fillRef>
           <a:effectRef idx="0">
             <a:schemeClr val="accent1"/>
           </a:effectRef>
           <a:fontRef idx="minor">
-            <a:schemeClr val="lt1"/>
+            <a:schemeClr val="tx1"/>
           </a:fontRef>
         </p:style>
-        <p:txBody>
-          <a:bodyPr rot="0" spcFirstLastPara="0" vertOverflow="overflow" horzOverflow="overflow" vert="horz" wrap="square" lIns="91440" tIns="91440" rIns="91440" bIns="91440" numCol="1" spcCol="0" rtlCol="0" fromWordArt="0" anchor="b" anchorCtr="0" forceAA="0" compatLnSpc="1">
-            <a:prstTxWarp prst="textNoShape">
-              <a:avLst/>
-            </a:prstTxWarp>
-            <a:noAutofit/>
-          </a:bodyPr>
-          <a:lstStyle/>
-          <a:p>
-            <a:pPr algn="r"/>
-            <a:endParaRPr lang="en-US" sz="1200" dirty="0" err="1"/>
-          </a:p>
-        </p:txBody>
-      </p:sp>
-      <p:sp>
-        <p:nvSpPr>
-          <p:cNvPr id="184" name="TextBox 183">
+      </p:cxnSp>
+      <p:cxnSp>
+        <p:nvCxnSpPr>
+          <p:cNvPr id="144" name="Elbow Connector 145">
             <a:extLst>
               <a:ext uri="{FF2B5EF4-FFF2-40B4-BE49-F238E27FC236}">
-                <a16:creationId xmlns:a16="http://schemas.microsoft.com/office/drawing/2014/main" id="{C3CCEA33-EE4C-49E5-9A26-958A54AA6539}"/>
-              </a:ext>
-            </a:extLst>
-          </p:cNvPr>
-          <p:cNvSpPr txBox="1"/>
-          <p:nvPr/>
-        </p:nvSpPr>
-        <p:spPr>
-          <a:xfrm>
-            <a:off x="6301873" y="3862416"/>
-            <a:ext cx="640288" cy="447682"/>
-          </a:xfrm>
-          <a:prstGeom prst="rect">
-            <a:avLst/>
-          </a:prstGeom>
-          <a:ln>
-            <a:noFill/>
-          </a:ln>
-        </p:spPr>
-        <p:txBody>
-          <a:bodyPr vert="horz" wrap="none" lIns="91440" tIns="91440" rIns="91440" bIns="91440" rtlCol="0" anchor="t">
-            <a:noAutofit/>
-          </a:bodyPr>
-          <a:lstStyle/>
-          <a:p>
-            <a:pPr algn="ctr"/>
-            <a:r>
-              <a:rPr lang="en-US" sz="1600" dirty="0">
-                <a:solidFill>
-                  <a:schemeClr val="tx1">
-                    <a:lumMod val="60000"/>
-                    <a:lumOff val="40000"/>
-                  </a:schemeClr>
-                </a:solidFill>
-                <a:latin typeface="Calibri"/>
-                <a:ea typeface="Segoe UI" pitchFamily="34" charset="0"/>
-                <a:cs typeface="Calibri"/>
-              </a:rPr>
-              <a:t>Peer or VPN</a:t>
-            </a:r>
-          </a:p>
-        </p:txBody>
-      </p:sp>
-      <p:cxnSp>
-        <p:nvCxnSpPr>
-          <p:cNvPr id="185" name="Elbow Connector 181">
-            <a:extLst>
-              <a:ext uri="{FF2B5EF4-FFF2-40B4-BE49-F238E27FC236}">
-                <a16:creationId xmlns:a16="http://schemas.microsoft.com/office/drawing/2014/main" id="{677071E0-7770-412E-B5D4-8CA6E5CBCB8F}"/>
+                <a16:creationId xmlns:a16="http://schemas.microsoft.com/office/drawing/2014/main" id="{C5343373-4ADB-45AE-B52E-E35D26FDDF15}"/>
               </a:ext>
             </a:extLst>
           </p:cNvPr>
           <p:cNvCxnSpPr>
             <a:cxnSpLocks/>
-            <a:stCxn id="180" idx="2"/>
-            <a:endCxn id="161" idx="0"/>
+            <a:stCxn id="80" idx="2"/>
+            <a:endCxn id="28" idx="0"/>
           </p:cNvCxnSpPr>
           <p:nvPr/>
         </p:nvCxnSpPr>
         <p:spPr>
-          <a:xfrm rot="16200000" flipH="1">
-            <a:off x="6381370" y="907700"/>
-            <a:ext cx="373832" cy="2605"/>
+          <a:xfrm rot="5400000">
+            <a:off x="3896008" y="4782608"/>
+            <a:ext cx="289671" cy="214504"/>
           </a:xfrm>
           <a:prstGeom prst="bentConnector3">
             <a:avLst>
@@ -20192,13 +19397,144 @@
         </p:spPr>
         <p:style>
           <a:lnRef idx="1">
-            <a:schemeClr val="accent2"/>
+            <a:schemeClr val="accent4"/>
           </a:lnRef>
           <a:fillRef idx="0">
-            <a:schemeClr val="accent2"/>
+            <a:schemeClr val="accent4"/>
           </a:fillRef>
           <a:effectRef idx="0">
-            <a:schemeClr val="accent2"/>
+            <a:schemeClr val="accent4"/>
+          </a:effectRef>
+          <a:fontRef idx="minor">
+            <a:schemeClr val="tx1"/>
+          </a:fontRef>
+        </p:style>
+      </p:cxnSp>
+      <p:cxnSp>
+        <p:nvCxnSpPr>
+          <p:cNvPr id="154" name="Elbow Connector 145">
+            <a:extLst>
+              <a:ext uri="{FF2B5EF4-FFF2-40B4-BE49-F238E27FC236}">
+                <a16:creationId xmlns:a16="http://schemas.microsoft.com/office/drawing/2014/main" id="{C8C0663C-214D-46FB-99FC-4B2FC7F44FDD}"/>
+              </a:ext>
+            </a:extLst>
+          </p:cNvPr>
+          <p:cNvCxnSpPr>
+            <a:cxnSpLocks/>
+            <a:stCxn id="76" idx="3"/>
+            <a:endCxn id="22" idx="1"/>
+          </p:cNvCxnSpPr>
+          <p:nvPr/>
+        </p:nvCxnSpPr>
+        <p:spPr>
+          <a:xfrm flipV="1">
+            <a:off x="5100737" y="5202400"/>
+            <a:ext cx="750829" cy="73153"/>
+          </a:xfrm>
+          <a:prstGeom prst="bentConnector3">
+            <a:avLst>
+              <a:gd name="adj1" fmla="val 50000"/>
+            </a:avLst>
+          </a:prstGeom>
+          <a:ln>
+            <a:tailEnd type="triangle"/>
+          </a:ln>
+        </p:spPr>
+        <p:style>
+          <a:lnRef idx="1">
+            <a:schemeClr val="accent4"/>
+          </a:lnRef>
+          <a:fillRef idx="0">
+            <a:schemeClr val="accent4"/>
+          </a:fillRef>
+          <a:effectRef idx="0">
+            <a:schemeClr val="accent4"/>
+          </a:effectRef>
+          <a:fontRef idx="minor">
+            <a:schemeClr val="tx1"/>
+          </a:fontRef>
+        </p:style>
+      </p:cxnSp>
+      <p:cxnSp>
+        <p:nvCxnSpPr>
+          <p:cNvPr id="162" name="Elbow Connector 161"/>
+          <p:cNvCxnSpPr>
+            <a:cxnSpLocks/>
+            <a:stCxn id="124" idx="2"/>
+            <a:endCxn id="116" idx="1"/>
+          </p:cNvCxnSpPr>
+          <p:nvPr/>
+        </p:nvCxnSpPr>
+        <p:spPr>
+          <a:xfrm rot="16200000" flipH="1">
+            <a:off x="6685299" y="1793771"/>
+            <a:ext cx="594246" cy="4298529"/>
+          </a:xfrm>
+          <a:prstGeom prst="bentConnector2">
+            <a:avLst/>
+          </a:prstGeom>
+          <a:ln>
+            <a:solidFill>
+              <a:schemeClr val="accent3">
+                <a:lumMod val="60000"/>
+                <a:lumOff val="40000"/>
+              </a:schemeClr>
+            </a:solidFill>
+            <a:tailEnd type="triangle"/>
+          </a:ln>
+        </p:spPr>
+        <p:style>
+          <a:lnRef idx="1">
+            <a:schemeClr val="accent1"/>
+          </a:lnRef>
+          <a:fillRef idx="0">
+            <a:schemeClr val="accent1"/>
+          </a:fillRef>
+          <a:effectRef idx="0">
+            <a:schemeClr val="accent1"/>
+          </a:effectRef>
+          <a:fontRef idx="minor">
+            <a:schemeClr val="tx1"/>
+          </a:fontRef>
+        </p:style>
+      </p:cxnSp>
+      <p:cxnSp>
+        <p:nvCxnSpPr>
+          <p:cNvPr id="198" name="Elbow Connector 149">
+            <a:extLst>
+              <a:ext uri="{FF2B5EF4-FFF2-40B4-BE49-F238E27FC236}">
+                <a16:creationId xmlns:a16="http://schemas.microsoft.com/office/drawing/2014/main" id="{0A6C6CDF-8CB4-47E0-BBC1-A687F65C4B80}"/>
+              </a:ext>
+            </a:extLst>
+          </p:cNvPr>
+          <p:cNvCxnSpPr>
+            <a:cxnSpLocks/>
+            <a:stCxn id="9" idx="2"/>
+            <a:endCxn id="17" idx="1"/>
+          </p:cNvCxnSpPr>
+          <p:nvPr/>
+        </p:nvCxnSpPr>
+        <p:spPr>
+          <a:xfrm rot="16200000" flipH="1">
+            <a:off x="3997353" y="2369161"/>
+            <a:ext cx="359296" cy="179723"/>
+          </a:xfrm>
+          <a:prstGeom prst="bentConnector2">
+            <a:avLst/>
+          </a:prstGeom>
+          <a:ln>
+            <a:tailEnd type="triangle"/>
+          </a:ln>
+        </p:spPr>
+        <p:style>
+          <a:lnRef idx="1">
+            <a:schemeClr val="accent1"/>
+          </a:lnRef>
+          <a:fillRef idx="0">
+            <a:schemeClr val="accent1"/>
+          </a:fillRef>
+          <a:effectRef idx="0">
+            <a:schemeClr val="accent1"/>
           </a:effectRef>
           <a:fontRef idx="minor">
             <a:schemeClr val="tx1"/>
@@ -20208,7 +19544,7 @@
     </p:spTree>
     <p:extLst>
       <p:ext uri="{BB962C8B-B14F-4D97-AF65-F5344CB8AC3E}">
-        <p14:creationId xmlns:p14="http://schemas.microsoft.com/office/powerpoint/2010/main" val="340640882"/>
+        <p14:creationId xmlns:p14="http://schemas.microsoft.com/office/powerpoint/2010/main" val="3899410157"/>
       </p:ext>
     </p:extLst>
   </p:cSld>
@@ -22231,15 +21567,6 @@
 </file>
 
 <file path=customXml/item1.xml><?xml version="1.0" encoding="utf-8"?>
-<?mso-contentType ?>
-<FormTemplates xmlns="http://schemas.microsoft.com/sharepoint/v3/contenttype/forms">
-  <Display>DocumentLibraryForm</Display>
-  <Edit>DocumentLibraryForm</Edit>
-  <New>DocumentLibraryForm</New>
-</FormTemplates>
-</file>
-
-<file path=customXml/item2.xml><?xml version="1.0" encoding="utf-8"?>
 <ct:contentTypeSchema xmlns:ct="http://schemas.microsoft.com/office/2006/metadata/contentType" xmlns:ma="http://schemas.microsoft.com/office/2006/metadata/properties/metaAttributes" ct:_="" ma:_="" ma:contentTypeName="Document" ma:contentTypeID="0x0101007A5F0B92DD208A429EDF1E879C18027B" ma:contentTypeVersion="1" ma:contentTypeDescription="Create a new document." ma:contentTypeScope="" ma:versionID="ce0f49f3eaaed11b2f37183efa000f18">
   <xsd:schema xmlns:xsd="http://www.w3.org/2001/XMLSchema" xmlns:xs="http://www.w3.org/2001/XMLSchema" xmlns:p="http://schemas.microsoft.com/office/2006/metadata/properties" xmlns:ns3="b1eac095-f4ed-4ca2-88ef-95980cb65d0f" targetNamespace="http://schemas.microsoft.com/office/2006/metadata/properties" ma:root="true" ma:fieldsID="7941c56e05cd1be91f7cbb4b9232f44a" ns3:_="">
     <xsd:import namespace="b1eac095-f4ed-4ca2-88ef-95980cb65d0f"/>
@@ -22379,6 +21706,15 @@
 </ct:contentTypeSchema>
 </file>
 
+<file path=customXml/item2.xml><?xml version="1.0" encoding="utf-8"?>
+<?mso-contentType ?>
+<FormTemplates xmlns="http://schemas.microsoft.com/sharepoint/v3/contenttype/forms">
+  <Display>DocumentLibraryForm</Display>
+  <Edit>DocumentLibraryForm</Edit>
+  <New>DocumentLibraryForm</New>
+</FormTemplates>
+</file>
+
 <file path=customXml/item3.xml><?xml version="1.0" encoding="utf-8"?>
 <p:properties xmlns:p="http://schemas.microsoft.com/office/2006/metadata/properties" xmlns:xsi="http://www.w3.org/2001/XMLSchema-instance" xmlns:pc="http://schemas.microsoft.com/office/infopath/2007/PartnerControls">
   <documentManagement/>
@@ -22386,14 +21722,6 @@
 </file>
 
 <file path=customXml/itemProps1.xml><?xml version="1.0" encoding="utf-8"?>
-<ds:datastoreItem xmlns:ds="http://schemas.openxmlformats.org/officeDocument/2006/customXml" ds:itemID="{3301510A-9EC9-404A-818F-BE10941C0925}">
-  <ds:schemaRefs>
-    <ds:schemaRef ds:uri="http://schemas.microsoft.com/sharepoint/v3/contenttype/forms"/>
-  </ds:schemaRefs>
-</ds:datastoreItem>
-</file>
-
-<file path=customXml/itemProps2.xml><?xml version="1.0" encoding="utf-8"?>
 <ds:datastoreItem xmlns:ds="http://schemas.openxmlformats.org/officeDocument/2006/customXml" ds:itemID="{B3A0A71B-49CA-45A4-9598-53D7A642998F}">
   <ds:schemaRefs>
     <ds:schemaRef ds:uri="http://schemas.microsoft.com/office/2006/metadata/contentType"/>
@@ -22411,15 +21739,23 @@
 </ds:datastoreItem>
 </file>
 
+<file path=customXml/itemProps2.xml><?xml version="1.0" encoding="utf-8"?>
+<ds:datastoreItem xmlns:ds="http://schemas.openxmlformats.org/officeDocument/2006/customXml" ds:itemID="{3301510A-9EC9-404A-818F-BE10941C0925}">
+  <ds:schemaRefs>
+    <ds:schemaRef ds:uri="http://schemas.microsoft.com/sharepoint/v3/contenttype/forms"/>
+  </ds:schemaRefs>
+</ds:datastoreItem>
+</file>
+
 <file path=customXml/itemProps3.xml><?xml version="1.0" encoding="utf-8"?>
 <ds:datastoreItem xmlns:ds="http://schemas.openxmlformats.org/officeDocument/2006/customXml" ds:itemID="{267EEB37-FBC8-444E-88CF-DF8C59083097}">
   <ds:schemaRefs>
+    <ds:schemaRef ds:uri="http://schemas.microsoft.com/office/infopath/2007/PartnerControls"/>
+    <ds:schemaRef ds:uri="http://purl.org/dc/elements/1.1/"/>
+    <ds:schemaRef ds:uri="http://schemas.microsoft.com/office/2006/metadata/properties"/>
     <ds:schemaRef ds:uri="http://purl.org/dc/terms/"/>
     <ds:schemaRef ds:uri="b1eac095-f4ed-4ca2-88ef-95980cb65d0f"/>
     <ds:schemaRef ds:uri="http://schemas.microsoft.com/office/2006/documentManagement/types"/>
-    <ds:schemaRef ds:uri="http://schemas.microsoft.com/office/infopath/2007/PartnerControls"/>
-    <ds:schemaRef ds:uri="http://purl.org/dc/elements/1.1/"/>
-    <ds:schemaRef ds:uri="http://schemas.microsoft.com/office/2006/metadata/properties"/>
     <ds:schemaRef ds:uri="http://schemas.openxmlformats.org/package/2006/metadata/core-properties"/>
     <ds:schemaRef ds:uri="http://www.w3.org/XML/1998/namespace"/>
     <ds:schemaRef ds:uri="http://purl.org/dc/dcmitype/"/>
